--- a/docs/allteam-061409-toronto/Toronto_BehindTheScenes.pptx
+++ b/docs/allteam-061409-toronto/Toronto_BehindTheScenes.pptx
@@ -5,10 +5,10 @@
     <p:sldMasterId id="2147483648" r:id="rId1"/>
   </p:sldMasterIdLst>
   <p:notesMasterIdLst>
-    <p:notesMasterId r:id="rId18"/>
+    <p:notesMasterId r:id="rId19"/>
   </p:notesMasterIdLst>
   <p:handoutMasterIdLst>
-    <p:handoutMasterId r:id="rId19"/>
+    <p:handoutMasterId r:id="rId20"/>
   </p:handoutMasterIdLst>
   <p:sldIdLst>
     <p:sldId id="256" r:id="rId2"/>
@@ -25,8 +25,9 @@
     <p:sldId id="301" r:id="rId13"/>
     <p:sldId id="297" r:id="rId14"/>
     <p:sldId id="296" r:id="rId15"/>
-    <p:sldId id="304" r:id="rId16"/>
-    <p:sldId id="305" r:id="rId17"/>
+    <p:sldId id="306" r:id="rId16"/>
+    <p:sldId id="304" r:id="rId17"/>
+    <p:sldId id="305" r:id="rId18"/>
   </p:sldIdLst>
   <p:sldSz cx="9144000" cy="6858000" type="screen4x3"/>
   <p:notesSz cx="6881813" cy="9296400"/>
@@ -885,6 +886,88 @@
 </file>
 
 <file path=ppt/notesSlides/notesSlide2.xml><?xml version="1.0" encoding="utf-8"?>
+<p:notes xmlns:a="http://schemas.openxmlformats.org/drawingml/2006/main" xmlns:r="http://schemas.openxmlformats.org/officeDocument/2006/relationships" xmlns:p="http://schemas.openxmlformats.org/presentationml/2006/main">
+  <p:cSld>
+    <p:spTree>
+      <p:nvGrpSpPr>
+        <p:cNvPr id="1" name=""/>
+        <p:cNvGrpSpPr/>
+        <p:nvPr/>
+      </p:nvGrpSpPr>
+      <p:grpSpPr>
+        <a:xfrm>
+          <a:off x="0" y="0"/>
+          <a:ext cx="0" cy="0"/>
+          <a:chOff x="0" y="0"/>
+          <a:chExt cx="0" cy="0"/>
+        </a:xfrm>
+      </p:grpSpPr>
+      <p:sp>
+        <p:nvSpPr>
+          <p:cNvPr id="2" name="Slide Image Placeholder 1"/>
+          <p:cNvSpPr>
+            <a:spLocks noGrp="1" noRot="1" noChangeAspect="1"/>
+          </p:cNvSpPr>
+          <p:nvPr>
+            <p:ph type="sldImg"/>
+          </p:nvPr>
+        </p:nvSpPr>
+        <p:spPr/>
+      </p:sp>
+      <p:sp>
+        <p:nvSpPr>
+          <p:cNvPr id="3" name="Notes Placeholder 2"/>
+          <p:cNvSpPr>
+            <a:spLocks noGrp="1"/>
+          </p:cNvSpPr>
+          <p:nvPr>
+            <p:ph type="body" idx="1"/>
+          </p:nvPr>
+        </p:nvSpPr>
+        <p:spPr/>
+        <p:txBody>
+          <a:bodyPr>
+            <a:normAutofit/>
+          </a:bodyPr>
+          <a:lstStyle/>
+          <a:p>
+            <a:endParaRPr lang="en-US" dirty="0"/>
+          </a:p>
+        </p:txBody>
+      </p:sp>
+      <p:sp>
+        <p:nvSpPr>
+          <p:cNvPr id="4" name="Slide Number Placeholder 3"/>
+          <p:cNvSpPr>
+            <a:spLocks noGrp="1"/>
+          </p:cNvSpPr>
+          <p:nvPr>
+            <p:ph type="sldNum" sz="quarter" idx="10"/>
+          </p:nvPr>
+        </p:nvSpPr>
+        <p:spPr/>
+        <p:txBody>
+          <a:bodyPr/>
+          <a:lstStyle/>
+          <a:p>
+            <a:fld id="{C7367BC2-82EE-4E4F-AADE-08DA742D7F1E}" type="slidenum">
+              <a:rPr lang="en-US" smtClean="0"/>
+              <a:pPr/>
+              <a:t>3</a:t>
+            </a:fld>
+            <a:endParaRPr lang="en-US"/>
+          </a:p>
+        </p:txBody>
+      </p:sp>
+    </p:spTree>
+  </p:cSld>
+  <p:clrMapOvr>
+    <a:masterClrMapping/>
+  </p:clrMapOvr>
+</p:notes>
+</file>
+
+<file path=ppt/notesSlides/notesSlide3.xml><?xml version="1.0" encoding="utf-8"?>
 <p:notes xmlns:a="http://schemas.openxmlformats.org/drawingml/2006/main" xmlns:r="http://schemas.openxmlformats.org/officeDocument/2006/relationships" xmlns:p="http://schemas.openxmlformats.org/presentationml/2006/main">
   <p:cSld>
     <p:spTree>
@@ -4256,7 +4339,7 @@
         <p:spPr>
           <a:xfrm>
             <a:off x="685800" y="685800"/>
-            <a:ext cx="7772400" cy="838200"/>
+            <a:ext cx="7772400" cy="609600"/>
           </a:xfrm>
         </p:spPr>
         <p:txBody>
@@ -4264,10 +4347,10 @@
           <a:lstStyle/>
           <a:p>
             <a:r>
-              <a:rPr lang="en-US" dirty="0" smtClean="0"/>
+              <a:rPr lang="en-US" sz="3600" dirty="0" smtClean="0"/>
               <a:t>Develop JAX-RS Resource</a:t>
             </a:r>
-            <a:endParaRPr lang="en-US" dirty="0"/>
+            <a:endParaRPr lang="en-US" sz="3600" dirty="0"/>
           </a:p>
         </p:txBody>
       </p:sp>
@@ -4284,8 +4367,11 @@
         <p:spPr>
           <a:xfrm>
             <a:off x="685800" y="1371600"/>
-            <a:ext cx="7772400" cy="4648200"/>
+            <a:ext cx="7772400" cy="4953000"/>
           </a:xfrm>
+          <a:solidFill>
+            <a:srgbClr val="FFFF66"/>
+          </a:solidFill>
         </p:spPr>
         <p:txBody>
           <a:bodyPr/>
@@ -4295,7 +4381,10 @@
               <a:buNone/>
             </a:pPr>
             <a:r>
-              <a:rPr lang="en-US" sz="1200" dirty="0" smtClean="0">
+              <a:rPr lang="en-US" sz="1200" b="1" dirty="0" smtClean="0">
+                <a:solidFill>
+                  <a:schemeClr val="accent2"/>
+                </a:solidFill>
                 <a:latin typeface="Courier" pitchFamily="49" charset="0"/>
               </a:rPr>
               <a:t>@POST</a:t>
@@ -4306,19 +4395,28 @@
               <a:buNone/>
             </a:pPr>
             <a:r>
-              <a:rPr lang="en-US" sz="1200" dirty="0" smtClean="0">
+              <a:rPr lang="en-US" sz="1200" b="1" dirty="0" smtClean="0">
+                <a:solidFill>
+                  <a:schemeClr val="accent2"/>
+                </a:solidFill>
                 <a:latin typeface="Courier" pitchFamily="49" charset="0"/>
               </a:rPr>
               <a:t>public Response </a:t>
             </a:r>
             <a:r>
-              <a:rPr lang="en-US" sz="1200" dirty="0" err="1" smtClean="0">
+              <a:rPr lang="en-US" sz="1200" b="1" dirty="0" err="1" smtClean="0">
+                <a:solidFill>
+                  <a:schemeClr val="accent2"/>
+                </a:solidFill>
                 <a:latin typeface="Courier" pitchFamily="49" charset="0"/>
               </a:rPr>
               <a:t>createCollectionObject</a:t>
             </a:r>
             <a:r>
-              <a:rPr lang="en-US" sz="1200" dirty="0" smtClean="0">
+              <a:rPr lang="en-US" sz="1200" b="1" dirty="0" smtClean="0">
+                <a:solidFill>
+                  <a:schemeClr val="accent2"/>
+                </a:solidFill>
                 <a:latin typeface="Courier" pitchFamily="49" charset="0"/>
               </a:rPr>
               <a:t>(CollectionObject co) { </a:t>
@@ -4329,7 +4427,10 @@
               <a:buNone/>
             </a:pPr>
             <a:r>
-              <a:rPr lang="en-US" sz="1200" dirty="0" smtClean="0">
+              <a:rPr lang="en-US" sz="1200" b="1" dirty="0" smtClean="0">
+                <a:solidFill>
+                  <a:schemeClr val="accent2"/>
+                </a:solidFill>
                 <a:latin typeface="Courier" pitchFamily="49" charset="0"/>
               </a:rPr>
               <a:t>…</a:t>
@@ -4340,43 +4441,64 @@
               <a:buNone/>
             </a:pPr>
             <a:r>
-              <a:rPr lang="en-US" sz="1200" dirty="0" smtClean="0">
+              <a:rPr lang="en-US" sz="1200" b="1" dirty="0" smtClean="0">
+                <a:solidFill>
+                  <a:schemeClr val="accent2"/>
+                </a:solidFill>
                 <a:latin typeface="Courier" pitchFamily="49" charset="0"/>
               </a:rPr>
               <a:t>    </a:t>
             </a:r>
             <a:r>
-              <a:rPr lang="en-US" sz="1200" dirty="0" err="1" smtClean="0">
+              <a:rPr lang="en-US" sz="1200" b="1" dirty="0" err="1" smtClean="0">
+                <a:solidFill>
+                  <a:schemeClr val="accent2"/>
+                </a:solidFill>
                 <a:latin typeface="Courier" pitchFamily="49" charset="0"/>
               </a:rPr>
               <a:t>RepositoryInstance</a:t>
             </a:r>
             <a:r>
-              <a:rPr lang="en-US" sz="1200" dirty="0" smtClean="0">
+              <a:rPr lang="en-US" sz="1200" b="1" dirty="0" smtClean="0">
+                <a:solidFill>
+                  <a:schemeClr val="accent2"/>
+                </a:solidFill>
                 <a:latin typeface="Courier" pitchFamily="49" charset="0"/>
               </a:rPr>
               <a:t> </a:t>
             </a:r>
             <a:r>
               <a:rPr lang="en-US" sz="1200" b="1" dirty="0" err="1" smtClean="0">
+                <a:solidFill>
+                  <a:schemeClr val="accent2"/>
+                </a:solidFill>
                 <a:latin typeface="Courier" pitchFamily="49" charset="0"/>
               </a:rPr>
               <a:t>repoSession</a:t>
             </a:r>
             <a:r>
               <a:rPr lang="en-US" sz="1200" b="1" dirty="0" smtClean="0">
+                <a:solidFill>
+                  <a:schemeClr val="accent2"/>
+                </a:solidFill>
                 <a:latin typeface="Courier" pitchFamily="49" charset="0"/>
               </a:rPr>
               <a:t> = </a:t>
             </a:r>
             <a:r>
               <a:rPr lang="en-US" sz="1200" b="1" dirty="0" err="1" smtClean="0">
+                <a:solidFill>
+                  <a:srgbClr val="FF0000"/>
+                </a:solidFill>
                 <a:latin typeface="Courier" pitchFamily="49" charset="0"/>
               </a:rPr>
               <a:t>getRepositorySession</a:t>
             </a:r>
             <a:r>
               <a:rPr lang="en-US" sz="1200" b="1" dirty="0" smtClean="0">
+                <a:solidFill>
+                  <a:srgbClr val="FF0000"/>
+                </a:solidFill>
                 <a:latin typeface="Courier" pitchFamily="49" charset="0"/>
               </a:rPr>
               <a:t>();</a:t>
@@ -4388,42 +4510,63 @@
             </a:pPr>
             <a:r>
               <a:rPr lang="en-US" sz="1200" b="1" dirty="0" smtClean="0">
+                <a:solidFill>
+                  <a:schemeClr val="accent2"/>
+                </a:solidFill>
                 <a:latin typeface="Courier" pitchFamily="49" charset="0"/>
               </a:rPr>
               <a:t>    </a:t>
             </a:r>
             <a:r>
               <a:rPr lang="en-US" sz="1200" b="1" dirty="0" err="1" smtClean="0">
+                <a:solidFill>
+                  <a:schemeClr val="accent2"/>
+                </a:solidFill>
                 <a:latin typeface="Courier" pitchFamily="49" charset="0"/>
               </a:rPr>
               <a:t>DocumentRef</a:t>
             </a:r>
             <a:r>
               <a:rPr lang="en-US" sz="1200" b="1" dirty="0" smtClean="0">
+                <a:solidFill>
+                  <a:schemeClr val="accent2"/>
+                </a:solidFill>
                 <a:latin typeface="Courier" pitchFamily="49" charset="0"/>
               </a:rPr>
               <a:t> </a:t>
             </a:r>
             <a:r>
               <a:rPr lang="en-US" sz="1200" b="1" dirty="0" err="1" smtClean="0">
+                <a:solidFill>
+                  <a:schemeClr val="accent2"/>
+                </a:solidFill>
                 <a:latin typeface="Courier" pitchFamily="49" charset="0"/>
               </a:rPr>
               <a:t>nuxeoWspace</a:t>
             </a:r>
             <a:r>
               <a:rPr lang="en-US" sz="1200" b="1" dirty="0" smtClean="0">
+                <a:solidFill>
+                  <a:schemeClr val="accent2"/>
+                </a:solidFill>
                 <a:latin typeface="Courier" pitchFamily="49" charset="0"/>
               </a:rPr>
               <a:t> = new </a:t>
             </a:r>
             <a:r>
               <a:rPr lang="en-US" sz="1200" b="1" dirty="0" err="1" smtClean="0">
+                <a:solidFill>
+                  <a:srgbClr val="FF0000"/>
+                </a:solidFill>
                 <a:latin typeface="Courier" pitchFamily="49" charset="0"/>
               </a:rPr>
               <a:t>IdRef</a:t>
             </a:r>
             <a:r>
               <a:rPr lang="en-US" sz="1200" b="1" dirty="0" smtClean="0">
+                <a:solidFill>
+                  <a:srgbClr val="FF0000"/>
+                </a:solidFill>
                 <a:latin typeface="Courier" pitchFamily="49" charset="0"/>
               </a:rPr>
               <a:t>(CS_COLLECTIONOBJECTS_WORKSPACE_UID);</a:t>
@@ -4434,55 +4577,82 @@
               <a:buNone/>
             </a:pPr>
             <a:r>
-              <a:rPr lang="en-US" sz="1200" dirty="0" smtClean="0">
+              <a:rPr lang="en-US" sz="1200" b="1" dirty="0" smtClean="0">
+                <a:solidFill>
+                  <a:schemeClr val="accent2"/>
+                </a:solidFill>
                 <a:latin typeface="Courier" pitchFamily="49" charset="0"/>
               </a:rPr>
               <a:t>    </a:t>
             </a:r>
             <a:r>
-              <a:rPr lang="en-US" sz="1200" dirty="0" err="1" smtClean="0">
+              <a:rPr lang="en-US" sz="1200" b="1" dirty="0" err="1" smtClean="0">
+                <a:solidFill>
+                  <a:schemeClr val="accent2"/>
+                </a:solidFill>
                 <a:latin typeface="Courier" pitchFamily="49" charset="0"/>
               </a:rPr>
               <a:t>DocumentModel</a:t>
             </a:r>
             <a:r>
-              <a:rPr lang="en-US" sz="1200" dirty="0" smtClean="0">
+              <a:rPr lang="en-US" sz="1200" b="1" dirty="0" smtClean="0">
+                <a:solidFill>
+                  <a:schemeClr val="accent2"/>
+                </a:solidFill>
                 <a:latin typeface="Courier" pitchFamily="49" charset="0"/>
               </a:rPr>
               <a:t> </a:t>
             </a:r>
             <a:r>
-              <a:rPr lang="en-US" sz="1200" dirty="0" err="1" smtClean="0">
+              <a:rPr lang="en-US" sz="1200" b="1" dirty="0" err="1" smtClean="0">
+                <a:solidFill>
+                  <a:schemeClr val="accent2"/>
+                </a:solidFill>
                 <a:latin typeface="Courier" pitchFamily="49" charset="0"/>
               </a:rPr>
               <a:t>wspaceCOs</a:t>
             </a:r>
             <a:r>
-              <a:rPr lang="en-US" sz="1200" dirty="0" smtClean="0">
+              <a:rPr lang="en-US" sz="1200" b="1" dirty="0" smtClean="0">
+                <a:solidFill>
+                  <a:schemeClr val="accent2"/>
+                </a:solidFill>
                 <a:latin typeface="Courier" pitchFamily="49" charset="0"/>
               </a:rPr>
               <a:t> = </a:t>
             </a:r>
             <a:r>
-              <a:rPr lang="en-US" sz="1200" dirty="0" err="1" smtClean="0">
+              <a:rPr lang="en-US" sz="1200" b="1" dirty="0" err="1" smtClean="0">
+                <a:solidFill>
+                  <a:schemeClr val="accent2"/>
+                </a:solidFill>
                 <a:latin typeface="Courier" pitchFamily="49" charset="0"/>
               </a:rPr>
               <a:t>repoSession.getDocument</a:t>
             </a:r>
             <a:r>
-              <a:rPr lang="en-US" sz="1200" dirty="0" smtClean="0">
+              <a:rPr lang="en-US" sz="1200" b="1" dirty="0" smtClean="0">
+                <a:solidFill>
+                  <a:schemeClr val="accent2"/>
+                </a:solidFill>
                 <a:latin typeface="Courier" pitchFamily="49" charset="0"/>
               </a:rPr>
               <a:t>(</a:t>
             </a:r>
             <a:r>
-              <a:rPr lang="en-US" sz="1200" dirty="0" err="1" smtClean="0">
+              <a:rPr lang="en-US" sz="1200" b="1" dirty="0" err="1" smtClean="0">
+                <a:solidFill>
+                  <a:schemeClr val="accent2"/>
+                </a:solidFill>
                 <a:latin typeface="Courier" pitchFamily="49" charset="0"/>
               </a:rPr>
               <a:t>nuxeoWspace</a:t>
             </a:r>
             <a:r>
-              <a:rPr lang="en-US" sz="1200" dirty="0" smtClean="0">
+              <a:rPr lang="en-US" sz="1200" b="1" dirty="0" smtClean="0">
+                <a:solidFill>
+                  <a:schemeClr val="accent2"/>
+                </a:solidFill>
                 <a:latin typeface="Courier" pitchFamily="49" charset="0"/>
               </a:rPr>
               <a:t>);</a:t>
@@ -4493,31 +4663,46 @@
               <a:buNone/>
             </a:pPr>
             <a:r>
-              <a:rPr lang="en-US" sz="1200" dirty="0" smtClean="0">
+              <a:rPr lang="en-US" sz="1200" b="1" dirty="0" smtClean="0">
+                <a:solidFill>
+                  <a:schemeClr val="accent2"/>
+                </a:solidFill>
                 <a:latin typeface="Courier" pitchFamily="49" charset="0"/>
               </a:rPr>
               <a:t>    String </a:t>
             </a:r>
             <a:r>
-              <a:rPr lang="en-US" sz="1200" dirty="0" err="1" smtClean="0">
+              <a:rPr lang="en-US" sz="1200" b="1" dirty="0" err="1" smtClean="0">
+                <a:solidFill>
+                  <a:schemeClr val="accent2"/>
+                </a:solidFill>
                 <a:latin typeface="Courier" pitchFamily="49" charset="0"/>
               </a:rPr>
               <a:t>wspacePath</a:t>
             </a:r>
             <a:r>
-              <a:rPr lang="en-US" sz="1200" dirty="0" smtClean="0">
+              <a:rPr lang="en-US" sz="1200" b="1" dirty="0" smtClean="0">
+                <a:solidFill>
+                  <a:schemeClr val="accent2"/>
+                </a:solidFill>
                 <a:latin typeface="Courier" pitchFamily="49" charset="0"/>
               </a:rPr>
               <a:t> = </a:t>
             </a:r>
             <a:r>
-              <a:rPr lang="en-US" sz="1200" dirty="0" err="1" smtClean="0">
+              <a:rPr lang="en-US" sz="1200" b="1" dirty="0" err="1" smtClean="0">
+                <a:solidFill>
+                  <a:schemeClr val="accent2"/>
+                </a:solidFill>
                 <a:latin typeface="Courier" pitchFamily="49" charset="0"/>
               </a:rPr>
               <a:t>wspaceCOs.getPathAsString</a:t>
             </a:r>
             <a:r>
-              <a:rPr lang="en-US" sz="1200" dirty="0" smtClean="0">
+              <a:rPr lang="en-US" sz="1200" b="1" dirty="0" smtClean="0">
+                <a:solidFill>
+                  <a:schemeClr val="accent2"/>
+                </a:solidFill>
                 <a:latin typeface="Courier" pitchFamily="49" charset="0"/>
               </a:rPr>
               <a:t>();</a:t>
@@ -4528,66 +4713,78 @@
               <a:buNone/>
             </a:pPr>
             <a:r>
-              <a:rPr lang="en-US" sz="1200" dirty="0" smtClean="0">
+              <a:rPr lang="en-US" sz="1200" b="1" dirty="0" smtClean="0">
+                <a:solidFill>
+                  <a:schemeClr val="accent2"/>
+                </a:solidFill>
                 <a:latin typeface="Courier" pitchFamily="49" charset="0"/>
               </a:rPr>
               <a:t>    String </a:t>
             </a:r>
             <a:r>
-              <a:rPr lang="en-US" sz="1200" dirty="0" err="1" smtClean="0">
+              <a:rPr lang="en-US" sz="1200" b="1" dirty="0" err="1" smtClean="0">
+                <a:solidFill>
+                  <a:srgbClr val="FF0000"/>
+                </a:solidFill>
                 <a:latin typeface="Courier" pitchFamily="49" charset="0"/>
               </a:rPr>
               <a:t>docType</a:t>
             </a:r>
             <a:r>
-              <a:rPr lang="en-US" sz="1200" dirty="0" smtClean="0">
-                <a:latin typeface="Courier" pitchFamily="49" charset="0"/>
-              </a:rPr>
-              <a:t> = “</a:t>
-            </a:r>
-            <a:r>
               <a:rPr lang="en-US" sz="1200" b="1" dirty="0" smtClean="0">
-                <a:latin typeface="Courier" pitchFamily="49" charset="0"/>
-              </a:rPr>
-              <a:t>CollectionObject</a:t>
-            </a:r>
-            <a:r>
-              <a:rPr lang="en-US" sz="1200" dirty="0" smtClean="0">
-                <a:latin typeface="Courier" pitchFamily="49" charset="0"/>
-              </a:rPr>
-              <a:t>";</a:t>
-            </a:r>
-          </a:p>
-          <a:p>
-            <a:pPr>
-              <a:buNone/>
-            </a:pPr>
-            <a:r>
-              <a:rPr lang="en-US" sz="1200" dirty="0" smtClean="0">
+                <a:solidFill>
+                  <a:srgbClr val="FF0000"/>
+                </a:solidFill>
+                <a:latin typeface="Courier" pitchFamily="49" charset="0"/>
+              </a:rPr>
+              <a:t> = “CollectionObject";</a:t>
+            </a:r>
+          </a:p>
+          <a:p>
+            <a:pPr>
+              <a:buNone/>
+            </a:pPr>
+            <a:r>
+              <a:rPr lang="en-US" sz="1200" b="1" dirty="0" smtClean="0">
+                <a:solidFill>
+                  <a:schemeClr val="accent2"/>
+                </a:solidFill>
                 <a:latin typeface="Courier" pitchFamily="49" charset="0"/>
               </a:rPr>
               <a:t>    String id = </a:t>
             </a:r>
             <a:r>
-              <a:rPr lang="en-US" sz="1200" dirty="0" err="1" smtClean="0">
+              <a:rPr lang="en-US" sz="1200" b="1" dirty="0" err="1" smtClean="0">
+                <a:solidFill>
+                  <a:schemeClr val="accent2"/>
+                </a:solidFill>
                 <a:latin typeface="Courier" pitchFamily="49" charset="0"/>
               </a:rPr>
               <a:t>IdUtils.generateId</a:t>
             </a:r>
             <a:r>
-              <a:rPr lang="en-US" sz="1200" dirty="0" smtClean="0">
+              <a:rPr lang="en-US" sz="1200" b="1" dirty="0" smtClean="0">
+                <a:solidFill>
+                  <a:schemeClr val="accent2"/>
+                </a:solidFill>
                 <a:latin typeface="Courier" pitchFamily="49" charset="0"/>
               </a:rPr>
               <a:t>("New " + </a:t>
             </a:r>
             <a:r>
-              <a:rPr lang="en-US" sz="1200" dirty="0" err="1" smtClean="0">
+              <a:rPr lang="en-US" sz="1200" b="1" dirty="0" err="1" smtClean="0">
+                <a:solidFill>
+                  <a:schemeClr val="accent2"/>
+                </a:solidFill>
                 <a:latin typeface="Courier" pitchFamily="49" charset="0"/>
               </a:rPr>
               <a:t>docType</a:t>
             </a:r>
             <a:r>
-              <a:rPr lang="en-US" sz="1200" dirty="0" smtClean="0">
+              <a:rPr lang="en-US" sz="1200" b="1" dirty="0" smtClean="0">
+                <a:solidFill>
+                  <a:schemeClr val="accent2"/>
+                </a:solidFill>
                 <a:latin typeface="Courier" pitchFamily="49" charset="0"/>
               </a:rPr>
               <a:t>);</a:t>
@@ -4599,66 +4796,99 @@
             </a:pPr>
             <a:r>
               <a:rPr lang="en-US" sz="1200" b="1" dirty="0" smtClean="0">
+                <a:solidFill>
+                  <a:schemeClr val="accent2"/>
+                </a:solidFill>
                 <a:latin typeface="Courier" pitchFamily="49" charset="0"/>
               </a:rPr>
               <a:t>    </a:t>
             </a:r>
             <a:r>
               <a:rPr lang="en-US" sz="1200" b="1" dirty="0" err="1" smtClean="0">
+                <a:solidFill>
+                  <a:schemeClr val="accent2"/>
+                </a:solidFill>
                 <a:latin typeface="Courier" pitchFamily="49" charset="0"/>
               </a:rPr>
               <a:t>DocumentModel</a:t>
             </a:r>
             <a:r>
               <a:rPr lang="en-US" sz="1200" b="1" dirty="0" smtClean="0">
+                <a:solidFill>
+                  <a:schemeClr val="accent2"/>
+                </a:solidFill>
                 <a:latin typeface="Courier" pitchFamily="49" charset="0"/>
               </a:rPr>
               <a:t> </a:t>
             </a:r>
             <a:r>
               <a:rPr lang="en-US" sz="1200" b="1" dirty="0" err="1" smtClean="0">
+                <a:solidFill>
+                  <a:schemeClr val="accent2"/>
+                </a:solidFill>
                 <a:latin typeface="Courier" pitchFamily="49" charset="0"/>
               </a:rPr>
               <a:t>coDoc</a:t>
             </a:r>
             <a:r>
               <a:rPr lang="en-US" sz="1200" b="1" dirty="0" smtClean="0">
+                <a:solidFill>
+                  <a:schemeClr val="accent2"/>
+                </a:solidFill>
                 <a:latin typeface="Courier" pitchFamily="49" charset="0"/>
               </a:rPr>
               <a:t> = </a:t>
             </a:r>
             <a:r>
               <a:rPr lang="en-US" sz="1200" b="1" dirty="0" err="1" smtClean="0">
+                <a:solidFill>
+                  <a:srgbClr val="FF0000"/>
+                </a:solidFill>
                 <a:latin typeface="Courier" pitchFamily="49" charset="0"/>
               </a:rPr>
               <a:t>repoSession.createDocumentModel</a:t>
             </a:r>
             <a:r>
               <a:rPr lang="en-US" sz="1200" b="1" dirty="0" smtClean="0">
+                <a:solidFill>
+                  <a:srgbClr val="FF0000"/>
+                </a:solidFill>
                 <a:latin typeface="Courier" pitchFamily="49" charset="0"/>
               </a:rPr>
               <a:t>(</a:t>
             </a:r>
             <a:r>
               <a:rPr lang="en-US" sz="1200" b="1" dirty="0" err="1" smtClean="0">
+                <a:solidFill>
+                  <a:srgbClr val="FF0000"/>
+                </a:solidFill>
                 <a:latin typeface="Courier" pitchFamily="49" charset="0"/>
               </a:rPr>
               <a:t>wspacePath</a:t>
             </a:r>
             <a:r>
               <a:rPr lang="en-US" sz="1200" b="1" dirty="0" smtClean="0">
+                <a:solidFill>
+                  <a:srgbClr val="FF0000"/>
+                </a:solidFill>
                 <a:latin typeface="Courier" pitchFamily="49" charset="0"/>
               </a:rPr>
               <a:t>, id, </a:t>
             </a:r>
             <a:r>
               <a:rPr lang="en-US" sz="1200" b="1" dirty="0" err="1" smtClean="0">
+                <a:solidFill>
+                  <a:srgbClr val="FF0000"/>
+                </a:solidFill>
                 <a:latin typeface="Courier" pitchFamily="49" charset="0"/>
               </a:rPr>
               <a:t>docType</a:t>
             </a:r>
             <a:r>
               <a:rPr lang="en-US" sz="1200" b="1" dirty="0" smtClean="0">
+                <a:solidFill>
+                  <a:srgbClr val="FF0000"/>
+                </a:solidFill>
                 <a:latin typeface="Courier" pitchFamily="49" charset="0"/>
               </a:rPr>
               <a:t>);</a:t>
@@ -4669,31 +4899,46 @@
               <a:buNone/>
             </a:pPr>
             <a:r>
-              <a:rPr lang="en-US" sz="1200" dirty="0" smtClean="0">
+              <a:rPr lang="en-US" sz="1200" b="1" dirty="0" smtClean="0">
+                <a:solidFill>
+                  <a:schemeClr val="accent2"/>
+                </a:solidFill>
                 <a:latin typeface="Courier" pitchFamily="49" charset="0"/>
               </a:rPr>
               <a:t>    </a:t>
             </a:r>
             <a:r>
-              <a:rPr lang="en-US" sz="1200" dirty="0" err="1" smtClean="0">
+              <a:rPr lang="en-US" sz="1200" b="1" dirty="0" err="1" smtClean="0">
+                <a:solidFill>
+                  <a:schemeClr val="accent2"/>
+                </a:solidFill>
                 <a:latin typeface="Courier" pitchFamily="49" charset="0"/>
               </a:rPr>
               <a:t>fillDocument</a:t>
             </a:r>
             <a:r>
-              <a:rPr lang="en-US" sz="1200" dirty="0" smtClean="0">
+              <a:rPr lang="en-US" sz="1200" b="1" dirty="0" smtClean="0">
+                <a:solidFill>
+                  <a:schemeClr val="accent2"/>
+                </a:solidFill>
                 <a:latin typeface="Courier" pitchFamily="49" charset="0"/>
               </a:rPr>
               <a:t>(co, </a:t>
             </a:r>
             <a:r>
-              <a:rPr lang="en-US" sz="1200" dirty="0" err="1" smtClean="0">
+              <a:rPr lang="en-US" sz="1200" b="1" dirty="0" err="1" smtClean="0">
+                <a:solidFill>
+                  <a:schemeClr val="accent2"/>
+                </a:solidFill>
                 <a:latin typeface="Courier" pitchFamily="49" charset="0"/>
               </a:rPr>
               <a:t>coDoc</a:t>
             </a:r>
             <a:r>
-              <a:rPr lang="en-US" sz="1200" dirty="0" smtClean="0">
+              <a:rPr lang="en-US" sz="1200" b="1" dirty="0" smtClean="0">
+                <a:solidFill>
+                  <a:schemeClr val="accent2"/>
+                </a:solidFill>
                 <a:latin typeface="Courier" pitchFamily="49" charset="0"/>
               </a:rPr>
               <a:t>);</a:t>
@@ -4705,42 +4950,63 @@
             </a:pPr>
             <a:r>
               <a:rPr lang="en-US" sz="1200" b="1" dirty="0" smtClean="0">
+                <a:solidFill>
+                  <a:schemeClr val="accent2"/>
+                </a:solidFill>
                 <a:latin typeface="Courier" pitchFamily="49" charset="0"/>
               </a:rPr>
               <a:t>    </a:t>
             </a:r>
             <a:r>
               <a:rPr lang="en-US" sz="1200" b="1" dirty="0" err="1" smtClean="0">
+                <a:solidFill>
+                  <a:srgbClr val="FF0000"/>
+                </a:solidFill>
                 <a:latin typeface="Courier" pitchFamily="49" charset="0"/>
               </a:rPr>
               <a:t>coDoc</a:t>
             </a:r>
             <a:r>
               <a:rPr lang="en-US" sz="1200" b="1" dirty="0" smtClean="0">
+                <a:solidFill>
+                  <a:srgbClr val="FF0000"/>
+                </a:solidFill>
                 <a:latin typeface="Courier" pitchFamily="49" charset="0"/>
               </a:rPr>
               <a:t> = </a:t>
             </a:r>
             <a:r>
               <a:rPr lang="en-US" sz="1200" b="1" dirty="0" err="1" smtClean="0">
+                <a:solidFill>
+                  <a:srgbClr val="FF0000"/>
+                </a:solidFill>
                 <a:latin typeface="Courier" pitchFamily="49" charset="0"/>
               </a:rPr>
               <a:t>repoSession.createDocument</a:t>
             </a:r>
             <a:r>
               <a:rPr lang="en-US" sz="1200" b="1" dirty="0" smtClean="0">
+                <a:solidFill>
+                  <a:srgbClr val="FF0000"/>
+                </a:solidFill>
                 <a:latin typeface="Courier" pitchFamily="49" charset="0"/>
               </a:rPr>
               <a:t>(</a:t>
             </a:r>
             <a:r>
               <a:rPr lang="en-US" sz="1200" b="1" dirty="0" err="1" smtClean="0">
+                <a:solidFill>
+                  <a:srgbClr val="FF0000"/>
+                </a:solidFill>
                 <a:latin typeface="Courier" pitchFamily="49" charset="0"/>
               </a:rPr>
               <a:t>coDoc</a:t>
             </a:r>
             <a:r>
               <a:rPr lang="en-US" sz="1200" b="1" dirty="0" smtClean="0">
+                <a:solidFill>
+                  <a:srgbClr val="FF0000"/>
+                </a:solidFill>
                 <a:latin typeface="Courier" pitchFamily="49" charset="0"/>
               </a:rPr>
               <a:t>);</a:t>
@@ -4752,18 +5018,27 @@
             </a:pPr>
             <a:r>
               <a:rPr lang="en-US" sz="1200" b="1" dirty="0" smtClean="0">
+                <a:solidFill>
+                  <a:srgbClr val="FF0000"/>
+                </a:solidFill>
                 <a:latin typeface="Courier" pitchFamily="49" charset="0"/>
               </a:rPr>
               <a:t>    </a:t>
             </a:r>
             <a:r>
               <a:rPr lang="en-US" sz="1200" b="1" dirty="0" err="1" smtClean="0">
+                <a:solidFill>
+                  <a:srgbClr val="FF0000"/>
+                </a:solidFill>
                 <a:latin typeface="Courier" pitchFamily="49" charset="0"/>
               </a:rPr>
               <a:t>repoSession.save</a:t>
             </a:r>
             <a:r>
               <a:rPr lang="en-US" sz="1200" b="1" dirty="0" smtClean="0">
+                <a:solidFill>
+                  <a:srgbClr val="FF0000"/>
+                </a:solidFill>
                 <a:latin typeface="Courier" pitchFamily="49" charset="0"/>
               </a:rPr>
               <a:t>();</a:t>
@@ -4774,31 +5049,46 @@
               <a:buNone/>
             </a:pPr>
             <a:r>
-              <a:rPr lang="en-US" sz="1400" dirty="0" smtClean="0">
+              <a:rPr lang="en-US" sz="1400" b="1" dirty="0" smtClean="0">
+                <a:solidFill>
+                  <a:schemeClr val="accent2"/>
+                </a:solidFill>
                 <a:latin typeface="Courier" pitchFamily="49" charset="0"/>
               </a:rPr>
               <a:t> 	</a:t>
             </a:r>
             <a:r>
-              <a:rPr lang="en-US" sz="1200" dirty="0" err="1" smtClean="0">
+              <a:rPr lang="en-US" sz="1200" b="1" dirty="0" err="1" smtClean="0">
+                <a:solidFill>
+                  <a:srgbClr val="FF0000"/>
+                </a:solidFill>
                 <a:latin typeface="Courier" pitchFamily="49" charset="0"/>
               </a:rPr>
               <a:t>co.setId</a:t>
             </a:r>
             <a:r>
-              <a:rPr lang="en-US" sz="1200" dirty="0" smtClean="0">
+              <a:rPr lang="en-US" sz="1200" b="1" dirty="0" smtClean="0">
+                <a:solidFill>
+                  <a:srgbClr val="FF0000"/>
+                </a:solidFill>
                 <a:latin typeface="Courier" pitchFamily="49" charset="0"/>
               </a:rPr>
               <a:t>(</a:t>
             </a:r>
             <a:r>
-              <a:rPr lang="en-US" sz="1200" dirty="0" err="1" smtClean="0">
+              <a:rPr lang="en-US" sz="1200" b="1" dirty="0" err="1" smtClean="0">
+                <a:solidFill>
+                  <a:srgbClr val="FF0000"/>
+                </a:solidFill>
                 <a:latin typeface="Courier" pitchFamily="49" charset="0"/>
               </a:rPr>
               <a:t>coDoc.getId</a:t>
             </a:r>
             <a:r>
-              <a:rPr lang="en-US" sz="1200" dirty="0" smtClean="0">
+              <a:rPr lang="en-US" sz="1200" b="1" dirty="0" smtClean="0">
+                <a:solidFill>
+                  <a:srgbClr val="FF0000"/>
+                </a:solidFill>
                 <a:latin typeface="Courier" pitchFamily="49" charset="0"/>
               </a:rPr>
               <a:t>());</a:t>
@@ -4809,12 +5099,18 @@
               <a:buNone/>
             </a:pPr>
             <a:r>
-              <a:rPr lang="en-US" sz="1200" dirty="0" smtClean="0">
+              <a:rPr lang="en-US" sz="1200" b="1" dirty="0" smtClean="0">
+                <a:solidFill>
+                  <a:schemeClr val="accent2"/>
+                </a:solidFill>
                 <a:latin typeface="Courier" pitchFamily="49" charset="0"/>
               </a:rPr>
               <a:t>  …</a:t>
             </a:r>
-            <a:endParaRPr lang="en-US" sz="1400" dirty="0" smtClean="0">
+            <a:endParaRPr lang="en-US" sz="1400" b="1" dirty="0" smtClean="0">
+              <a:solidFill>
+                <a:schemeClr val="accent2"/>
+              </a:solidFill>
               <a:latin typeface="Courier" pitchFamily="49" charset="0"/>
             </a:endParaRPr>
           </a:p>
@@ -4823,43 +5119,64 @@
               <a:buNone/>
             </a:pPr>
             <a:r>
-              <a:rPr lang="en-US" sz="1400" dirty="0" smtClean="0">
+              <a:rPr lang="en-US" sz="1400" b="1" dirty="0" smtClean="0">
+                <a:solidFill>
+                  <a:schemeClr val="accent2"/>
+                </a:solidFill>
                 <a:latin typeface="Courier" pitchFamily="49" charset="0"/>
               </a:rPr>
               <a:t> </a:t>
             </a:r>
             <a:r>
               <a:rPr lang="en-US" sz="1200" b="1" dirty="0" err="1" smtClean="0">
+                <a:solidFill>
+                  <a:srgbClr val="FF0000"/>
+                </a:solidFill>
                 <a:latin typeface="Courier" pitchFamily="49" charset="0"/>
               </a:rPr>
               <a:t>UriBuilder</a:t>
             </a:r>
             <a:r>
               <a:rPr lang="en-US" sz="1200" b="1" dirty="0" smtClean="0">
+                <a:solidFill>
+                  <a:srgbClr val="FF0000"/>
+                </a:solidFill>
                 <a:latin typeface="Courier" pitchFamily="49" charset="0"/>
               </a:rPr>
               <a:t> path = </a:t>
             </a:r>
             <a:r>
               <a:rPr lang="en-US" sz="1200" b="1" dirty="0" err="1" smtClean="0">
+                <a:solidFill>
+                  <a:srgbClr val="FF0000"/>
+                </a:solidFill>
                 <a:latin typeface="Courier" pitchFamily="49" charset="0"/>
               </a:rPr>
               <a:t>UriBuilder.fromResource</a:t>
             </a:r>
             <a:r>
               <a:rPr lang="en-US" sz="1200" b="1" dirty="0" smtClean="0">
+                <a:solidFill>
+                  <a:srgbClr val="FF0000"/>
+                </a:solidFill>
                 <a:latin typeface="Courier" pitchFamily="49" charset="0"/>
               </a:rPr>
               <a:t>(</a:t>
             </a:r>
             <a:r>
               <a:rPr lang="en-US" sz="1200" b="1" dirty="0" err="1" smtClean="0">
+                <a:solidFill>
+                  <a:srgbClr val="FF0000"/>
+                </a:solidFill>
                 <a:latin typeface="Courier" pitchFamily="49" charset="0"/>
               </a:rPr>
               <a:t>CollectionObjectResource.class</a:t>
             </a:r>
             <a:r>
               <a:rPr lang="en-US" sz="1200" b="1" dirty="0" smtClean="0">
+                <a:solidFill>
+                  <a:srgbClr val="FF0000"/>
+                </a:solidFill>
                 <a:latin typeface="Courier" pitchFamily="49" charset="0"/>
               </a:rPr>
               <a:t>);</a:t>
@@ -4871,30 +5188,45 @@
             </a:pPr>
             <a:r>
               <a:rPr lang="en-US" sz="1200" b="1" dirty="0" smtClean="0">
+                <a:solidFill>
+                  <a:srgbClr val="FF0000"/>
+                </a:solidFill>
                 <a:latin typeface="Courier" pitchFamily="49" charset="0"/>
               </a:rPr>
               <a:t> </a:t>
             </a:r>
             <a:r>
               <a:rPr lang="en-US" sz="1200" b="1" dirty="0" err="1" smtClean="0">
+                <a:solidFill>
+                  <a:srgbClr val="FF0000"/>
+                </a:solidFill>
                 <a:latin typeface="Courier" pitchFamily="49" charset="0"/>
               </a:rPr>
               <a:t>path.path</a:t>
             </a:r>
             <a:r>
               <a:rPr lang="en-US" sz="1200" b="1" dirty="0" smtClean="0">
+                <a:solidFill>
+                  <a:srgbClr val="FF0000"/>
+                </a:solidFill>
                 <a:latin typeface="Courier" pitchFamily="49" charset="0"/>
               </a:rPr>
               <a:t>("" + </a:t>
             </a:r>
             <a:r>
               <a:rPr lang="en-US" sz="1200" b="1" dirty="0" err="1" smtClean="0">
+                <a:solidFill>
+                  <a:srgbClr val="FF0000"/>
+                </a:solidFill>
                 <a:latin typeface="Courier" pitchFamily="49" charset="0"/>
               </a:rPr>
               <a:t>co.getId</a:t>
             </a:r>
             <a:r>
               <a:rPr lang="en-US" sz="1200" b="1" dirty="0" smtClean="0">
+                <a:solidFill>
+                  <a:srgbClr val="FF0000"/>
+                </a:solidFill>
                 <a:latin typeface="Courier" pitchFamily="49" charset="0"/>
               </a:rPr>
               <a:t>());</a:t>
@@ -4905,43 +5237,64 @@
               <a:buNone/>
             </a:pPr>
             <a:r>
-              <a:rPr lang="en-US" sz="1200" dirty="0" smtClean="0">
+              <a:rPr lang="en-US" sz="1200" b="1" dirty="0" smtClean="0">
+                <a:solidFill>
+                  <a:schemeClr val="accent2"/>
+                </a:solidFill>
                 <a:latin typeface="Courier" pitchFamily="49" charset="0"/>
               </a:rPr>
               <a:t> Response </a:t>
             </a:r>
             <a:r>
-              <a:rPr lang="en-US" sz="1200" dirty="0" err="1" smtClean="0">
+              <a:rPr lang="en-US" sz="1200" b="1" dirty="0" err="1" smtClean="0">
+                <a:solidFill>
+                  <a:schemeClr val="accent2"/>
+                </a:solidFill>
                 <a:latin typeface="Courier" pitchFamily="49" charset="0"/>
               </a:rPr>
               <a:t>response</a:t>
             </a:r>
             <a:r>
-              <a:rPr lang="en-US" sz="1200" dirty="0" smtClean="0">
+              <a:rPr lang="en-US" sz="1200" b="1" dirty="0" smtClean="0">
+                <a:solidFill>
+                  <a:schemeClr val="accent2"/>
+                </a:solidFill>
                 <a:latin typeface="Courier" pitchFamily="49" charset="0"/>
               </a:rPr>
               <a:t> = </a:t>
             </a:r>
             <a:r>
-              <a:rPr lang="en-US" sz="1200" dirty="0" err="1" smtClean="0">
+              <a:rPr lang="en-US" sz="1200" b="1" dirty="0" err="1" smtClean="0">
+                <a:solidFill>
+                  <a:schemeClr val="accent2"/>
+                </a:solidFill>
                 <a:latin typeface="Courier" pitchFamily="49" charset="0"/>
               </a:rPr>
               <a:t>Response.created</a:t>
             </a:r>
             <a:r>
-              <a:rPr lang="en-US" sz="1200" dirty="0" smtClean="0">
+              <a:rPr lang="en-US" sz="1200" b="1" dirty="0" smtClean="0">
+                <a:solidFill>
+                  <a:schemeClr val="accent2"/>
+                </a:solidFill>
                 <a:latin typeface="Courier" pitchFamily="49" charset="0"/>
               </a:rPr>
               <a:t>(</a:t>
             </a:r>
             <a:r>
-              <a:rPr lang="en-US" sz="1200" dirty="0" err="1" smtClean="0">
+              <a:rPr lang="en-US" sz="1200" b="1" dirty="0" err="1" smtClean="0">
+                <a:solidFill>
+                  <a:schemeClr val="accent2"/>
+                </a:solidFill>
                 <a:latin typeface="Courier" pitchFamily="49" charset="0"/>
               </a:rPr>
               <a:t>path.build</a:t>
             </a:r>
             <a:r>
-              <a:rPr lang="en-US" sz="1200" dirty="0" smtClean="0">
+              <a:rPr lang="en-US" sz="1200" b="1" dirty="0" smtClean="0">
+                <a:solidFill>
+                  <a:schemeClr val="accent2"/>
+                </a:solidFill>
                 <a:latin typeface="Courier" pitchFamily="49" charset="0"/>
               </a:rPr>
               <a:t>()).build();</a:t>
@@ -4952,7 +5305,10 @@
               <a:buNone/>
             </a:pPr>
             <a:r>
-              <a:rPr lang="en-US" sz="1200" dirty="0" smtClean="0">
+              <a:rPr lang="en-US" sz="1200" b="1" dirty="0" smtClean="0">
+                <a:solidFill>
+                  <a:schemeClr val="accent2"/>
+                </a:solidFill>
                 <a:latin typeface="Courier" pitchFamily="49" charset="0"/>
               </a:rPr>
               <a:t> return response;</a:t>
@@ -4963,12 +5319,18 @@
               <a:buNone/>
             </a:pPr>
             <a:r>
-              <a:rPr lang="en-US" sz="1200" dirty="0" smtClean="0">
+              <a:rPr lang="en-US" sz="1200" b="1" dirty="0" smtClean="0">
+                <a:solidFill>
+                  <a:schemeClr val="accent2"/>
+                </a:solidFill>
                 <a:latin typeface="Courier" pitchFamily="49" charset="0"/>
               </a:rPr>
               <a:t>}</a:t>
             </a:r>
-            <a:endParaRPr lang="en-US" sz="1200" dirty="0">
+            <a:endParaRPr lang="en-US" sz="1200" b="1" dirty="0">
+              <a:solidFill>
+                <a:schemeClr val="accent2"/>
+              </a:solidFill>
               <a:latin typeface="Courier" pitchFamily="49" charset="0"/>
             </a:endParaRPr>
           </a:p>
@@ -5037,7 +5399,7 @@
 </file>
 
 <file path=ppt/slides/slide11.xml><?xml version="1.0" encoding="utf-8"?>
-<p:sld xmlns:a="http://schemas.openxmlformats.org/drawingml/2006/main" xmlns:r="http://schemas.openxmlformats.org/officeDocument/2006/relationships" xmlns:p="http://schemas.openxmlformats.org/presentationml/2006/main">
+<p:sld xmlns:a="http://schemas.openxmlformats.org/drawingml/2006/main" xmlns:r="http://schemas.openxmlformats.org/officeDocument/2006/relationships" xmlns:p="http://schemas.openxmlformats.org/presentationml/2006/main" show="0">
   <p:cSld>
     <p:spTree>
       <p:nvGrpSpPr>
@@ -5469,6 +5831,7 @@
   <p:clrMapOvr>
     <a:masterClrMapping/>
   </p:clrMapOvr>
+  <p:transition/>
   <p:timing>
     <p:tnLst>
       <p:par>
@@ -6793,16 +7156,21 @@
             <p:ph type="title"/>
           </p:nvPr>
         </p:nvSpPr>
-        <p:spPr/>
+        <p:spPr>
+          <a:xfrm>
+            <a:off x="685800" y="838200"/>
+            <a:ext cx="7772400" cy="533400"/>
+          </a:xfrm>
+        </p:spPr>
         <p:txBody>
           <a:bodyPr/>
           <a:lstStyle/>
           <a:p>
             <a:r>
-              <a:rPr lang="en-US" dirty="0" smtClean="0"/>
-              <a:t>Deployment</a:t>
-            </a:r>
-            <a:endParaRPr lang="en-US" dirty="0"/>
+              <a:rPr lang="en-US" sz="3600" dirty="0" smtClean="0"/>
+              <a:t>Deployment Architecture</a:t>
+            </a:r>
+            <a:endParaRPr lang="en-US" sz="3600" dirty="0"/>
           </a:p>
         </p:txBody>
       </p:sp>
@@ -6817,8 +7185,8 @@
           </p:nvPr>
         </p:nvGraphicFramePr>
         <p:xfrm>
-          <a:off x="1603375" y="2139950"/>
-          <a:ext cx="5697538" cy="3806825"/>
+          <a:off x="533400" y="1600200"/>
+          <a:ext cx="8077200" cy="5092002"/>
         </p:xfrm>
         <a:graphic>
           <a:graphicData uri="http://schemas.openxmlformats.org/presentationml/2006/ole">
@@ -6849,29 +7217,6 @@
               <a:t>14</a:t>
             </a:fld>
             <a:endParaRPr lang="en-US"/>
-          </a:p>
-        </p:txBody>
-      </p:sp>
-      <p:sp>
-        <p:nvSpPr>
-          <p:cNvPr id="6" name="Footer Placeholder 5"/>
-          <p:cNvSpPr>
-            <a:spLocks noGrp="1"/>
-          </p:cNvSpPr>
-          <p:nvPr>
-            <p:ph type="ftr" sz="quarter" idx="11"/>
-          </p:nvPr>
-        </p:nvSpPr>
-        <p:spPr/>
-        <p:txBody>
-          <a:bodyPr/>
-          <a:lstStyle/>
-          <a:p>
-            <a:r>
-              <a:rPr lang="en-US" dirty="0" smtClean="0"/>
-              <a:t>CollectionSpace</a:t>
-            </a:r>
-            <a:endParaRPr lang="en-US" dirty="0"/>
           </a:p>
         </p:txBody>
       </p:sp>
@@ -6909,6 +7254,57 @@
       </p:grpSpPr>
       <p:sp>
         <p:nvSpPr>
+          <p:cNvPr id="6" name="Rounded Rectangle 5"/>
+          <p:cNvSpPr/>
+          <p:nvPr/>
+        </p:nvSpPr>
+        <p:spPr>
+          <a:xfrm>
+            <a:off x="990600" y="2209800"/>
+            <a:ext cx="7467600" cy="1981200"/>
+          </a:xfrm>
+          <a:prstGeom prst="roundRect">
+            <a:avLst/>
+          </a:prstGeom>
+          <a:solidFill>
+            <a:srgbClr val="FFFF66"/>
+          </a:solidFill>
+        </p:spPr>
+        <p:style>
+          <a:lnRef idx="2">
+            <a:schemeClr val="accent1">
+              <a:shade val="50000"/>
+            </a:schemeClr>
+          </a:lnRef>
+          <a:fillRef idx="1">
+            <a:schemeClr val="accent1"/>
+          </a:fillRef>
+          <a:effectRef idx="0">
+            <a:schemeClr val="accent1"/>
+          </a:effectRef>
+          <a:fontRef idx="minor">
+            <a:schemeClr val="lt1"/>
+          </a:fontRef>
+        </p:style>
+        <p:txBody>
+          <a:bodyPr rtlCol="0" anchor="ctr"/>
+          <a:lstStyle/>
+          <a:p>
+            <a:pPr algn="ctr"/>
+            <a:r>
+              <a:rPr lang="en-US" dirty="0" smtClean="0">
+                <a:solidFill>
+                  <a:schemeClr val="accent2"/>
+                </a:solidFill>
+              </a:rPr>
+              <a:t>CollectionSpace as a web-based software service that is centrally deployed and maintained and where collections of different institutions are managed.</a:t>
+            </a:r>
+            <a:endParaRPr lang="en-US" dirty="0"/>
+          </a:p>
+        </p:txBody>
+      </p:sp>
+      <p:sp>
+        <p:nvSpPr>
           <p:cNvPr id="2" name="Title 1"/>
           <p:cNvSpPr>
             <a:spLocks noGrp="1"/>
@@ -6940,64 +7336,88 @@
             <p:ph idx="1"/>
           </p:nvPr>
         </p:nvSpPr>
-        <p:spPr/>
+        <p:spPr>
+          <a:xfrm>
+            <a:off x="685800" y="2514600"/>
+            <a:ext cx="7772400" cy="3810000"/>
+          </a:xfrm>
+        </p:spPr>
         <p:txBody>
           <a:bodyPr/>
           <a:lstStyle/>
           <a:p>
-            <a:r>
-              <a:rPr lang="en-US" dirty="0" smtClean="0"/>
-              <a:t>Security, Storage, Metadata, Administration, Runtime</a:t>
-            </a:r>
-          </a:p>
-          <a:p>
-            <a:endParaRPr lang="en-US" sz="2800" dirty="0" smtClean="0"/>
-          </a:p>
-          <a:p>
+            <a:pPr>
+              <a:buNone/>
+            </a:pPr>
             <a:r>
               <a:rPr lang="en-US" sz="2800" dirty="0" smtClean="0"/>
-              <a:t>Security</a:t>
-            </a:r>
-            <a:endParaRPr lang="en-US" sz="2800" dirty="0" smtClean="0"/>
+              <a:t>   </a:t>
+            </a:r>
+            <a:endParaRPr lang="en-US" sz="2800" dirty="0" smtClean="0">
+              <a:solidFill>
+                <a:schemeClr val="accent2"/>
+              </a:solidFill>
+            </a:endParaRPr>
+          </a:p>
+          <a:p>
+            <a:pPr marL="971550" lvl="1" indent="-514350">
+              <a:buFont typeface="+mj-lt"/>
+              <a:buAutoNum type="arabicPeriod"/>
+            </a:pPr>
+            <a:endParaRPr lang="en-US" sz="2400" dirty="0" smtClean="0"/>
+          </a:p>
+          <a:p>
+            <a:pPr marL="971550" lvl="1" indent="-514350">
+              <a:buFont typeface="+mj-lt"/>
+              <a:buAutoNum type="arabicPeriod"/>
+            </a:pPr>
+            <a:endParaRPr lang="en-US" sz="2400" dirty="0" smtClean="0"/>
+          </a:p>
+          <a:p>
+            <a:pPr marL="971550" lvl="1" indent="-514350">
+              <a:buFont typeface="+mj-lt"/>
+              <a:buAutoNum type="arabicPeriod"/>
+            </a:pPr>
+            <a:endParaRPr lang="en-US" sz="2400" dirty="0" smtClean="0"/>
+          </a:p>
+          <a:p>
+            <a:pPr marL="971550" lvl="1" indent="-514350">
+              <a:buFont typeface="+mj-lt"/>
+              <a:buAutoNum type="arabicPeriod"/>
+            </a:pPr>
+            <a:endParaRPr lang="en-US" sz="2400" dirty="0" smtClean="0"/>
+          </a:p>
+          <a:p>
+            <a:pPr marL="971550" lvl="1" indent="-514350">
+              <a:buFont typeface="+mj-lt"/>
+              <a:buAutoNum type="arabicPeriod"/>
+            </a:pPr>
+            <a:r>
+              <a:rPr lang="en-US" sz="2400" dirty="0" smtClean="0"/>
+              <a:t>One or more Berkeley museums sharing the same CollectionSpace deployment</a:t>
+            </a:r>
+          </a:p>
+          <a:p>
+            <a:pPr marL="971550" lvl="1" indent="-514350">
+              <a:buFont typeface="+mj-lt"/>
+              <a:buAutoNum type="arabicPeriod"/>
+            </a:pPr>
+            <a:r>
+              <a:rPr lang="en-US" sz="2400" dirty="0" smtClean="0"/>
+              <a:t>One or more small and mid-size museums using CollectionSpace service provided by a 3</a:t>
+            </a:r>
+            <a:r>
+              <a:rPr lang="en-US" sz="2400" baseline="30000" dirty="0" smtClean="0"/>
+              <a:t>rd</a:t>
+            </a:r>
+            <a:r>
+              <a:rPr lang="en-US" sz="2400" dirty="0" smtClean="0"/>
+              <a:t> party</a:t>
+            </a:r>
           </a:p>
           <a:p>
             <a:pPr lvl="1"/>
-            <a:r>
-              <a:rPr lang="en-US" sz="2000" dirty="0" smtClean="0"/>
-              <a:t>Account (tenant, user) registration</a:t>
-            </a:r>
-          </a:p>
-          <a:p>
-            <a:pPr lvl="1"/>
-            <a:r>
-              <a:rPr lang="en-US" sz="2000" dirty="0" smtClean="0"/>
-              <a:t>Choosing ID provider(s) during authentication</a:t>
-            </a:r>
-          </a:p>
-          <a:p>
-            <a:pPr lvl="1"/>
-            <a:r>
-              <a:rPr lang="en-US" sz="2000" dirty="0" smtClean="0"/>
-              <a:t>Authorization and access control</a:t>
-            </a:r>
-          </a:p>
-          <a:p>
-            <a:pPr lvl="1"/>
-            <a:r>
-              <a:rPr lang="en-US" sz="2000" dirty="0" smtClean="0"/>
-              <a:t>Audit trail</a:t>
-            </a:r>
-          </a:p>
-          <a:p>
-            <a:pPr lvl="1"/>
-            <a:r>
-              <a:rPr lang="en-US" sz="2000" dirty="0" smtClean="0"/>
-              <a:t>Callouts</a:t>
-            </a:r>
-            <a:endParaRPr lang="en-US" dirty="0" smtClean="0"/>
-          </a:p>
-          <a:p>
-            <a:endParaRPr lang="en-US" dirty="0" smtClean="0"/>
+            <a:endParaRPr lang="en-US" dirty="0"/>
           </a:p>
         </p:txBody>
       </p:sp>
@@ -7119,79 +7539,51 @@
           <a:lstStyle/>
           <a:p>
             <a:r>
+              <a:rPr lang="en-US" dirty="0" smtClean="0"/>
+              <a:t>Security, Storage, Metadata, Administration, Runtime</a:t>
+            </a:r>
+          </a:p>
+          <a:p>
+            <a:endParaRPr lang="en-US" sz="2800" dirty="0" smtClean="0"/>
+          </a:p>
+          <a:p>
+            <a:r>
               <a:rPr lang="en-US" sz="2800" dirty="0" smtClean="0"/>
-              <a:t>Storage</a:t>
+              <a:t>Security</a:t>
             </a:r>
           </a:p>
           <a:p>
             <a:pPr lvl="1"/>
             <a:r>
               <a:rPr lang="en-US" sz="2000" dirty="0" smtClean="0"/>
-              <a:t>File system</a:t>
+              <a:t>Account (tenant, user) registration</a:t>
             </a:r>
           </a:p>
           <a:p>
             <a:pPr lvl="1"/>
             <a:r>
               <a:rPr lang="en-US" sz="2000" dirty="0" smtClean="0"/>
-              <a:t>Nuxeo repository</a:t>
-            </a:r>
-          </a:p>
-          <a:p>
-            <a:pPr lvl="2"/>
-            <a:r>
-              <a:rPr lang="en-US" sz="1600" dirty="0" smtClean="0"/>
-              <a:t>Domain per tenant, repository per tenant, </a:t>
-            </a:r>
-            <a:r>
-              <a:rPr lang="en-US" sz="1600" dirty="0" smtClean="0"/>
-              <a:t>hybrid</a:t>
-            </a:r>
-            <a:endParaRPr lang="en-US" sz="2800" dirty="0" smtClean="0"/>
-          </a:p>
-          <a:p>
-            <a:r>
-              <a:rPr lang="en-US" sz="2800" dirty="0" smtClean="0"/>
-              <a:t>Metadata</a:t>
-            </a:r>
-            <a:endParaRPr lang="en-US" sz="2800" dirty="0" smtClean="0"/>
+              <a:t>Choosing ID provider(s) during authentication</a:t>
+            </a:r>
           </a:p>
           <a:p>
             <a:pPr lvl="1"/>
             <a:r>
               <a:rPr lang="en-US" sz="2000" dirty="0" smtClean="0"/>
-              <a:t>Configuration, Customization, Extensions, Access control policies, roles and resources</a:t>
-            </a:r>
-          </a:p>
-          <a:p>
-            <a:r>
-              <a:rPr lang="en-US" sz="2800" dirty="0" smtClean="0"/>
-              <a:t>Administration</a:t>
+              <a:t>Authorization and access control</a:t>
             </a:r>
           </a:p>
           <a:p>
             <a:pPr lvl="1"/>
             <a:r>
               <a:rPr lang="en-US" sz="2000" dirty="0" smtClean="0"/>
-              <a:t>Delegated administration, import/export</a:t>
-            </a:r>
-          </a:p>
-          <a:p>
-            <a:pPr lvl="1">
-              <a:buNone/>
-            </a:pPr>
-            <a:endParaRPr lang="en-US" dirty="0" smtClean="0"/>
-          </a:p>
-          <a:p>
+              <a:t>Audit </a:t>
+            </a:r>
+            <a:r>
+              <a:rPr lang="en-US" sz="2000" dirty="0" smtClean="0"/>
+              <a:t>trail</a:t>
+            </a:r>
             <a:endParaRPr lang="en-US" sz="2000" dirty="0" smtClean="0"/>
-          </a:p>
-          <a:p>
-            <a:pPr lvl="2"/>
-            <a:endParaRPr lang="en-US" sz="1600" dirty="0" smtClean="0"/>
-          </a:p>
-          <a:p>
-            <a:pPr lvl="1"/>
-            <a:endParaRPr lang="en-US" dirty="0"/>
           </a:p>
         </p:txBody>
       </p:sp>
@@ -7237,6 +7629,225 @@
               <a:rPr lang="en-US" smtClean="0"/>
               <a:pPr/>
               <a:t>16</a:t>
+            </a:fld>
+            <a:endParaRPr lang="en-US"/>
+          </a:p>
+        </p:txBody>
+      </p:sp>
+    </p:spTree>
+  </p:cSld>
+  <p:clrMapOvr>
+    <a:masterClrMapping/>
+  </p:clrMapOvr>
+  <p:timing>
+    <p:tnLst>
+      <p:par>
+        <p:cTn id="1" dur="indefinite" restart="never" nodeType="tmRoot"/>
+      </p:par>
+    </p:tnLst>
+  </p:timing>
+</p:sld>
+</file>
+
+<file path=ppt/slides/slide17.xml><?xml version="1.0" encoding="utf-8"?>
+<p:sld xmlns:a="http://schemas.openxmlformats.org/drawingml/2006/main" xmlns:r="http://schemas.openxmlformats.org/officeDocument/2006/relationships" xmlns:p="http://schemas.openxmlformats.org/presentationml/2006/main">
+  <p:cSld>
+    <p:spTree>
+      <p:nvGrpSpPr>
+        <p:cNvPr id="1" name=""/>
+        <p:cNvGrpSpPr/>
+        <p:nvPr/>
+      </p:nvGrpSpPr>
+      <p:grpSpPr>
+        <a:xfrm>
+          <a:off x="0" y="0"/>
+          <a:ext cx="0" cy="0"/>
+          <a:chOff x="0" y="0"/>
+          <a:chExt cx="0" cy="0"/>
+        </a:xfrm>
+      </p:grpSpPr>
+      <p:sp>
+        <p:nvSpPr>
+          <p:cNvPr id="2" name="Title 1"/>
+          <p:cNvSpPr>
+            <a:spLocks noGrp="1"/>
+          </p:cNvSpPr>
+          <p:nvPr>
+            <p:ph type="title"/>
+          </p:nvPr>
+        </p:nvSpPr>
+        <p:spPr>
+          <a:xfrm>
+            <a:off x="685800" y="685800"/>
+            <a:ext cx="7772400" cy="990600"/>
+          </a:xfrm>
+        </p:spPr>
+        <p:txBody>
+          <a:bodyPr/>
+          <a:lstStyle/>
+          <a:p>
+            <a:r>
+              <a:rPr lang="en-US" dirty="0" smtClean="0"/>
+              <a:t>Multi-tenancy aspects</a:t>
+            </a:r>
+            <a:endParaRPr lang="en-US" dirty="0"/>
+          </a:p>
+        </p:txBody>
+      </p:sp>
+      <p:sp>
+        <p:nvSpPr>
+          <p:cNvPr id="3" name="Content Placeholder 2"/>
+          <p:cNvSpPr>
+            <a:spLocks noGrp="1"/>
+          </p:cNvSpPr>
+          <p:nvPr>
+            <p:ph idx="1"/>
+          </p:nvPr>
+        </p:nvSpPr>
+        <p:spPr>
+          <a:xfrm>
+            <a:off x="685800" y="1676400"/>
+            <a:ext cx="7772400" cy="3962400"/>
+          </a:xfrm>
+        </p:spPr>
+        <p:txBody>
+          <a:bodyPr/>
+          <a:lstStyle/>
+          <a:p>
+            <a:r>
+              <a:rPr lang="en-US" sz="2800" dirty="0" smtClean="0"/>
+              <a:t>Storage</a:t>
+            </a:r>
+          </a:p>
+          <a:p>
+            <a:pPr lvl="1"/>
+            <a:r>
+              <a:rPr lang="en-US" sz="2000" dirty="0" smtClean="0"/>
+              <a:t>Nuxeo </a:t>
+            </a:r>
+            <a:r>
+              <a:rPr lang="en-US" sz="2000" dirty="0" smtClean="0"/>
+              <a:t>repository</a:t>
+            </a:r>
+          </a:p>
+          <a:p>
+            <a:pPr lvl="2"/>
+            <a:r>
+              <a:rPr lang="en-US" sz="1600" dirty="0" smtClean="0"/>
+              <a:t>Domain per tenant, repository per tenant, </a:t>
+            </a:r>
+            <a:r>
+              <a:rPr lang="en-US" sz="1600" dirty="0" smtClean="0"/>
+              <a:t>hybrid</a:t>
+            </a:r>
+          </a:p>
+          <a:p>
+            <a:pPr lvl="1"/>
+            <a:r>
+              <a:rPr lang="en-US" sz="2000" dirty="0" smtClean="0"/>
+              <a:t>File </a:t>
+            </a:r>
+            <a:r>
+              <a:rPr lang="en-US" sz="2000" dirty="0" smtClean="0"/>
+              <a:t>system</a:t>
+            </a:r>
+            <a:endParaRPr lang="en-US" sz="2800" dirty="0" smtClean="0"/>
+          </a:p>
+          <a:p>
+            <a:endParaRPr lang="en-US" sz="2400" dirty="0" smtClean="0"/>
+          </a:p>
+          <a:p>
+            <a:r>
+              <a:rPr lang="en-US" sz="2800" dirty="0" smtClean="0"/>
+              <a:t>Metadata</a:t>
+            </a:r>
+            <a:endParaRPr lang="en-US" sz="2800" dirty="0" smtClean="0"/>
+          </a:p>
+          <a:p>
+            <a:pPr lvl="1"/>
+            <a:r>
+              <a:rPr lang="en-US" sz="2000" dirty="0" smtClean="0"/>
+              <a:t>Configuration, Customization, Extensions, Access control policies, roles and resources</a:t>
+            </a:r>
+          </a:p>
+          <a:p>
+            <a:endParaRPr lang="en-US" sz="2400" dirty="0" smtClean="0"/>
+          </a:p>
+          <a:p>
+            <a:r>
+              <a:rPr lang="en-US" sz="2800" dirty="0" smtClean="0"/>
+              <a:t>Administration</a:t>
+            </a:r>
+            <a:endParaRPr lang="en-US" sz="2800" dirty="0" smtClean="0"/>
+          </a:p>
+          <a:p>
+            <a:pPr lvl="1"/>
+            <a:r>
+              <a:rPr lang="en-US" sz="2000" dirty="0" smtClean="0"/>
+              <a:t>Delegated administration, import/export</a:t>
+            </a:r>
+          </a:p>
+          <a:p>
+            <a:pPr lvl="1">
+              <a:buNone/>
+            </a:pPr>
+            <a:endParaRPr lang="en-US" dirty="0" smtClean="0"/>
+          </a:p>
+          <a:p>
+            <a:endParaRPr lang="en-US" sz="2000" dirty="0" smtClean="0"/>
+          </a:p>
+          <a:p>
+            <a:pPr lvl="2"/>
+            <a:endParaRPr lang="en-US" sz="1600" dirty="0" smtClean="0"/>
+          </a:p>
+          <a:p>
+            <a:pPr lvl="1"/>
+            <a:endParaRPr lang="en-US" dirty="0"/>
+          </a:p>
+        </p:txBody>
+      </p:sp>
+      <p:sp>
+        <p:nvSpPr>
+          <p:cNvPr id="4" name="Footer Placeholder 3"/>
+          <p:cNvSpPr>
+            <a:spLocks noGrp="1"/>
+          </p:cNvSpPr>
+          <p:nvPr>
+            <p:ph type="ftr" sz="quarter" idx="11"/>
+          </p:nvPr>
+        </p:nvSpPr>
+        <p:spPr/>
+        <p:txBody>
+          <a:bodyPr/>
+          <a:lstStyle/>
+          <a:p>
+            <a:r>
+              <a:rPr lang="en-US" smtClean="0"/>
+              <a:t>CollectionSpace</a:t>
+            </a:r>
+            <a:endParaRPr lang="en-US" dirty="0"/>
+          </a:p>
+        </p:txBody>
+      </p:sp>
+      <p:sp>
+        <p:nvSpPr>
+          <p:cNvPr id="5" name="Slide Number Placeholder 4"/>
+          <p:cNvSpPr>
+            <a:spLocks noGrp="1"/>
+          </p:cNvSpPr>
+          <p:nvPr>
+            <p:ph type="sldNum" sz="quarter" idx="12"/>
+          </p:nvPr>
+        </p:nvSpPr>
+        <p:spPr/>
+        <p:txBody>
+          <a:bodyPr/>
+          <a:lstStyle/>
+          <a:p>
+            <a:fld id="{BD92CA8C-91A2-4D9E-BD7C-5A90047BDB79}" type="slidenum">
+              <a:rPr lang="en-US" smtClean="0"/>
+              <a:pPr/>
+              <a:t>17</a:t>
             </a:fld>
             <a:endParaRPr lang="en-US"/>
           </a:p>
@@ -7314,8 +7925,9 @@
           <a:p>
             <a:r>
               <a:rPr lang="en-US" dirty="0" smtClean="0"/>
-              <a:t>Splitting the service layer</a:t>
-            </a:r>
+              <a:t>Interfacing with Nuxeo</a:t>
+            </a:r>
+            <a:endParaRPr lang="en-US" dirty="0" smtClean="0"/>
           </a:p>
           <a:p>
             <a:r>
@@ -7327,8 +7939,11 @@
             <a:pPr lvl="1"/>
             <a:r>
               <a:rPr lang="en-US" dirty="0" smtClean="0"/>
-              <a:t>Contract, Document Type, </a:t>
-            </a:r>
+              <a:t>Nuxeo Document Type</a:t>
+            </a:r>
+          </a:p>
+          <a:p>
+            <a:pPr lvl="1"/>
             <a:r>
               <a:rPr lang="en-US" dirty="0" err="1" smtClean="0"/>
               <a:t>RESTful</a:t>
@@ -7345,9 +7960,18 @@
           <a:p>
             <a:r>
               <a:rPr lang="en-US" dirty="0" smtClean="0"/>
-              <a:t>Multi-tenancy aspects</a:t>
-            </a:r>
-            <a:endParaRPr lang="en-US" dirty="0" smtClean="0"/>
+              <a:t>Deployment Architecture</a:t>
+            </a:r>
+          </a:p>
+          <a:p>
+            <a:r>
+              <a:rPr lang="en-US" dirty="0" smtClean="0"/>
+              <a:t>Multi-tenancy </a:t>
+            </a:r>
+            <a:r>
+              <a:rPr lang="en-US" dirty="0" smtClean="0"/>
+              <a:t>aspects</a:t>
+            </a:r>
           </a:p>
           <a:p>
             <a:pPr lvl="1"/>
@@ -7521,7 +8145,7 @@
           <p:nvPr/>
         </p:nvPicPr>
         <p:blipFill>
-          <a:blip r:embed="rId2" cstate="print"/>
+          <a:blip r:embed="rId3" cstate="print"/>
           <a:srcRect/>
           <a:stretch>
             <a:fillRect/>
@@ -7588,8 +8212,8 @@
         </p:nvSpPr>
         <p:spPr>
           <a:xfrm>
-            <a:off x="457200" y="273050"/>
-            <a:ext cx="8077200" cy="1162050"/>
+            <a:off x="457200" y="304800"/>
+            <a:ext cx="8077200" cy="685800"/>
           </a:xfrm>
         </p:spPr>
         <p:txBody>
@@ -7598,14 +8222,10 @@
           <a:p>
             <a:pPr algn="ctr"/>
             <a:r>
-              <a:rPr lang="en-US" sz="3200" dirty="0" smtClean="0"/>
-              <a:t>Splitting the </a:t>
-            </a:r>
-            <a:r>
-              <a:rPr lang="en-US" sz="3200" dirty="0" smtClean="0"/>
-              <a:t>cake</a:t>
-            </a:r>
-            <a:endParaRPr lang="en-US" sz="3200" dirty="0"/>
+              <a:rPr lang="en-US" sz="2400" dirty="0" smtClean="0"/>
+              <a:t>Splitting the cake</a:t>
+            </a:r>
+            <a:endParaRPr lang="en-US" sz="2400" dirty="0"/>
           </a:p>
         </p:txBody>
       </p:sp>
@@ -7621,8 +8241,8 @@
         </p:nvSpPr>
         <p:spPr>
           <a:xfrm>
-            <a:off x="304800" y="3962400"/>
-            <a:ext cx="4267200" cy="2590800"/>
+            <a:off x="304800" y="4876800"/>
+            <a:ext cx="8077200" cy="1676400"/>
           </a:xfrm>
         </p:spPr>
         <p:txBody>
@@ -7636,47 +8256,40 @@
               <a:rPr lang="en-US" sz="1600" dirty="0" smtClean="0"/>
               <a:t>Why?</a:t>
             </a:r>
+            <a:endParaRPr lang="en-US" sz="1600" dirty="0" smtClean="0"/>
           </a:p>
           <a:p>
             <a:r>
               <a:rPr lang="en-US" sz="1600" dirty="0" smtClean="0"/>
-              <a:t>Prototypical Nuxeo </a:t>
-            </a:r>
-            <a:r>
-              <a:rPr lang="en-US" sz="1600" dirty="0" err="1" smtClean="0"/>
+              <a:t>Prototypical </a:t>
+            </a:r>
+            <a:r>
+              <a:rPr lang="en-US" sz="1600" u="sng" dirty="0" smtClean="0"/>
+              <a:t>Nuxeo </a:t>
+            </a:r>
+            <a:r>
+              <a:rPr lang="en-US" sz="1600" u="sng" dirty="0" err="1" smtClean="0"/>
               <a:t>RESTful</a:t>
             </a:r>
             <a:r>
+              <a:rPr lang="en-US" sz="1600" u="sng" dirty="0" smtClean="0"/>
+              <a:t> APIs </a:t>
+            </a:r>
+            <a:r>
               <a:rPr lang="en-US" sz="1600" dirty="0" smtClean="0"/>
-              <a:t> APIs (only </a:t>
+              <a:t>(only supports document repository, no support for XML complex type, </a:t>
             </a:r>
             <a:r>
               <a:rPr lang="en-US" sz="1600" dirty="0" smtClean="0"/>
-              <a:t>supports </a:t>
+              <a:t>have to use export </a:t>
             </a:r>
             <a:r>
               <a:rPr lang="en-US" sz="1600" dirty="0" smtClean="0"/>
-              <a:t>document repository</a:t>
+              <a:t>vs. </a:t>
             </a:r>
             <a:r>
               <a:rPr lang="en-US" sz="1600" dirty="0" smtClean="0"/>
-              <a:t>, no </a:t>
-            </a:r>
-            <a:r>
-              <a:rPr lang="en-US" sz="1600" dirty="0" smtClean="0"/>
-              <a:t>support for XML complex </a:t>
-            </a:r>
-            <a:r>
-              <a:rPr lang="en-US" sz="1600" dirty="0" smtClean="0"/>
-              <a:t>type, export vs. </a:t>
-            </a:r>
-            <a:r>
-              <a:rPr lang="en-US" sz="1600" dirty="0" smtClean="0"/>
-              <a:t>get, etc.</a:t>
-            </a:r>
-            <a:r>
-              <a:rPr lang="en-US" sz="1600" dirty="0" smtClean="0"/>
-              <a:t>)</a:t>
+              <a:t>get)</a:t>
             </a:r>
             <a:endParaRPr lang="en-US" sz="1600" dirty="0" smtClean="0"/>
           </a:p>
@@ -7687,16 +8300,21 @@
             </a:r>
             <a:r>
               <a:rPr lang="en-US" sz="1600" dirty="0" smtClean="0"/>
-              <a:t> Java Local APIs force to run inside </a:t>
+              <a:t> </a:t>
+            </a:r>
+            <a:r>
+              <a:rPr lang="en-US" sz="1600" u="sng" dirty="0" smtClean="0"/>
+              <a:t>Java Local APIs </a:t>
             </a:r>
             <a:r>
               <a:rPr lang="en-US" sz="1600" dirty="0" smtClean="0"/>
-              <a:t>the Nuxeo </a:t>
+              <a:t>force to run inside the Nuxeo </a:t>
             </a:r>
             <a:r>
               <a:rPr lang="en-US" sz="1600" dirty="0" smtClean="0"/>
               <a:t>container</a:t>
             </a:r>
+            <a:endParaRPr lang="en-US" sz="1600" dirty="0" smtClean="0"/>
           </a:p>
           <a:p>
             <a:r>
@@ -7709,15 +8327,23 @@
             </a:r>
             <a:r>
               <a:rPr lang="en-US" sz="1600" dirty="0" smtClean="0"/>
-              <a:t>) CS and Nuxeo using Java Remote APIs was not possible due to </a:t>
-            </a:r>
-            <a:r>
-              <a:rPr lang="en-US" sz="1600" dirty="0" err="1" smtClean="0"/>
-              <a:t>classloading</a:t>
+              <a:t>) CS and Nuxeo using </a:t>
+            </a:r>
+            <a:r>
+              <a:rPr lang="en-US" sz="1600" u="sng" dirty="0" smtClean="0"/>
+              <a:t>Java Remote APIs </a:t>
             </a:r>
             <a:r>
               <a:rPr lang="en-US" sz="1600" dirty="0" smtClean="0"/>
-              <a:t> issues</a:t>
+              <a:t>was not possible due to </a:t>
+            </a:r>
+            <a:r>
+              <a:rPr lang="en-US" sz="1600" dirty="0" smtClean="0"/>
+              <a:t>class loading </a:t>
+            </a:r>
+            <a:r>
+              <a:rPr lang="en-US" sz="1600" dirty="0" smtClean="0"/>
+              <a:t>issues</a:t>
             </a:r>
             <a:endParaRPr lang="en-US" sz="1600" dirty="0"/>
           </a:p>
@@ -7733,7 +8359,12 @@
             <p:ph type="sldNum" sz="quarter" idx="12"/>
           </p:nvPr>
         </p:nvSpPr>
-        <p:spPr/>
+        <p:spPr>
+          <a:xfrm>
+            <a:off x="6553200" y="6172200"/>
+            <a:ext cx="1905000" cy="457200"/>
+          </a:xfrm>
+        </p:spPr>
         <p:txBody>
           <a:bodyPr/>
           <a:lstStyle/>
@@ -7764,8 +8395,8 @@
         </p:blipFill>
         <p:spPr bwMode="auto">
           <a:xfrm>
-            <a:off x="4648200" y="1676400"/>
-            <a:ext cx="4279605" cy="3576637"/>
+            <a:off x="4724401" y="1042988"/>
+            <a:ext cx="3733799" cy="3729037"/>
           </a:xfrm>
           <a:prstGeom prst="rect">
             <a:avLst/>
@@ -7796,8 +8427,8 @@
         </p:blipFill>
         <p:spPr bwMode="auto">
           <a:xfrm>
-            <a:off x="533400" y="1704975"/>
-            <a:ext cx="3622921" cy="2333625"/>
+            <a:off x="533400" y="914400"/>
+            <a:ext cx="3622921" cy="4010025"/>
           </a:xfrm>
           <a:prstGeom prst="rect">
             <a:avLst/>
@@ -7814,13 +8445,15 @@
       <p:cxnSp>
         <p:nvCxnSpPr>
           <p:cNvPr id="10" name="Elbow Connector 9"/>
-          <p:cNvCxnSpPr/>
+          <p:cNvCxnSpPr>
+            <a:stCxn id="12" idx="3"/>
+          </p:cNvCxnSpPr>
           <p:nvPr/>
         </p:nvCxnSpPr>
         <p:spPr>
           <a:xfrm flipV="1">
-            <a:off x="2743200" y="2971800"/>
-            <a:ext cx="2286000" cy="304800"/>
+            <a:off x="2819400" y="2362200"/>
+            <a:ext cx="2209800" cy="1257300"/>
           </a:xfrm>
           <a:prstGeom prst="bentConnector3">
             <a:avLst>
@@ -7860,8 +8493,8 @@
         </p:nvSpPr>
         <p:spPr>
           <a:xfrm>
-            <a:off x="3937749" y="2590800"/>
-            <a:ext cx="710451" cy="707886"/>
+            <a:off x="3937749" y="2369403"/>
+            <a:ext cx="862851" cy="830997"/>
           </a:xfrm>
           <a:prstGeom prst="rect">
             <a:avLst/>
@@ -7875,22 +8508,76 @@
           <a:lstStyle/>
           <a:p>
             <a:r>
-              <a:rPr lang="en-US" sz="1000" dirty="0" smtClean="0"/>
+              <a:rPr lang="en-US" sz="1200" b="1" dirty="0" smtClean="0">
+                <a:latin typeface="Arial Black" pitchFamily="34" charset="0"/>
+              </a:rPr>
               <a:t>Nuxeo</a:t>
             </a:r>
           </a:p>
           <a:p>
             <a:r>
-              <a:rPr lang="en-US" sz="1000" dirty="0" smtClean="0"/>
+              <a:rPr lang="en-US" sz="1200" b="1" dirty="0" smtClean="0">
+                <a:latin typeface="Arial Black" pitchFamily="34" charset="0"/>
+              </a:rPr>
               <a:t>Java Remote</a:t>
             </a:r>
           </a:p>
           <a:p>
             <a:r>
-              <a:rPr lang="en-US" sz="1000" dirty="0" smtClean="0"/>
+              <a:rPr lang="en-US" sz="1200" b="1" dirty="0" smtClean="0">
+                <a:latin typeface="Arial Black" pitchFamily="34" charset="0"/>
+              </a:rPr>
               <a:t>APIs</a:t>
             </a:r>
-            <a:endParaRPr lang="en-US" sz="1000" dirty="0"/>
+            <a:endParaRPr lang="en-US" sz="1200" b="1" dirty="0">
+              <a:latin typeface="Arial Black" pitchFamily="34" charset="0"/>
+            </a:endParaRPr>
+          </a:p>
+        </p:txBody>
+      </p:sp>
+      <p:sp>
+        <p:nvSpPr>
+          <p:cNvPr id="12" name="Rounded Rectangle 11"/>
+          <p:cNvSpPr/>
+          <p:nvPr/>
+        </p:nvSpPr>
+        <p:spPr>
+          <a:xfrm>
+            <a:off x="2133600" y="3429000"/>
+            <a:ext cx="685800" cy="381000"/>
+          </a:xfrm>
+          <a:prstGeom prst="roundRect">
+            <a:avLst/>
+          </a:prstGeom>
+        </p:spPr>
+        <p:style>
+          <a:lnRef idx="1">
+            <a:schemeClr val="accent6"/>
+          </a:lnRef>
+          <a:fillRef idx="2">
+            <a:schemeClr val="accent6"/>
+          </a:fillRef>
+          <a:effectRef idx="1">
+            <a:schemeClr val="accent6"/>
+          </a:effectRef>
+          <a:fontRef idx="minor">
+            <a:schemeClr val="dk1"/>
+          </a:fontRef>
+        </p:style>
+        <p:txBody>
+          <a:bodyPr rtlCol="0" anchor="ctr"/>
+          <a:lstStyle/>
+          <a:p>
+            <a:pPr algn="ctr"/>
+            <a:r>
+              <a:rPr lang="en-US" sz="1000" dirty="0" smtClean="0">
+                <a:latin typeface="Arial Black" pitchFamily="34" charset="0"/>
+              </a:rPr>
+              <a:t>Nuxeo Client</a:t>
+            </a:r>
+            <a:endParaRPr lang="en-US" sz="1000" dirty="0">
+              <a:latin typeface="Arial Black" pitchFamily="34" charset="0"/>
+            </a:endParaRPr>
           </a:p>
         </p:txBody>
       </p:sp>
@@ -8011,7 +8698,7 @@
                             </p:stCondLst>
                             <p:childTnLst>
                               <p:par>
-                                <p:cTn id="11" presetID="2" presetClass="entr" presetSubtype="4" fill="hold" grpId="0" nodeType="clickEffect">
+                                <p:cTn id="11" presetID="2" presetClass="entr" presetSubtype="4" fill="hold" nodeType="clickEffect">
                                   <p:stCondLst>
                                     <p:cond delay="0"/>
                                   </p:stCondLst>
@@ -8024,11 +8711,7 @@
                                           </p:stCondLst>
                                         </p:cTn>
                                         <p:tgtEl>
-                                          <p:spTgt spid="8">
-                                            <p:txEl>
-                                              <p:pRg st="0" end="0"/>
-                                            </p:txEl>
-                                          </p:spTgt>
+                                          <p:spTgt spid="10"/>
                                         </p:tgtEl>
                                         <p:attrNameLst>
                                           <p:attrName>style.visibility</p:attrName>
@@ -8042,11 +8725,7 @@
                                       <p:cBhvr additive="base">
                                         <p:cTn id="13" dur="500" fill="hold"/>
                                         <p:tgtEl>
-                                          <p:spTgt spid="8">
-                                            <p:txEl>
-                                              <p:pRg st="0" end="0"/>
-                                            </p:txEl>
-                                          </p:spTgt>
+                                          <p:spTgt spid="10"/>
                                         </p:tgtEl>
                                         <p:attrNameLst>
                                           <p:attrName>ppt_x</p:attrName>
@@ -8069,11 +8748,7 @@
                                       <p:cBhvr additive="base">
                                         <p:cTn id="14" dur="500" fill="hold"/>
                                         <p:tgtEl>
-                                          <p:spTgt spid="8">
-                                            <p:txEl>
-                                              <p:pRg st="0" end="0"/>
-                                            </p:txEl>
-                                          </p:spTgt>
+                                          <p:spTgt spid="10"/>
                                         </p:tgtEl>
                                         <p:attrNameLst>
                                           <p:attrName>ppt_y</p:attrName>
@@ -8109,11 +8784,7 @@
                                           </p:stCondLst>
                                         </p:cTn>
                                         <p:tgtEl>
-                                          <p:spTgt spid="8">
-                                            <p:txEl>
-                                              <p:pRg st="1" end="1"/>
-                                            </p:txEl>
-                                          </p:spTgt>
+                                          <p:spTgt spid="12"/>
                                         </p:tgtEl>
                                         <p:attrNameLst>
                                           <p:attrName>style.visibility</p:attrName>
@@ -8127,11 +8798,7 @@
                                       <p:cBhvr additive="base">
                                         <p:cTn id="17" dur="500" fill="hold"/>
                                         <p:tgtEl>
-                                          <p:spTgt spid="8">
-                                            <p:txEl>
-                                              <p:pRg st="1" end="1"/>
-                                            </p:txEl>
-                                          </p:spTgt>
+                                          <p:spTgt spid="12"/>
                                         </p:tgtEl>
                                         <p:attrNameLst>
                                           <p:attrName>ppt_x</p:attrName>
@@ -8154,11 +8821,7 @@
                                       <p:cBhvr additive="base">
                                         <p:cTn id="18" dur="500" fill="hold"/>
                                         <p:tgtEl>
-                                          <p:spTgt spid="8">
-                                            <p:txEl>
-                                              <p:pRg st="1" end="1"/>
-                                            </p:txEl>
-                                          </p:spTgt>
+                                          <p:spTgt spid="12"/>
                                         </p:tgtEl>
                                         <p:attrNameLst>
                                           <p:attrName>ppt_y</p:attrName>
@@ -8214,7 +8877,7 @@
                                         <p:tgtEl>
                                           <p:spTgt spid="8">
                                             <p:txEl>
-                                              <p:pRg st="2" end="2"/>
+                                              <p:pRg st="0" end="0"/>
                                             </p:txEl>
                                           </p:spTgt>
                                         </p:tgtEl>
@@ -8232,7 +8895,7 @@
                                         <p:tgtEl>
                                           <p:spTgt spid="8">
                                             <p:txEl>
-                                              <p:pRg st="2" end="2"/>
+                                              <p:pRg st="0" end="0"/>
                                             </p:txEl>
                                           </p:spTgt>
                                         </p:tgtEl>
@@ -8259,7 +8922,7 @@
                                         <p:tgtEl>
                                           <p:spTgt spid="8">
                                             <p:txEl>
-                                              <p:pRg st="2" end="2"/>
+                                              <p:pRg st="0" end="0"/>
                                             </p:txEl>
                                           </p:spTgt>
                                         </p:tgtEl>
@@ -8317,7 +8980,7 @@
                                         <p:tgtEl>
                                           <p:spTgt spid="8">
                                             <p:txEl>
-                                              <p:pRg st="3" end="3"/>
+                                              <p:pRg st="1" end="1"/>
                                             </p:txEl>
                                           </p:spTgt>
                                         </p:tgtEl>
@@ -8335,7 +8998,7 @@
                                         <p:tgtEl>
                                           <p:spTgt spid="8">
                                             <p:txEl>
-                                              <p:pRg st="3" end="3"/>
+                                              <p:pRg st="1" end="1"/>
                                             </p:txEl>
                                           </p:spTgt>
                                         </p:tgtEl>
@@ -8362,7 +9025,7 @@
                                         <p:tgtEl>
                                           <p:spTgt spid="8">
                                             <p:txEl>
-                                              <p:pRg st="3" end="3"/>
+                                              <p:pRg st="1" end="1"/>
                                             </p:txEl>
                                           </p:spTgt>
                                         </p:tgtEl>
@@ -8405,7 +9068,7 @@
                             </p:stCondLst>
                             <p:childTnLst>
                               <p:par>
-                                <p:cTn id="33" presetID="2" presetClass="entr" presetSubtype="4" fill="hold" nodeType="clickEffect">
+                                <p:cTn id="33" presetID="2" presetClass="entr" presetSubtype="4" fill="hold" grpId="0" nodeType="clickEffect">
                                   <p:stCondLst>
                                     <p:cond delay="0"/>
                                   </p:stCondLst>
@@ -8418,7 +9081,11 @@
                                           </p:stCondLst>
                                         </p:cTn>
                                         <p:tgtEl>
-                                          <p:spTgt spid="10"/>
+                                          <p:spTgt spid="8">
+                                            <p:txEl>
+                                              <p:pRg st="2" end="2"/>
+                                            </p:txEl>
+                                          </p:spTgt>
                                         </p:tgtEl>
                                         <p:attrNameLst>
                                           <p:attrName>style.visibility</p:attrName>
@@ -8432,7 +9099,11 @@
                                       <p:cBhvr additive="base">
                                         <p:cTn id="35" dur="500" fill="hold"/>
                                         <p:tgtEl>
-                                          <p:spTgt spid="10"/>
+                                          <p:spTgt spid="8">
+                                            <p:txEl>
+                                              <p:pRg st="2" end="2"/>
+                                            </p:txEl>
+                                          </p:spTgt>
                                         </p:tgtEl>
                                         <p:attrNameLst>
                                           <p:attrName>ppt_x</p:attrName>
@@ -8455,7 +9126,114 @@
                                       <p:cBhvr additive="base">
                                         <p:cTn id="36" dur="500" fill="hold"/>
                                         <p:tgtEl>
-                                          <p:spTgt spid="10"/>
+                                          <p:spTgt spid="8">
+                                            <p:txEl>
+                                              <p:pRg st="2" end="2"/>
+                                            </p:txEl>
+                                          </p:spTgt>
+                                        </p:tgtEl>
+                                        <p:attrNameLst>
+                                          <p:attrName>ppt_y</p:attrName>
+                                        </p:attrNameLst>
+                                      </p:cBhvr>
+                                      <p:tavLst>
+                                        <p:tav tm="0">
+                                          <p:val>
+                                            <p:strVal val="1+#ppt_h/2"/>
+                                          </p:val>
+                                        </p:tav>
+                                        <p:tav tm="100000">
+                                          <p:val>
+                                            <p:strVal val="#ppt_y"/>
+                                          </p:val>
+                                        </p:tav>
+                                      </p:tavLst>
+                                    </p:anim>
+                                  </p:childTnLst>
+                                </p:cTn>
+                              </p:par>
+                            </p:childTnLst>
+                          </p:cTn>
+                        </p:par>
+                      </p:childTnLst>
+                    </p:cTn>
+                  </p:par>
+                  <p:par>
+                    <p:cTn id="37" fill="hold">
+                      <p:stCondLst>
+                        <p:cond delay="indefinite"/>
+                      </p:stCondLst>
+                      <p:childTnLst>
+                        <p:par>
+                          <p:cTn id="38" fill="hold">
+                            <p:stCondLst>
+                              <p:cond delay="0"/>
+                            </p:stCondLst>
+                            <p:childTnLst>
+                              <p:par>
+                                <p:cTn id="39" presetID="2" presetClass="entr" presetSubtype="4" fill="hold" grpId="0" nodeType="clickEffect">
+                                  <p:stCondLst>
+                                    <p:cond delay="0"/>
+                                  </p:stCondLst>
+                                  <p:childTnLst>
+                                    <p:set>
+                                      <p:cBhvr>
+                                        <p:cTn id="40" dur="1" fill="hold">
+                                          <p:stCondLst>
+                                            <p:cond delay="0"/>
+                                          </p:stCondLst>
+                                        </p:cTn>
+                                        <p:tgtEl>
+                                          <p:spTgt spid="8">
+                                            <p:txEl>
+                                              <p:pRg st="3" end="3"/>
+                                            </p:txEl>
+                                          </p:spTgt>
+                                        </p:tgtEl>
+                                        <p:attrNameLst>
+                                          <p:attrName>style.visibility</p:attrName>
+                                        </p:attrNameLst>
+                                      </p:cBhvr>
+                                      <p:to>
+                                        <p:strVal val="visible"/>
+                                      </p:to>
+                                    </p:set>
+                                    <p:anim calcmode="lin" valueType="num">
+                                      <p:cBhvr additive="base">
+                                        <p:cTn id="41" dur="500" fill="hold"/>
+                                        <p:tgtEl>
+                                          <p:spTgt spid="8">
+                                            <p:txEl>
+                                              <p:pRg st="3" end="3"/>
+                                            </p:txEl>
+                                          </p:spTgt>
+                                        </p:tgtEl>
+                                        <p:attrNameLst>
+                                          <p:attrName>ppt_x</p:attrName>
+                                        </p:attrNameLst>
+                                      </p:cBhvr>
+                                      <p:tavLst>
+                                        <p:tav tm="0">
+                                          <p:val>
+                                            <p:strVal val="#ppt_x"/>
+                                          </p:val>
+                                        </p:tav>
+                                        <p:tav tm="100000">
+                                          <p:val>
+                                            <p:strVal val="#ppt_x"/>
+                                          </p:val>
+                                        </p:tav>
+                                      </p:tavLst>
+                                    </p:anim>
+                                    <p:anim calcmode="lin" valueType="num">
+                                      <p:cBhvr additive="base">
+                                        <p:cTn id="42" dur="500" fill="hold"/>
+                                        <p:tgtEl>
+                                          <p:spTgt spid="8">
+                                            <p:txEl>
+                                              <p:pRg st="3" end="3"/>
+                                            </p:txEl>
+                                          </p:spTgt>
                                         </p:tgtEl>
                                         <p:attrNameLst>
                                           <p:attrName>ppt_y</p:attrName>
@@ -8478,14 +9256,14 @@
                                 </p:cTn>
                               </p:par>
                               <p:par>
-                                <p:cTn id="37" presetID="2" presetClass="entr" presetSubtype="4" fill="hold" grpId="0" nodeType="withEffect">
+                                <p:cTn id="43" presetID="2" presetClass="entr" presetSubtype="4" fill="hold" grpId="0" nodeType="withEffect">
                                   <p:stCondLst>
                                     <p:cond delay="0"/>
                                   </p:stCondLst>
                                   <p:childTnLst>
                                     <p:set>
                                       <p:cBhvr>
-                                        <p:cTn id="38" dur="1" fill="hold">
+                                        <p:cTn id="44" dur="1" fill="hold">
                                           <p:stCondLst>
                                             <p:cond delay="0"/>
                                           </p:stCondLst>
@@ -8503,7 +9281,7 @@
                                     </p:set>
                                     <p:anim calcmode="lin" valueType="num">
                                       <p:cBhvr additive="base">
-                                        <p:cTn id="39" dur="500" fill="hold"/>
+                                        <p:cTn id="45" dur="500" fill="hold"/>
                                         <p:tgtEl>
                                           <p:spTgt spid="15"/>
                                         </p:tgtEl>
@@ -8526,7 +9304,7 @@
                                     </p:anim>
                                     <p:anim calcmode="lin" valueType="num">
                                       <p:cBhvr additive="base">
-                                        <p:cTn id="40" dur="500" fill="hold"/>
+                                        <p:cTn id="46" dur="500" fill="hold"/>
                                         <p:tgtEl>
                                           <p:spTgt spid="15"/>
                                         </p:tgtEl>
@@ -8580,6 +9358,7 @@
     <p:bldLst>
       <p:bldP spid="8" grpId="0" uiExpand="1" build="p"/>
       <p:bldP spid="15" grpId="0"/>
+      <p:bldP spid="12" grpId="0" animBg="1"/>
     </p:bldLst>
   </p:timing>
 </p:sld>
@@ -8642,8 +9421,23 @@
           <a:p>
             <a:r>
               <a:rPr lang="en-US" dirty="0" smtClean="0"/>
-              <a:t>Contract (schema and APIs)</a:t>
-            </a:r>
+              <a:t>Contract</a:t>
+            </a:r>
+          </a:p>
+          <a:p>
+            <a:pPr lvl="1"/>
+            <a:r>
+              <a:rPr lang="en-US" dirty="0" smtClean="0"/>
+              <a:t>Schema</a:t>
+            </a:r>
+          </a:p>
+          <a:p>
+            <a:pPr lvl="1"/>
+            <a:r>
+              <a:rPr lang="en-US" dirty="0" smtClean="0"/>
+              <a:t>APIs</a:t>
+            </a:r>
+            <a:endParaRPr lang="en-US" dirty="0" smtClean="0"/>
           </a:p>
           <a:p>
             <a:r>
@@ -8656,10 +9450,7 @@
             </a:r>
           </a:p>
           <a:p>
-            <a:r>
-              <a:rPr lang="en-US" dirty="0" smtClean="0"/>
-              <a:t>Package and Deploy</a:t>
-            </a:r>
+            <a:endParaRPr lang="en-US" dirty="0" smtClean="0"/>
           </a:p>
           <a:p>
             <a:endParaRPr lang="en-US" dirty="0" smtClean="0"/>
@@ -8761,16 +9552,21 @@
             <p:ph type="title"/>
           </p:nvPr>
         </p:nvSpPr>
-        <p:spPr/>
+        <p:spPr>
+          <a:xfrm>
+            <a:off x="685800" y="838200"/>
+            <a:ext cx="7772400" cy="685800"/>
+          </a:xfrm>
+        </p:spPr>
         <p:txBody>
           <a:bodyPr/>
           <a:lstStyle/>
           <a:p>
             <a:r>
-              <a:rPr lang="en-US" sz="3600" dirty="0" smtClean="0"/>
+              <a:rPr lang="en-US" sz="2800" dirty="0" smtClean="0"/>
               <a:t>CollectionObject Entity Schema</a:t>
             </a:r>
-            <a:endParaRPr lang="en-US" sz="3600" dirty="0"/>
+            <a:endParaRPr lang="en-US" sz="2800" dirty="0"/>
           </a:p>
         </p:txBody>
       </p:sp>
@@ -8785,12 +9581,12 @@
           </p:nvPr>
         </p:nvGraphicFramePr>
         <p:xfrm>
-          <a:off x="457200" y="2124457"/>
+          <a:off x="457200" y="1524000"/>
           <a:ext cx="4038600" cy="4200143"/>
         </p:xfrm>
         <a:graphic>
           <a:graphicData uri="http://schemas.openxmlformats.org/presentationml/2006/ole">
-            <p:oleObj spid="_x0000_s2051" name="Visio" r:id="rId3" imgW="6124575" imgH="4092575" progId="Visio.Drawing.11">
+            <p:oleObj spid="_x0000_s2051" name="Visio" r:id="rId3" imgW="6124340" imgH="4092662" progId="Visio.Drawing.11">
               <p:embed/>
             </p:oleObj>
           </a:graphicData>
@@ -8859,7 +9655,7 @@
         </p:xfrm>
         <a:graphic>
           <a:graphicData uri="http://schemas.openxmlformats.org/presentationml/2006/ole">
-            <p:oleObj spid="_x0000_s2052" name="Visio" r:id="rId4" imgW="6124575" imgH="4092575" progId="Visio.Drawing.11">
+            <p:oleObj spid="_x0000_s2052" name="Visio" r:id="rId4" imgW="6124340" imgH="4092662" progId="Visio.Drawing.11">
               <p:embed/>
             </p:oleObj>
           </a:graphicData>
@@ -8873,7 +9669,7 @@
         </p:nvSpPr>
         <p:spPr>
           <a:xfrm>
-            <a:off x="4724400" y="3962400"/>
+            <a:off x="4724400" y="3361943"/>
             <a:ext cx="1600200" cy="484632"/>
           </a:xfrm>
           <a:prstGeom prst="rightArrow">
@@ -8917,7 +9713,7 @@
         </p:nvSpPr>
         <p:spPr>
           <a:xfrm>
-            <a:off x="4191000" y="2514600"/>
+            <a:off x="4191000" y="1914143"/>
             <a:ext cx="381000" cy="3429000"/>
           </a:xfrm>
           <a:prstGeom prst="rightBrace">
@@ -9271,7 +10067,12 @@
             <p:ph type="title"/>
           </p:nvPr>
         </p:nvSpPr>
-        <p:spPr/>
+        <p:spPr>
+          <a:xfrm>
+            <a:off x="685800" y="990600"/>
+            <a:ext cx="7772400" cy="990600"/>
+          </a:xfrm>
+        </p:spPr>
         <p:txBody>
           <a:bodyPr/>
           <a:lstStyle/>
@@ -9309,7 +10110,15 @@
             <p:ph idx="1"/>
           </p:nvPr>
         </p:nvSpPr>
-        <p:spPr/>
+        <p:spPr>
+          <a:xfrm>
+            <a:off x="685800" y="1981200"/>
+            <a:ext cx="7772400" cy="4648200"/>
+          </a:xfrm>
+          <a:solidFill>
+            <a:srgbClr val="FFFF66"/>
+          </a:solidFill>
+        </p:spPr>
         <p:txBody>
           <a:bodyPr/>
           <a:lstStyle/>
@@ -9318,7 +10127,10 @@
               <a:buNone/>
             </a:pPr>
             <a:r>
-              <a:rPr lang="en-US" sz="1400" dirty="0" smtClean="0">
+              <a:rPr lang="en-US" sz="1400" b="1" dirty="0" smtClean="0">
+                <a:solidFill>
+                  <a:schemeClr val="accent2"/>
+                </a:solidFill>
                 <a:latin typeface="Courier" pitchFamily="49" charset="0"/>
               </a:rPr>
               <a:t>&lt;?xml version="1.0"?&gt;</a:t>
@@ -9329,19 +10141,28 @@
               <a:buNone/>
             </a:pPr>
             <a:r>
-              <a:rPr lang="en-US" sz="1400" dirty="0" smtClean="0">
+              <a:rPr lang="en-US" sz="1400" b="1" dirty="0" smtClean="0">
+                <a:solidFill>
+                  <a:schemeClr val="accent2"/>
+                </a:solidFill>
                 <a:latin typeface="Courier" pitchFamily="49" charset="0"/>
               </a:rPr>
               <a:t>&lt;component name="</a:t>
             </a:r>
             <a:r>
               <a:rPr lang="en-US" sz="1400" b="1" dirty="0" err="1" smtClean="0">
+                <a:solidFill>
+                  <a:srgbClr val="FF0000"/>
+                </a:solidFill>
                 <a:latin typeface="Courier" pitchFamily="49" charset="0"/>
               </a:rPr>
               <a:t>org.collectionspace.collectionobject.coreTypes</a:t>
             </a:r>
             <a:r>
-              <a:rPr lang="en-US" sz="1400" dirty="0" smtClean="0">
+              <a:rPr lang="en-US" sz="1400" b="1" dirty="0" smtClean="0">
+                <a:solidFill>
+                  <a:schemeClr val="accent2"/>
+                </a:solidFill>
                 <a:latin typeface="Courier" pitchFamily="49" charset="0"/>
               </a:rPr>
               <a:t>"&gt;</a:t>
@@ -9352,19 +10173,28 @@
               <a:buNone/>
             </a:pPr>
             <a:r>
-              <a:rPr lang="en-US" sz="1400" dirty="0" smtClean="0">
+              <a:rPr lang="en-US" sz="1400" b="1" dirty="0" smtClean="0">
+                <a:solidFill>
+                  <a:schemeClr val="accent2"/>
+                </a:solidFill>
                 <a:latin typeface="Courier" pitchFamily="49" charset="0"/>
               </a:rPr>
               <a:t>  &lt;extension target="</a:t>
             </a:r>
             <a:r>
-              <a:rPr lang="en-US" sz="1400" dirty="0" err="1" smtClean="0">
+              <a:rPr lang="en-US" sz="1400" b="1" dirty="0" err="1" smtClean="0">
+                <a:solidFill>
+                  <a:schemeClr val="accent2"/>
+                </a:solidFill>
                 <a:latin typeface="Courier" pitchFamily="49" charset="0"/>
               </a:rPr>
               <a:t>org.nuxeo.ecm.core.schema.TypeService</a:t>
             </a:r>
             <a:r>
-              <a:rPr lang="en-US" sz="1400" dirty="0" smtClean="0">
+              <a:rPr lang="en-US" sz="1400" b="1" dirty="0" smtClean="0">
+                <a:solidFill>
+                  <a:schemeClr val="accent2"/>
+                </a:solidFill>
                 <a:latin typeface="Courier" pitchFamily="49" charset="0"/>
               </a:rPr>
               <a:t>" point="schema"&gt;</a:t>
@@ -9375,54 +10205,184 @@
               <a:buNone/>
             </a:pPr>
             <a:r>
-              <a:rPr lang="en-US" sz="1400" dirty="0" smtClean="0">
+              <a:rPr lang="en-US" sz="1400" b="1" dirty="0" smtClean="0">
+                <a:solidFill>
+                  <a:schemeClr val="accent2"/>
+                </a:solidFill>
                 <a:latin typeface="Courier" pitchFamily="49" charset="0"/>
               </a:rPr>
               <a:t>    &lt;schema name="</a:t>
             </a:r>
             <a:r>
-              <a:rPr lang="en-US" sz="1400" dirty="0" err="1" smtClean="0">
+              <a:rPr lang="en-US" sz="1400" b="1" dirty="0" err="1" smtClean="0">
+                <a:solidFill>
+                  <a:srgbClr val="FF0000"/>
+                </a:solidFill>
                 <a:latin typeface="Courier" pitchFamily="49" charset="0"/>
               </a:rPr>
               <a:t>collectionobject</a:t>
             </a:r>
             <a:r>
-              <a:rPr lang="en-US" sz="1400" dirty="0" smtClean="0">
-                <a:latin typeface="Courier" pitchFamily="49" charset="0"/>
-              </a:rPr>
-              <a:t>" prefix="</a:t>
-            </a:r>
-            <a:r>
-              <a:rPr lang="en-US" sz="1400" dirty="0" err="1" smtClean="0">
+              <a:rPr lang="en-US" sz="1400" b="1" dirty="0" smtClean="0">
+                <a:solidFill>
+                  <a:srgbClr val="FF0000"/>
+                </a:solidFill>
+                <a:latin typeface="Courier" pitchFamily="49" charset="0"/>
+              </a:rPr>
+              <a:t>-common</a:t>
+            </a:r>
+            <a:r>
+              <a:rPr lang="en-US" sz="1400" b="1" dirty="0" smtClean="0">
+                <a:solidFill>
+                  <a:schemeClr val="accent2"/>
+                </a:solidFill>
+                <a:latin typeface="Courier" pitchFamily="49" charset="0"/>
+              </a:rPr>
+              <a:t>" </a:t>
+            </a:r>
+            <a:r>
+              <a:rPr lang="en-US" sz="1400" b="1" dirty="0" smtClean="0">
+                <a:solidFill>
+                  <a:schemeClr val="accent2"/>
+                </a:solidFill>
+                <a:latin typeface="Courier" pitchFamily="49" charset="0"/>
+              </a:rPr>
+              <a:t>prefix="</a:t>
+            </a:r>
+            <a:r>
+              <a:rPr lang="en-US" sz="1400" b="1" dirty="0" err="1" smtClean="0">
+                <a:solidFill>
+                  <a:srgbClr val="FF0000"/>
+                </a:solidFill>
                 <a:latin typeface="Courier" pitchFamily="49" charset="0"/>
               </a:rPr>
               <a:t>collectionobject</a:t>
             </a:r>
             <a:r>
-              <a:rPr lang="en-US" sz="1400" dirty="0" smtClean="0">
-                <a:latin typeface="Courier" pitchFamily="49" charset="0"/>
-              </a:rPr>
-              <a:t>-core" </a:t>
-            </a:r>
-            <a:r>
-              <a:rPr lang="en-US" sz="1400" dirty="0" err="1" smtClean="0">
+              <a:rPr lang="en-US" sz="1400" b="1" dirty="0" smtClean="0">
+                <a:solidFill>
+                  <a:srgbClr val="FF0000"/>
+                </a:solidFill>
+                <a:latin typeface="Courier" pitchFamily="49" charset="0"/>
+              </a:rPr>
+              <a:t>-common</a:t>
+            </a:r>
+            <a:r>
+              <a:rPr lang="en-US" sz="1400" b="1" dirty="0" smtClean="0">
+                <a:solidFill>
+                  <a:schemeClr val="accent2"/>
+                </a:solidFill>
+                <a:latin typeface="Courier" pitchFamily="49" charset="0"/>
+              </a:rPr>
+              <a:t>" </a:t>
+            </a:r>
+            <a:r>
+              <a:rPr lang="en-US" sz="1400" b="1" dirty="0" err="1" smtClean="0">
+                <a:solidFill>
+                  <a:schemeClr val="accent2"/>
+                </a:solidFill>
                 <a:latin typeface="Courier" pitchFamily="49" charset="0"/>
               </a:rPr>
               <a:t>src</a:t>
             </a:r>
             <a:r>
-              <a:rPr lang="en-US" sz="1400" dirty="0" smtClean="0">
-                <a:latin typeface="Courier" pitchFamily="49" charset="0"/>
-              </a:rPr>
-              <a:t>="schemas/collectionobject.xsd"/&gt;</a:t>
-            </a:r>
-          </a:p>
-          <a:p>
-            <a:pPr>
-              <a:buNone/>
-            </a:pPr>
-            <a:r>
-              <a:rPr lang="en-US" sz="1400" dirty="0" smtClean="0">
+              <a:rPr lang="en-US" sz="1400" b="1" dirty="0" smtClean="0">
+                <a:solidFill>
+                  <a:schemeClr val="accent2"/>
+                </a:solidFill>
+                <a:latin typeface="Courier" pitchFamily="49" charset="0"/>
+              </a:rPr>
+              <a:t>="</a:t>
+            </a:r>
+            <a:r>
+              <a:rPr lang="en-US" sz="1400" b="1" dirty="0" smtClean="0">
+                <a:solidFill>
+                  <a:schemeClr val="accent2"/>
+                </a:solidFill>
+                <a:latin typeface="Courier" pitchFamily="49" charset="0"/>
+              </a:rPr>
+              <a:t>schemas/</a:t>
+            </a:r>
+            <a:r>
+              <a:rPr lang="en-US" sz="1400" b="1" dirty="0" smtClean="0">
+                <a:solidFill>
+                  <a:srgbClr val="FF0000"/>
+                </a:solidFill>
+                <a:latin typeface="Courier" pitchFamily="49" charset="0"/>
+              </a:rPr>
+              <a:t>collectionobject-common.xsd</a:t>
+            </a:r>
+            <a:r>
+              <a:rPr lang="en-US" sz="1400" b="1" dirty="0" smtClean="0">
+                <a:solidFill>
+                  <a:schemeClr val="accent2"/>
+                </a:solidFill>
+                <a:latin typeface="Courier" pitchFamily="49" charset="0"/>
+              </a:rPr>
+              <a:t>"/&gt;</a:t>
+            </a:r>
+          </a:p>
+          <a:p>
+            <a:pPr>
+              <a:buNone/>
+            </a:pPr>
+            <a:r>
+              <a:rPr lang="en-US" sz="1400" b="1" dirty="0" smtClean="0">
+                <a:solidFill>
+                  <a:schemeClr val="accent2"/>
+                </a:solidFill>
+                <a:latin typeface="Courier" pitchFamily="49" charset="0"/>
+              </a:rPr>
+              <a:t> </a:t>
+            </a:r>
+            <a:r>
+              <a:rPr lang="en-US" sz="1400" b="1" dirty="0" smtClean="0">
+                <a:solidFill>
+                  <a:schemeClr val="accent2"/>
+                </a:solidFill>
+                <a:latin typeface="Courier" pitchFamily="49" charset="0"/>
+              </a:rPr>
+              <a:t>   …</a:t>
+            </a:r>
+          </a:p>
+          <a:p>
+            <a:pPr>
+              <a:buNone/>
+            </a:pPr>
+            <a:r>
+              <a:rPr lang="en-US" sz="1400" b="1" dirty="0" smtClean="0">
+                <a:solidFill>
+                  <a:schemeClr val="accent2"/>
+                </a:solidFill>
+                <a:latin typeface="Courier" pitchFamily="49" charset="0"/>
+              </a:rPr>
+              <a:t> </a:t>
+            </a:r>
+            <a:r>
+              <a:rPr lang="en-US" sz="1400" b="1" dirty="0" smtClean="0">
+                <a:solidFill>
+                  <a:schemeClr val="accent2"/>
+                </a:solidFill>
+                <a:latin typeface="Courier" pitchFamily="49" charset="0"/>
+              </a:rPr>
+              <a:t> /&gt;</a:t>
+            </a:r>
+            <a:endParaRPr lang="en-US" sz="1400" b="1" dirty="0" smtClean="0">
+              <a:solidFill>
+                <a:schemeClr val="accent2"/>
+              </a:solidFill>
+              <a:latin typeface="Courier" pitchFamily="49" charset="0"/>
+            </a:endParaRPr>
+          </a:p>
+          <a:p>
+            <a:pPr>
+              <a:buNone/>
+            </a:pPr>
+            <a:r>
+              <a:rPr lang="en-US" sz="1400" b="1" dirty="0" smtClean="0">
+                <a:solidFill>
+                  <a:schemeClr val="accent2"/>
+                </a:solidFill>
                 <a:latin typeface="Courier" pitchFamily="49" charset="0"/>
               </a:rPr>
               <a:t>  &lt;/extension&gt;</a:t>
@@ -9433,31 +10393,46 @@
               <a:buNone/>
             </a:pPr>
             <a:r>
-              <a:rPr lang="en-US" sz="1400" dirty="0" smtClean="0">
+              <a:rPr lang="en-US" sz="1400" b="1" dirty="0" smtClean="0">
+                <a:solidFill>
+                  <a:schemeClr val="accent2"/>
+                </a:solidFill>
                 <a:latin typeface="Courier" pitchFamily="49" charset="0"/>
               </a:rPr>
               <a:t>  &lt;extension target="</a:t>
             </a:r>
             <a:r>
-              <a:rPr lang="en-US" sz="1400" dirty="0" err="1" smtClean="0">
+              <a:rPr lang="en-US" sz="1400" b="1" dirty="0" err="1" smtClean="0">
+                <a:solidFill>
+                  <a:schemeClr val="accent2"/>
+                </a:solidFill>
                 <a:latin typeface="Courier" pitchFamily="49" charset="0"/>
               </a:rPr>
               <a:t>org.nuxeo.ecm.core.schema.TypeService</a:t>
             </a:r>
             <a:r>
-              <a:rPr lang="en-US" sz="1400" dirty="0" smtClean="0">
+              <a:rPr lang="en-US" sz="1400" b="1" dirty="0" smtClean="0">
+                <a:solidFill>
+                  <a:schemeClr val="accent2"/>
+                </a:solidFill>
                 <a:latin typeface="Courier" pitchFamily="49" charset="0"/>
               </a:rPr>
               <a:t>" point="</a:t>
             </a:r>
             <a:r>
-              <a:rPr lang="en-US" sz="1400" dirty="0" err="1" smtClean="0">
+              <a:rPr lang="en-US" sz="1400" b="1" dirty="0" err="1" smtClean="0">
+                <a:solidFill>
+                  <a:schemeClr val="accent2"/>
+                </a:solidFill>
                 <a:latin typeface="Courier" pitchFamily="49" charset="0"/>
               </a:rPr>
               <a:t>doctype</a:t>
             </a:r>
             <a:r>
-              <a:rPr lang="en-US" sz="1400" dirty="0" smtClean="0">
+              <a:rPr lang="en-US" sz="1400" b="1" dirty="0" smtClean="0">
+                <a:solidFill>
+                  <a:schemeClr val="accent2"/>
+                </a:solidFill>
                 <a:latin typeface="Courier" pitchFamily="49" charset="0"/>
               </a:rPr>
               <a:t>"&gt;</a:t>
@@ -9468,31 +10443,46 @@
               <a:buNone/>
             </a:pPr>
             <a:r>
-              <a:rPr lang="en-US" sz="1400" dirty="0" smtClean="0">
+              <a:rPr lang="en-US" sz="1400" b="1" dirty="0" smtClean="0">
+                <a:solidFill>
+                  <a:schemeClr val="accent2"/>
+                </a:solidFill>
                 <a:latin typeface="Courier" pitchFamily="49" charset="0"/>
               </a:rPr>
               <a:t>    &lt;</a:t>
             </a:r>
             <a:r>
-              <a:rPr lang="en-US" sz="1400" dirty="0" err="1" smtClean="0">
+              <a:rPr lang="en-US" sz="1400" b="1" dirty="0" err="1" smtClean="0">
+                <a:solidFill>
+                  <a:schemeClr val="accent2"/>
+                </a:solidFill>
                 <a:latin typeface="Courier" pitchFamily="49" charset="0"/>
               </a:rPr>
               <a:t>doctype</a:t>
             </a:r>
             <a:r>
-              <a:rPr lang="en-US" sz="1400" dirty="0" smtClean="0">
+              <a:rPr lang="en-US" sz="1400" b="1" dirty="0" smtClean="0">
+                <a:solidFill>
+                  <a:schemeClr val="accent2"/>
+                </a:solidFill>
                 <a:latin typeface="Courier" pitchFamily="49" charset="0"/>
               </a:rPr>
               <a:t> name="</a:t>
             </a:r>
             <a:r>
               <a:rPr lang="en-US" sz="1400" b="1" dirty="0" smtClean="0">
+                <a:solidFill>
+                  <a:srgbClr val="FF0000"/>
+                </a:solidFill>
                 <a:latin typeface="Courier" pitchFamily="49" charset="0"/>
               </a:rPr>
               <a:t>CollectionObject</a:t>
             </a:r>
             <a:r>
-              <a:rPr lang="en-US" sz="1400" dirty="0" smtClean="0">
+              <a:rPr lang="en-US" sz="1400" b="1" dirty="0" smtClean="0">
+                <a:solidFill>
+                  <a:schemeClr val="accent2"/>
+                </a:solidFill>
                 <a:latin typeface="Courier" pitchFamily="49" charset="0"/>
               </a:rPr>
               <a:t>" extends="Document"&gt;</a:t>
@@ -9504,75 +10494,147 @@
             </a:pPr>
             <a:r>
               <a:rPr lang="en-US" sz="1400" b="1" dirty="0" smtClean="0">
+                <a:solidFill>
+                  <a:schemeClr val="accent2"/>
+                </a:solidFill>
                 <a:latin typeface="Courier" pitchFamily="49" charset="0"/>
               </a:rPr>
               <a:t>      &lt;schema name=“</a:t>
             </a:r>
             <a:r>
               <a:rPr lang="en-US" sz="1400" b="1" dirty="0" err="1" smtClean="0">
+                <a:solidFill>
+                  <a:srgbClr val="FF0000"/>
+                </a:solidFill>
                 <a:latin typeface="Courier" pitchFamily="49" charset="0"/>
               </a:rPr>
               <a:t>collectionobject</a:t>
             </a:r>
             <a:r>
               <a:rPr lang="en-US" sz="1400" b="1" dirty="0" smtClean="0">
-                <a:latin typeface="Courier" pitchFamily="49" charset="0"/>
-              </a:rPr>
-              <a:t>-core"/&gt; </a:t>
-            </a:r>
-          </a:p>
-          <a:p>
-            <a:pPr>
-              <a:buNone/>
-            </a:pPr>
-            <a:r>
-              <a:rPr lang="en-US" sz="1400" b="1" dirty="0" smtClean="0">
+                <a:solidFill>
+                  <a:srgbClr val="FF0000"/>
+                </a:solidFill>
+                <a:latin typeface="Courier" pitchFamily="49" charset="0"/>
+              </a:rPr>
+              <a:t>-common</a:t>
+            </a:r>
+            <a:r>
+              <a:rPr lang="en-US" sz="1400" b="1" dirty="0" smtClean="0">
+                <a:solidFill>
+                  <a:schemeClr val="accent2"/>
+                </a:solidFill>
+                <a:latin typeface="Courier" pitchFamily="49" charset="0"/>
+              </a:rPr>
+              <a:t>"/&gt; </a:t>
+            </a:r>
+            <a:endParaRPr lang="en-US" sz="1400" b="1" dirty="0" smtClean="0">
+              <a:solidFill>
+                <a:schemeClr val="accent2"/>
+              </a:solidFill>
+              <a:latin typeface="Courier" pitchFamily="49" charset="0"/>
+            </a:endParaRPr>
+          </a:p>
+          <a:p>
+            <a:pPr>
+              <a:buNone/>
+            </a:pPr>
+            <a:r>
+              <a:rPr lang="en-US" sz="1400" b="1" dirty="0" smtClean="0">
+                <a:solidFill>
+                  <a:schemeClr val="accent2"/>
+                </a:solidFill>
                 <a:latin typeface="Courier" pitchFamily="49" charset="0"/>
               </a:rPr>
               <a:t>      &lt;schema name=“</a:t>
             </a:r>
             <a:r>
               <a:rPr lang="en-US" sz="1400" b="1" dirty="0" err="1" smtClean="0">
+                <a:solidFill>
+                  <a:srgbClr val="FF0000"/>
+                </a:solidFill>
                 <a:latin typeface="Courier" pitchFamily="49" charset="0"/>
               </a:rPr>
               <a:t>collectionobject</a:t>
             </a:r>
             <a:r>
               <a:rPr lang="en-US" sz="1400" b="1" dirty="0" smtClean="0">
-                <a:latin typeface="Courier" pitchFamily="49" charset="0"/>
-              </a:rPr>
-              <a:t>-anthropology"/&gt;</a:t>
-            </a:r>
-          </a:p>
-          <a:p>
-            <a:pPr>
-              <a:buNone/>
-            </a:pPr>
-            <a:r>
-              <a:rPr lang="en-US" sz="1400" b="1" dirty="0" smtClean="0">
-                <a:latin typeface="Courier" pitchFamily="49" charset="0"/>
-              </a:rPr>
-              <a:t>      &lt;schema name="collectionobject-hearstmuseum.berkeley.edu"/&gt;</a:t>
-            </a:r>
-          </a:p>
-          <a:p>
-            <a:pPr>
-              <a:buNone/>
-            </a:pPr>
-            <a:r>
-              <a:rPr lang="en-US" sz="1400" dirty="0" smtClean="0">
+                <a:solidFill>
+                  <a:srgbClr val="FF0000"/>
+                </a:solidFill>
+                <a:latin typeface="Courier" pitchFamily="49" charset="0"/>
+              </a:rPr>
+              <a:t>-anthropology</a:t>
+            </a:r>
+            <a:r>
+              <a:rPr lang="en-US" sz="1400" b="1" dirty="0" smtClean="0">
+                <a:solidFill>
+                  <a:schemeClr val="accent2"/>
+                </a:solidFill>
+                <a:latin typeface="Courier" pitchFamily="49" charset="0"/>
+              </a:rPr>
+              <a:t>"/&gt;</a:t>
+            </a:r>
+          </a:p>
+          <a:p>
+            <a:pPr>
+              <a:buNone/>
+            </a:pPr>
+            <a:r>
+              <a:rPr lang="en-US" sz="1400" b="1" dirty="0" smtClean="0">
+                <a:solidFill>
+                  <a:schemeClr val="accent2"/>
+                </a:solidFill>
+                <a:latin typeface="Courier" pitchFamily="49" charset="0"/>
+              </a:rPr>
+              <a:t>      &lt;schema name="</a:t>
+            </a:r>
+            <a:r>
+              <a:rPr lang="en-US" sz="1400" b="1" dirty="0" smtClean="0">
+                <a:solidFill>
+                  <a:srgbClr val="FF0000"/>
+                </a:solidFill>
+                <a:latin typeface="Courier" pitchFamily="49" charset="0"/>
+              </a:rPr>
+              <a:t>collectionobject-hearstmuseum.berkeley.edu</a:t>
+            </a:r>
+            <a:r>
+              <a:rPr lang="en-US" sz="1400" b="1" dirty="0" smtClean="0">
+                <a:solidFill>
+                  <a:schemeClr val="accent2"/>
+                </a:solidFill>
+                <a:latin typeface="Courier" pitchFamily="49" charset="0"/>
+              </a:rPr>
+              <a:t>"/&gt;</a:t>
+            </a:r>
+          </a:p>
+          <a:p>
+            <a:pPr>
+              <a:buNone/>
+            </a:pPr>
+            <a:r>
+              <a:rPr lang="en-US" sz="1400" b="1" dirty="0" smtClean="0">
+                <a:solidFill>
+                  <a:schemeClr val="accent2"/>
+                </a:solidFill>
                 <a:latin typeface="Courier" pitchFamily="49" charset="0"/>
               </a:rPr>
               <a:t>    &lt;/</a:t>
             </a:r>
             <a:r>
-              <a:rPr lang="en-US" sz="1400" dirty="0" err="1" smtClean="0">
+              <a:rPr lang="en-US" sz="1400" b="1" dirty="0" err="1" smtClean="0">
+                <a:solidFill>
+                  <a:schemeClr val="accent2"/>
+                </a:solidFill>
                 <a:latin typeface="Courier" pitchFamily="49" charset="0"/>
               </a:rPr>
               <a:t>doctype</a:t>
             </a:r>
             <a:r>
-              <a:rPr lang="en-US" sz="1400" dirty="0" smtClean="0">
+              <a:rPr lang="en-US" sz="1400" b="1" dirty="0" smtClean="0">
+                <a:solidFill>
+                  <a:schemeClr val="accent2"/>
+                </a:solidFill>
                 <a:latin typeface="Courier" pitchFamily="49" charset="0"/>
               </a:rPr>
               <a:t>&gt;</a:t>
@@ -9583,7 +10645,10 @@
               <a:buNone/>
             </a:pPr>
             <a:r>
-              <a:rPr lang="en-US" sz="1400" dirty="0" smtClean="0">
+              <a:rPr lang="en-US" sz="1400" b="1" dirty="0" smtClean="0">
+                <a:solidFill>
+                  <a:schemeClr val="accent2"/>
+                </a:solidFill>
                 <a:latin typeface="Courier" pitchFamily="49" charset="0"/>
               </a:rPr>
               <a:t>  &lt;/extension&gt;</a:t>
@@ -9594,12 +10659,18 @@
               <a:buNone/>
             </a:pPr>
             <a:r>
-              <a:rPr lang="en-US" sz="1400" dirty="0" smtClean="0">
+              <a:rPr lang="en-US" sz="1400" b="1" dirty="0" smtClean="0">
+                <a:solidFill>
+                  <a:schemeClr val="accent2"/>
+                </a:solidFill>
                 <a:latin typeface="Courier" pitchFamily="49" charset="0"/>
               </a:rPr>
               <a:t>&lt;/component&gt;</a:t>
             </a:r>
-            <a:endParaRPr lang="en-US" sz="1400" dirty="0">
+            <a:endParaRPr lang="en-US" sz="1400" b="1" dirty="0">
+              <a:solidFill>
+                <a:schemeClr val="accent2"/>
+              </a:solidFill>
               <a:latin typeface="Courier" pitchFamily="49" charset="0"/>
             </a:endParaRPr>
           </a:p>
@@ -9626,29 +10697,6 @@
               <a:t>7</a:t>
             </a:fld>
             <a:endParaRPr lang="en-US"/>
-          </a:p>
-        </p:txBody>
-      </p:sp>
-      <p:sp>
-        <p:nvSpPr>
-          <p:cNvPr id="5" name="Footer Placeholder 4"/>
-          <p:cNvSpPr>
-            <a:spLocks noGrp="1"/>
-          </p:cNvSpPr>
-          <p:nvPr>
-            <p:ph type="ftr" sz="quarter" idx="11"/>
-          </p:nvPr>
-        </p:nvSpPr>
-        <p:spPr/>
-        <p:txBody>
-          <a:bodyPr/>
-          <a:lstStyle/>
-          <a:p>
-            <a:r>
-              <a:rPr lang="en-US" dirty="0" smtClean="0"/>
-              <a:t>CollectionSpace</a:t>
-            </a:r>
-            <a:endParaRPr lang="en-US" dirty="0"/>
           </a:p>
         </p:txBody>
       </p:sp>
@@ -9694,16 +10742,21 @@
             <p:ph type="title"/>
           </p:nvPr>
         </p:nvSpPr>
-        <p:spPr/>
+        <p:spPr>
+          <a:xfrm>
+            <a:off x="685800" y="685800"/>
+            <a:ext cx="7772400" cy="1143000"/>
+          </a:xfrm>
+        </p:spPr>
         <p:txBody>
           <a:bodyPr/>
           <a:lstStyle/>
           <a:p>
             <a:r>
-              <a:rPr lang="en-US" dirty="0" smtClean="0"/>
-              <a:t>collectionobject.xsd</a:t>
-            </a:r>
-            <a:endParaRPr lang="en-US" dirty="0"/>
+              <a:rPr lang="en-US" sz="4000" dirty="0" smtClean="0"/>
+              <a:t>collectionobject-common.xsd</a:t>
+            </a:r>
+            <a:endParaRPr lang="en-US" sz="4000" dirty="0"/>
           </a:p>
         </p:txBody>
       </p:sp>
@@ -9717,7 +10770,15 @@
             <p:ph idx="1"/>
           </p:nvPr>
         </p:nvSpPr>
-        <p:spPr/>
+        <p:spPr>
+          <a:xfrm>
+            <a:off x="685800" y="1676400"/>
+            <a:ext cx="7772400" cy="4114800"/>
+          </a:xfrm>
+          <a:solidFill>
+            <a:srgbClr val="FFFF66"/>
+          </a:solidFill>
+        </p:spPr>
         <p:txBody>
           <a:bodyPr/>
           <a:lstStyle/>
@@ -9726,7 +10787,10 @@
               <a:buNone/>
             </a:pPr>
             <a:r>
-              <a:rPr lang="en-US" sz="1400" dirty="0" smtClean="0">
+              <a:rPr lang="en-US" sz="1400" b="1" dirty="0" smtClean="0">
+                <a:solidFill>
+                  <a:schemeClr val="accent2"/>
+                </a:solidFill>
                 <a:latin typeface="Courier" pitchFamily="49" charset="0"/>
               </a:rPr>
               <a:t>&lt;?xml version="1.0" encoding="UTF-8" standalone="yes"?&gt;</a:t>
@@ -9737,19 +10801,28 @@
               <a:buNone/>
             </a:pPr>
             <a:r>
-              <a:rPr lang="en-US" sz="1400" dirty="0" smtClean="0">
+              <a:rPr lang="en-US" sz="1400" b="1" dirty="0" smtClean="0">
+                <a:solidFill>
+                  <a:schemeClr val="accent2"/>
+                </a:solidFill>
                 <a:latin typeface="Courier" pitchFamily="49" charset="0"/>
               </a:rPr>
               <a:t>&lt;</a:t>
             </a:r>
             <a:r>
-              <a:rPr lang="en-US" sz="1400" dirty="0" err="1" smtClean="0">
+              <a:rPr lang="en-US" sz="1400" b="1" dirty="0" err="1" smtClean="0">
+                <a:solidFill>
+                  <a:schemeClr val="accent2"/>
+                </a:solidFill>
                 <a:latin typeface="Courier" pitchFamily="49" charset="0"/>
               </a:rPr>
               <a:t>xs:schema</a:t>
             </a:r>
             <a:r>
-              <a:rPr lang="en-US" sz="1400" dirty="0" smtClean="0">
+              <a:rPr lang="en-US" sz="1400" b="1" dirty="0" smtClean="0">
+                <a:solidFill>
+                  <a:schemeClr val="accent2"/>
+                </a:solidFill>
                 <a:latin typeface="Courier" pitchFamily="49" charset="0"/>
               </a:rPr>
               <a:t> </a:t>
@@ -9760,19 +10833,28 @@
               <a:buNone/>
             </a:pPr>
             <a:r>
-              <a:rPr lang="en-US" sz="1400" dirty="0" smtClean="0">
+              <a:rPr lang="en-US" sz="1400" b="1" dirty="0" smtClean="0">
+                <a:solidFill>
+                  <a:schemeClr val="accent2"/>
+                </a:solidFill>
                 <a:latin typeface="Courier" pitchFamily="49" charset="0"/>
               </a:rPr>
               <a:t>    </a:t>
             </a:r>
             <a:r>
-              <a:rPr lang="en-US" sz="1400" dirty="0" err="1" smtClean="0">
+              <a:rPr lang="en-US" sz="1400" b="1" dirty="0" err="1" smtClean="0">
+                <a:solidFill>
+                  <a:schemeClr val="accent2"/>
+                </a:solidFill>
                 <a:latin typeface="Courier" pitchFamily="49" charset="0"/>
               </a:rPr>
               <a:t>xmlns:xs</a:t>
             </a:r>
             <a:r>
-              <a:rPr lang="en-US" sz="1400" dirty="0" smtClean="0">
+              <a:rPr lang="en-US" sz="1400" b="1" dirty="0" smtClean="0">
+                <a:solidFill>
+                  <a:schemeClr val="accent2"/>
+                </a:solidFill>
                 <a:latin typeface="Courier" pitchFamily="49" charset="0"/>
               </a:rPr>
               <a:t>="http://www.w3.org/2001/XMLSchema"</a:t>
@@ -9783,19 +10865,125 @@
               <a:buNone/>
             </a:pPr>
             <a:r>
-              <a:rPr lang="en-US" sz="1400" dirty="0" smtClean="0">
+              <a:rPr lang="en-US" sz="1400" b="1" dirty="0" smtClean="0">
+                <a:solidFill>
+                  <a:schemeClr val="accent2"/>
+                </a:solidFill>
                 <a:latin typeface="Courier" pitchFamily="49" charset="0"/>
               </a:rPr>
               <a:t>    </a:t>
             </a:r>
             <a:r>
-              <a:rPr lang="en-US" sz="1400" dirty="0" err="1" smtClean="0">
+              <a:rPr lang="en-US" sz="1400" b="1" dirty="0" err="1" smtClean="0">
+                <a:solidFill>
+                  <a:schemeClr val="accent2"/>
+                </a:solidFill>
                 <a:latin typeface="Courier" pitchFamily="49" charset="0"/>
               </a:rPr>
               <a:t>xmlns:ns</a:t>
             </a:r>
             <a:r>
-              <a:rPr lang="en-US" sz="1400" dirty="0" smtClean="0">
+              <a:rPr lang="en-US" sz="1400" b="1" dirty="0" smtClean="0">
+                <a:solidFill>
+                  <a:schemeClr val="accent2"/>
+                </a:solidFill>
+                <a:latin typeface="Courier" pitchFamily="49" charset="0"/>
+              </a:rPr>
+              <a:t>="http://</a:t>
+            </a:r>
+            <a:r>
+              <a:rPr lang="en-US" sz="1400" b="1" dirty="0" smtClean="0">
+                <a:solidFill>
+                  <a:schemeClr val="accent2"/>
+                </a:solidFill>
+                <a:latin typeface="Courier" pitchFamily="49" charset="0"/>
+              </a:rPr>
+              <a:t>collectionspace.org/collectionobject/"</a:t>
+            </a:r>
+            <a:endParaRPr lang="en-US" sz="1400" b="1" dirty="0" smtClean="0">
+              <a:solidFill>
+                <a:schemeClr val="accent2"/>
+              </a:solidFill>
+              <a:latin typeface="Courier" pitchFamily="49" charset="0"/>
+            </a:endParaRPr>
+          </a:p>
+          <a:p>
+            <a:pPr>
+              <a:buNone/>
+            </a:pPr>
+            <a:r>
+              <a:rPr lang="en-US" sz="1400" b="1" dirty="0" smtClean="0">
+                <a:solidFill>
+                  <a:schemeClr val="accent2"/>
+                </a:solidFill>
+                <a:latin typeface="Courier" pitchFamily="49" charset="0"/>
+              </a:rPr>
+              <a:t>    </a:t>
+            </a:r>
+            <a:r>
+              <a:rPr lang="en-US" sz="1400" b="1" dirty="0" err="1" smtClean="0">
+                <a:solidFill>
+                  <a:schemeClr val="accent2"/>
+                </a:solidFill>
+                <a:latin typeface="Courier" pitchFamily="49" charset="0"/>
+              </a:rPr>
+              <a:t>xmlns</a:t>
+            </a:r>
+            <a:r>
+              <a:rPr lang="en-US" sz="1400" b="1" dirty="0" smtClean="0">
+                <a:solidFill>
+                  <a:schemeClr val="accent2"/>
+                </a:solidFill>
+                <a:latin typeface="Courier" pitchFamily="49" charset="0"/>
+              </a:rPr>
+              <a:t>="</a:t>
+            </a:r>
+            <a:r>
+              <a:rPr lang="en-US" sz="1400" b="1" dirty="0" smtClean="0">
+                <a:solidFill>
+                  <a:srgbClr val="FF0000"/>
+                </a:solidFill>
+                <a:latin typeface="Courier" pitchFamily="49" charset="0"/>
+              </a:rPr>
+              <a:t>http://collectionspace.org/collectionobject</a:t>
+            </a:r>
+            <a:r>
+              <a:rPr lang="en-US" sz="1400" b="1" dirty="0" smtClean="0">
+                <a:solidFill>
+                  <a:schemeClr val="accent2"/>
+                </a:solidFill>
+                <a:latin typeface="Courier" pitchFamily="49" charset="0"/>
+              </a:rPr>
+              <a:t>/"</a:t>
+            </a:r>
+          </a:p>
+          <a:p>
+            <a:pPr>
+              <a:buNone/>
+            </a:pPr>
+            <a:r>
+              <a:rPr lang="en-US" sz="1400" b="1" dirty="0" smtClean="0">
+                <a:solidFill>
+                  <a:schemeClr val="accent2"/>
+                </a:solidFill>
+                <a:latin typeface="Courier" pitchFamily="49" charset="0"/>
+              </a:rPr>
+              <a:t>    </a:t>
+            </a:r>
+            <a:r>
+              <a:rPr lang="en-US" sz="1400" b="1" dirty="0" err="1" smtClean="0">
+                <a:solidFill>
+                  <a:schemeClr val="accent2"/>
+                </a:solidFill>
+                <a:latin typeface="Courier" pitchFamily="49" charset="0"/>
+              </a:rPr>
+              <a:t>targetNamespace</a:t>
+            </a:r>
+            <a:r>
+              <a:rPr lang="en-US" sz="1400" b="1" dirty="0" smtClean="0">
+                <a:solidFill>
+                  <a:schemeClr val="accent2"/>
+                </a:solidFill>
                 <a:latin typeface="Courier" pitchFamily="49" charset="0"/>
               </a:rPr>
               <a:t>="http://collectionspace.org/collectionobject/"</a:t>
@@ -9806,53 +10994,10 @@
               <a:buNone/>
             </a:pPr>
             <a:r>
-              <a:rPr lang="en-US" sz="1400" dirty="0" smtClean="0">
-                <a:latin typeface="Courier" pitchFamily="49" charset="0"/>
-              </a:rPr>
-              <a:t>    </a:t>
-            </a:r>
-            <a:r>
-              <a:rPr lang="en-US" sz="1400" dirty="0" err="1" smtClean="0">
-                <a:latin typeface="Courier" pitchFamily="49" charset="0"/>
-              </a:rPr>
-              <a:t>xmlns</a:t>
-            </a:r>
-            <a:r>
-              <a:rPr lang="en-US" sz="1400" dirty="0" smtClean="0">
-                <a:latin typeface="Courier" pitchFamily="49" charset="0"/>
-              </a:rPr>
-              <a:t>="http://collectionspace.org/collectionobject/"</a:t>
-            </a:r>
-          </a:p>
-          <a:p>
-            <a:pPr>
-              <a:buNone/>
-            </a:pPr>
-            <a:r>
-              <a:rPr lang="en-US" sz="1400" dirty="0" smtClean="0">
-                <a:latin typeface="Courier" pitchFamily="49" charset="0"/>
-              </a:rPr>
-              <a:t>    </a:t>
-            </a:r>
-            <a:r>
-              <a:rPr lang="en-US" sz="1400" dirty="0" err="1" smtClean="0">
-                <a:latin typeface="Courier" pitchFamily="49" charset="0"/>
-              </a:rPr>
-              <a:t>targetNamespace</a:t>
-            </a:r>
-            <a:r>
-              <a:rPr lang="en-US" sz="1400" dirty="0" smtClean="0">
-                <a:latin typeface="Courier" pitchFamily="49" charset="0"/>
-              </a:rPr>
-              <a:t>="http://collectionspace.org/collectionobject/"</a:t>
-            </a:r>
-          </a:p>
-          <a:p>
-            <a:pPr>
-              <a:buNone/>
-            </a:pPr>
-            <a:r>
-              <a:rPr lang="en-US" sz="1400" dirty="0" smtClean="0">
+              <a:rPr lang="en-US" sz="1400" b="1" dirty="0" smtClean="0">
+                <a:solidFill>
+                  <a:schemeClr val="accent2"/>
+                </a:solidFill>
                 <a:latin typeface="Courier" pitchFamily="49" charset="0"/>
               </a:rPr>
               <a:t>    version="0.1"&gt;</a:t>
@@ -9863,43 +11008,64 @@
               <a:buNone/>
             </a:pPr>
             <a:r>
-              <a:rPr lang="en-US" sz="1400" dirty="0" smtClean="0">
+              <a:rPr lang="en-US" sz="1400" b="1" dirty="0" smtClean="0">
+                <a:solidFill>
+                  <a:schemeClr val="accent2"/>
+                </a:solidFill>
                 <a:latin typeface="Courier" pitchFamily="49" charset="0"/>
               </a:rPr>
               <a:t>    &lt;</a:t>
             </a:r>
             <a:r>
-              <a:rPr lang="en-US" sz="1400" dirty="0" err="1" smtClean="0">
+              <a:rPr lang="en-US" sz="1400" b="1" dirty="0" err="1" smtClean="0">
+                <a:solidFill>
+                  <a:schemeClr val="accent2"/>
+                </a:solidFill>
                 <a:latin typeface="Courier" pitchFamily="49" charset="0"/>
               </a:rPr>
               <a:t>xs:element</a:t>
             </a:r>
             <a:r>
-              <a:rPr lang="en-US" sz="1400" dirty="0" smtClean="0">
+              <a:rPr lang="en-US" sz="1400" b="1" dirty="0" smtClean="0">
+                <a:solidFill>
+                  <a:schemeClr val="accent2"/>
+                </a:solidFill>
                 <a:latin typeface="Courier" pitchFamily="49" charset="0"/>
               </a:rPr>
               <a:t> name="</a:t>
             </a:r>
             <a:r>
-              <a:rPr lang="en-US" sz="1400" dirty="0" err="1" smtClean="0">
+              <a:rPr lang="en-US" sz="1400" b="1" dirty="0" err="1" smtClean="0">
+                <a:solidFill>
+                  <a:schemeClr val="accent2"/>
+                </a:solidFill>
                 <a:latin typeface="Courier" pitchFamily="49" charset="0"/>
               </a:rPr>
               <a:t>objectNumber</a:t>
             </a:r>
             <a:r>
-              <a:rPr lang="en-US" sz="1400" dirty="0" smtClean="0">
+              <a:rPr lang="en-US" sz="1400" b="1" dirty="0" smtClean="0">
+                <a:solidFill>
+                  <a:schemeClr val="accent2"/>
+                </a:solidFill>
                 <a:latin typeface="Courier" pitchFamily="49" charset="0"/>
               </a:rPr>
               <a:t>" type="</a:t>
             </a:r>
             <a:r>
-              <a:rPr lang="en-US" sz="1400" dirty="0" err="1" smtClean="0">
+              <a:rPr lang="en-US" sz="1400" b="1" dirty="0" err="1" smtClean="0">
+                <a:solidFill>
+                  <a:schemeClr val="accent2"/>
+                </a:solidFill>
                 <a:latin typeface="Courier" pitchFamily="49" charset="0"/>
               </a:rPr>
               <a:t>xs:string</a:t>
             </a:r>
             <a:r>
-              <a:rPr lang="en-US" sz="1400" dirty="0" smtClean="0">
+              <a:rPr lang="en-US" sz="1400" b="1" dirty="0" smtClean="0">
+                <a:solidFill>
+                  <a:schemeClr val="accent2"/>
+                </a:solidFill>
                 <a:latin typeface="Courier" pitchFamily="49" charset="0"/>
               </a:rPr>
               <a:t>"/&gt;</a:t>
@@ -9910,43 +11076,64 @@
               <a:buNone/>
             </a:pPr>
             <a:r>
-              <a:rPr lang="en-US" sz="1400" dirty="0" smtClean="0">
+              <a:rPr lang="en-US" sz="1400" b="1" dirty="0" smtClean="0">
+                <a:solidFill>
+                  <a:schemeClr val="accent2"/>
+                </a:solidFill>
                 <a:latin typeface="Courier" pitchFamily="49" charset="0"/>
               </a:rPr>
               <a:t>    &lt;</a:t>
             </a:r>
             <a:r>
-              <a:rPr lang="en-US" sz="1400" dirty="0" err="1" smtClean="0">
+              <a:rPr lang="en-US" sz="1400" b="1" dirty="0" err="1" smtClean="0">
+                <a:solidFill>
+                  <a:schemeClr val="accent2"/>
+                </a:solidFill>
                 <a:latin typeface="Courier" pitchFamily="49" charset="0"/>
               </a:rPr>
               <a:t>xs:element</a:t>
             </a:r>
             <a:r>
-              <a:rPr lang="en-US" sz="1400" dirty="0" smtClean="0">
+              <a:rPr lang="en-US" sz="1400" b="1" dirty="0" smtClean="0">
+                <a:solidFill>
+                  <a:schemeClr val="accent2"/>
+                </a:solidFill>
                 <a:latin typeface="Courier" pitchFamily="49" charset="0"/>
               </a:rPr>
               <a:t> name="</a:t>
             </a:r>
             <a:r>
-              <a:rPr lang="en-US" sz="1400" dirty="0" err="1" smtClean="0">
+              <a:rPr lang="en-US" sz="1400" b="1" dirty="0" err="1" smtClean="0">
+                <a:solidFill>
+                  <a:schemeClr val="accent2"/>
+                </a:solidFill>
                 <a:latin typeface="Courier" pitchFamily="49" charset="0"/>
               </a:rPr>
               <a:t>otherNumber</a:t>
             </a:r>
             <a:r>
-              <a:rPr lang="en-US" sz="1400" dirty="0" smtClean="0">
+              <a:rPr lang="en-US" sz="1400" b="1" dirty="0" smtClean="0">
+                <a:solidFill>
+                  <a:schemeClr val="accent2"/>
+                </a:solidFill>
                 <a:latin typeface="Courier" pitchFamily="49" charset="0"/>
               </a:rPr>
               <a:t>" type="</a:t>
             </a:r>
             <a:r>
-              <a:rPr lang="en-US" sz="1400" dirty="0" err="1" smtClean="0">
+              <a:rPr lang="en-US" sz="1400" b="1" dirty="0" err="1" smtClean="0">
+                <a:solidFill>
+                  <a:schemeClr val="accent2"/>
+                </a:solidFill>
                 <a:latin typeface="Courier" pitchFamily="49" charset="0"/>
               </a:rPr>
               <a:t>xs:string</a:t>
             </a:r>
             <a:r>
-              <a:rPr lang="en-US" sz="1400" dirty="0" smtClean="0">
+              <a:rPr lang="en-US" sz="1400" b="1" dirty="0" smtClean="0">
+                <a:solidFill>
+                  <a:schemeClr val="accent2"/>
+                </a:solidFill>
                 <a:latin typeface="Courier" pitchFamily="49" charset="0"/>
               </a:rPr>
               <a:t>"/&gt;</a:t>
@@ -9957,43 +11144,64 @@
               <a:buNone/>
             </a:pPr>
             <a:r>
-              <a:rPr lang="en-US" sz="1400" dirty="0" smtClean="0">
+              <a:rPr lang="en-US" sz="1400" b="1" dirty="0" smtClean="0">
+                <a:solidFill>
+                  <a:schemeClr val="accent2"/>
+                </a:solidFill>
                 <a:latin typeface="Courier" pitchFamily="49" charset="0"/>
               </a:rPr>
               <a:t>    &lt;</a:t>
             </a:r>
             <a:r>
-              <a:rPr lang="en-US" sz="1400" dirty="0" err="1" smtClean="0">
+              <a:rPr lang="en-US" sz="1400" b="1" dirty="0" err="1" smtClean="0">
+                <a:solidFill>
+                  <a:schemeClr val="accent2"/>
+                </a:solidFill>
                 <a:latin typeface="Courier" pitchFamily="49" charset="0"/>
               </a:rPr>
               <a:t>xs:element</a:t>
             </a:r>
             <a:r>
-              <a:rPr lang="en-US" sz="1400" dirty="0" smtClean="0">
+              <a:rPr lang="en-US" sz="1400" b="1" dirty="0" smtClean="0">
+                <a:solidFill>
+                  <a:schemeClr val="accent2"/>
+                </a:solidFill>
                 <a:latin typeface="Courier" pitchFamily="49" charset="0"/>
               </a:rPr>
               <a:t> name="</a:t>
             </a:r>
             <a:r>
-              <a:rPr lang="en-US" sz="1400" dirty="0" err="1" smtClean="0">
+              <a:rPr lang="en-US" sz="1400" b="1" dirty="0" err="1" smtClean="0">
+                <a:solidFill>
+                  <a:schemeClr val="accent2"/>
+                </a:solidFill>
                 <a:latin typeface="Courier" pitchFamily="49" charset="0"/>
               </a:rPr>
               <a:t>briefDescription</a:t>
             </a:r>
             <a:r>
-              <a:rPr lang="en-US" sz="1400" dirty="0" smtClean="0">
+              <a:rPr lang="en-US" sz="1400" b="1" dirty="0" smtClean="0">
+                <a:solidFill>
+                  <a:schemeClr val="accent2"/>
+                </a:solidFill>
                 <a:latin typeface="Courier" pitchFamily="49" charset="0"/>
               </a:rPr>
               <a:t>" type="</a:t>
             </a:r>
             <a:r>
-              <a:rPr lang="en-US" sz="1400" dirty="0" err="1" smtClean="0">
+              <a:rPr lang="en-US" sz="1400" b="1" dirty="0" err="1" smtClean="0">
+                <a:solidFill>
+                  <a:schemeClr val="accent2"/>
+                </a:solidFill>
                 <a:latin typeface="Courier" pitchFamily="49" charset="0"/>
               </a:rPr>
               <a:t>xs:string</a:t>
             </a:r>
             <a:r>
-              <a:rPr lang="en-US" sz="1400" dirty="0" smtClean="0">
+              <a:rPr lang="en-US" sz="1400" b="1" dirty="0" smtClean="0">
+                <a:solidFill>
+                  <a:schemeClr val="accent2"/>
+                </a:solidFill>
                 <a:latin typeface="Courier" pitchFamily="49" charset="0"/>
               </a:rPr>
               <a:t>"/&gt;</a:t>
@@ -10004,31 +11212,46 @@
               <a:buNone/>
             </a:pPr>
             <a:r>
-              <a:rPr lang="en-US" sz="1400" dirty="0" smtClean="0">
+              <a:rPr lang="en-US" sz="1400" b="1" dirty="0" smtClean="0">
+                <a:solidFill>
+                  <a:schemeClr val="accent2"/>
+                </a:solidFill>
                 <a:latin typeface="Courier" pitchFamily="49" charset="0"/>
               </a:rPr>
               <a:t>    &lt;</a:t>
             </a:r>
             <a:r>
-              <a:rPr lang="en-US" sz="1400" dirty="0" err="1" smtClean="0">
+              <a:rPr lang="en-US" sz="1400" b="1" dirty="0" err="1" smtClean="0">
+                <a:solidFill>
+                  <a:schemeClr val="accent2"/>
+                </a:solidFill>
                 <a:latin typeface="Courier" pitchFamily="49" charset="0"/>
               </a:rPr>
               <a:t>xs:element</a:t>
             </a:r>
             <a:r>
-              <a:rPr lang="en-US" sz="1400" dirty="0" smtClean="0">
+              <a:rPr lang="en-US" sz="1400" b="1" dirty="0" smtClean="0">
+                <a:solidFill>
+                  <a:schemeClr val="accent2"/>
+                </a:solidFill>
                 <a:latin typeface="Courier" pitchFamily="49" charset="0"/>
               </a:rPr>
               <a:t> name="comments" type="</a:t>
             </a:r>
             <a:r>
-              <a:rPr lang="en-US" sz="1400" dirty="0" err="1" smtClean="0">
+              <a:rPr lang="en-US" sz="1400" b="1" dirty="0" err="1" smtClean="0">
+                <a:solidFill>
+                  <a:schemeClr val="accent2"/>
+                </a:solidFill>
                 <a:latin typeface="Courier" pitchFamily="49" charset="0"/>
               </a:rPr>
               <a:t>xs:string</a:t>
             </a:r>
             <a:r>
-              <a:rPr lang="en-US" sz="1400" dirty="0" smtClean="0">
+              <a:rPr lang="en-US" sz="1400" b="1" dirty="0" smtClean="0">
+                <a:solidFill>
+                  <a:schemeClr val="accent2"/>
+                </a:solidFill>
                 <a:latin typeface="Courier" pitchFamily="49" charset="0"/>
               </a:rPr>
               <a:t>"/&gt;</a:t>
@@ -10039,43 +11262,64 @@
               <a:buNone/>
             </a:pPr>
             <a:r>
-              <a:rPr lang="en-US" sz="1400" dirty="0" smtClean="0">
+              <a:rPr lang="en-US" sz="1400" b="1" dirty="0" smtClean="0">
+                <a:solidFill>
+                  <a:schemeClr val="accent2"/>
+                </a:solidFill>
                 <a:latin typeface="Courier" pitchFamily="49" charset="0"/>
               </a:rPr>
               <a:t>    &lt;</a:t>
             </a:r>
             <a:r>
-              <a:rPr lang="en-US" sz="1400" dirty="0" err="1" smtClean="0">
+              <a:rPr lang="en-US" sz="1400" b="1" dirty="0" err="1" smtClean="0">
+                <a:solidFill>
+                  <a:schemeClr val="accent2"/>
+                </a:solidFill>
                 <a:latin typeface="Courier" pitchFamily="49" charset="0"/>
               </a:rPr>
               <a:t>xs:element</a:t>
             </a:r>
             <a:r>
-              <a:rPr lang="en-US" sz="1400" dirty="0" smtClean="0">
+              <a:rPr lang="en-US" sz="1400" b="1" dirty="0" smtClean="0">
+                <a:solidFill>
+                  <a:schemeClr val="accent2"/>
+                </a:solidFill>
                 <a:latin typeface="Courier" pitchFamily="49" charset="0"/>
               </a:rPr>
               <a:t> name="</a:t>
             </a:r>
             <a:r>
-              <a:rPr lang="en-US" sz="1400" dirty="0" err="1" smtClean="0">
+              <a:rPr lang="en-US" sz="1400" b="1" dirty="0" err="1" smtClean="0">
+                <a:solidFill>
+                  <a:schemeClr val="accent2"/>
+                </a:solidFill>
                 <a:latin typeface="Courier" pitchFamily="49" charset="0"/>
               </a:rPr>
               <a:t>distFeatures</a:t>
             </a:r>
             <a:r>
-              <a:rPr lang="en-US" sz="1400" dirty="0" smtClean="0">
+              <a:rPr lang="en-US" sz="1400" b="1" dirty="0" smtClean="0">
+                <a:solidFill>
+                  <a:schemeClr val="accent2"/>
+                </a:solidFill>
                 <a:latin typeface="Courier" pitchFamily="49" charset="0"/>
               </a:rPr>
               <a:t>" type="</a:t>
             </a:r>
             <a:r>
-              <a:rPr lang="en-US" sz="1400" dirty="0" err="1" smtClean="0">
+              <a:rPr lang="en-US" sz="1400" b="1" dirty="0" err="1" smtClean="0">
+                <a:solidFill>
+                  <a:schemeClr val="accent2"/>
+                </a:solidFill>
                 <a:latin typeface="Courier" pitchFamily="49" charset="0"/>
               </a:rPr>
               <a:t>xs:string</a:t>
             </a:r>
             <a:r>
-              <a:rPr lang="en-US" sz="1400" dirty="0" smtClean="0">
+              <a:rPr lang="en-US" sz="1400" b="1" dirty="0" smtClean="0">
+                <a:solidFill>
+                  <a:schemeClr val="accent2"/>
+                </a:solidFill>
                 <a:latin typeface="Courier" pitchFamily="49" charset="0"/>
               </a:rPr>
               <a:t>"/&gt;</a:t>
@@ -10086,43 +11330,64 @@
               <a:buNone/>
             </a:pPr>
             <a:r>
-              <a:rPr lang="en-US" sz="1400" dirty="0" smtClean="0">
+              <a:rPr lang="en-US" sz="1400" b="1" dirty="0" smtClean="0">
+                <a:solidFill>
+                  <a:schemeClr val="accent2"/>
+                </a:solidFill>
                 <a:latin typeface="Courier" pitchFamily="49" charset="0"/>
               </a:rPr>
               <a:t>    &lt;</a:t>
             </a:r>
             <a:r>
-              <a:rPr lang="en-US" sz="1400" dirty="0" err="1" smtClean="0">
+              <a:rPr lang="en-US" sz="1400" b="1" dirty="0" err="1" smtClean="0">
+                <a:solidFill>
+                  <a:schemeClr val="accent2"/>
+                </a:solidFill>
                 <a:latin typeface="Courier" pitchFamily="49" charset="0"/>
               </a:rPr>
               <a:t>xs:element</a:t>
             </a:r>
             <a:r>
-              <a:rPr lang="en-US" sz="1400" dirty="0" smtClean="0">
+              <a:rPr lang="en-US" sz="1400" b="1" dirty="0" smtClean="0">
+                <a:solidFill>
+                  <a:schemeClr val="accent2"/>
+                </a:solidFill>
                 <a:latin typeface="Courier" pitchFamily="49" charset="0"/>
               </a:rPr>
               <a:t> name="</a:t>
             </a:r>
             <a:r>
-              <a:rPr lang="en-US" sz="1400" dirty="0" err="1" smtClean="0">
+              <a:rPr lang="en-US" sz="1400" b="1" dirty="0" err="1" smtClean="0">
+                <a:solidFill>
+                  <a:schemeClr val="accent2"/>
+                </a:solidFill>
                 <a:latin typeface="Courier" pitchFamily="49" charset="0"/>
               </a:rPr>
               <a:t>objectName</a:t>
             </a:r>
             <a:r>
-              <a:rPr lang="en-US" sz="1400" dirty="0" smtClean="0">
+              <a:rPr lang="en-US" sz="1400" b="1" dirty="0" smtClean="0">
+                <a:solidFill>
+                  <a:schemeClr val="accent2"/>
+                </a:solidFill>
                 <a:latin typeface="Courier" pitchFamily="49" charset="0"/>
               </a:rPr>
               <a:t>" type="</a:t>
             </a:r>
             <a:r>
-              <a:rPr lang="en-US" sz="1400" dirty="0" err="1" smtClean="0">
+              <a:rPr lang="en-US" sz="1400" b="1" dirty="0" err="1" smtClean="0">
+                <a:solidFill>
+                  <a:schemeClr val="accent2"/>
+                </a:solidFill>
                 <a:latin typeface="Courier" pitchFamily="49" charset="0"/>
               </a:rPr>
               <a:t>xs:string</a:t>
             </a:r>
             <a:r>
-              <a:rPr lang="en-US" sz="1400" dirty="0" smtClean="0">
+              <a:rPr lang="en-US" sz="1400" b="1" dirty="0" smtClean="0">
+                <a:solidFill>
+                  <a:schemeClr val="accent2"/>
+                </a:solidFill>
                 <a:latin typeface="Courier" pitchFamily="49" charset="0"/>
               </a:rPr>
               <a:t>"/&gt;</a:t>
@@ -10133,43 +11398,64 @@
               <a:buNone/>
             </a:pPr>
             <a:r>
-              <a:rPr lang="en-US" sz="1400" dirty="0" smtClean="0">
+              <a:rPr lang="en-US" sz="1400" b="1" dirty="0" smtClean="0">
+                <a:solidFill>
+                  <a:schemeClr val="accent2"/>
+                </a:solidFill>
                 <a:latin typeface="Courier" pitchFamily="49" charset="0"/>
               </a:rPr>
               <a:t>    &lt;</a:t>
             </a:r>
             <a:r>
-              <a:rPr lang="en-US" sz="1400" dirty="0" err="1" smtClean="0">
+              <a:rPr lang="en-US" sz="1400" b="1" dirty="0" err="1" smtClean="0">
+                <a:solidFill>
+                  <a:schemeClr val="accent2"/>
+                </a:solidFill>
                 <a:latin typeface="Courier" pitchFamily="49" charset="0"/>
               </a:rPr>
               <a:t>xs:element</a:t>
             </a:r>
             <a:r>
-              <a:rPr lang="en-US" sz="1400" dirty="0" smtClean="0">
+              <a:rPr lang="en-US" sz="1400" b="1" dirty="0" smtClean="0">
+                <a:solidFill>
+                  <a:schemeClr val="accent2"/>
+                </a:solidFill>
                 <a:latin typeface="Courier" pitchFamily="49" charset="0"/>
               </a:rPr>
               <a:t> name="</a:t>
             </a:r>
             <a:r>
-              <a:rPr lang="en-US" sz="1400" dirty="0" err="1" smtClean="0">
+              <a:rPr lang="en-US" sz="1400" b="1" dirty="0" err="1" smtClean="0">
+                <a:solidFill>
+                  <a:schemeClr val="accent2"/>
+                </a:solidFill>
                 <a:latin typeface="Courier" pitchFamily="49" charset="0"/>
               </a:rPr>
               <a:t>responsibleDept</a:t>
             </a:r>
             <a:r>
-              <a:rPr lang="en-US" sz="1400" dirty="0" smtClean="0">
+              <a:rPr lang="en-US" sz="1400" b="1" dirty="0" smtClean="0">
+                <a:solidFill>
+                  <a:schemeClr val="accent2"/>
+                </a:solidFill>
                 <a:latin typeface="Courier" pitchFamily="49" charset="0"/>
               </a:rPr>
               <a:t>" type="</a:t>
             </a:r>
             <a:r>
-              <a:rPr lang="en-US" sz="1400" dirty="0" err="1" smtClean="0">
+              <a:rPr lang="en-US" sz="1400" b="1" dirty="0" err="1" smtClean="0">
+                <a:solidFill>
+                  <a:schemeClr val="accent2"/>
+                </a:solidFill>
                 <a:latin typeface="Courier" pitchFamily="49" charset="0"/>
               </a:rPr>
               <a:t>xs:string</a:t>
             </a:r>
             <a:r>
-              <a:rPr lang="en-US" sz="1400" dirty="0" smtClean="0">
+              <a:rPr lang="en-US" sz="1400" b="1" dirty="0" smtClean="0">
+                <a:solidFill>
+                  <a:schemeClr val="accent2"/>
+                </a:solidFill>
                 <a:latin typeface="Courier" pitchFamily="49" charset="0"/>
               </a:rPr>
               <a:t>"/&gt;</a:t>
@@ -10180,31 +11466,46 @@
               <a:buNone/>
             </a:pPr>
             <a:r>
-              <a:rPr lang="en-US" sz="1400" dirty="0" smtClean="0">
+              <a:rPr lang="en-US" sz="1400" b="1" dirty="0" smtClean="0">
+                <a:solidFill>
+                  <a:schemeClr val="accent2"/>
+                </a:solidFill>
                 <a:latin typeface="Courier" pitchFamily="49" charset="0"/>
               </a:rPr>
               <a:t>    &lt;</a:t>
             </a:r>
             <a:r>
-              <a:rPr lang="en-US" sz="1400" dirty="0" err="1" smtClean="0">
+              <a:rPr lang="en-US" sz="1400" b="1" dirty="0" err="1" smtClean="0">
+                <a:solidFill>
+                  <a:schemeClr val="accent2"/>
+                </a:solidFill>
                 <a:latin typeface="Courier" pitchFamily="49" charset="0"/>
               </a:rPr>
               <a:t>xs:element</a:t>
             </a:r>
             <a:r>
-              <a:rPr lang="en-US" sz="1400" dirty="0" smtClean="0">
+              <a:rPr lang="en-US" sz="1400" b="1" dirty="0" smtClean="0">
+                <a:solidFill>
+                  <a:schemeClr val="accent2"/>
+                </a:solidFill>
                 <a:latin typeface="Courier" pitchFamily="49" charset="0"/>
               </a:rPr>
               <a:t> name="title" type="</a:t>
             </a:r>
             <a:r>
-              <a:rPr lang="en-US" sz="1400" dirty="0" err="1" smtClean="0">
+              <a:rPr lang="en-US" sz="1400" b="1" dirty="0" err="1" smtClean="0">
+                <a:solidFill>
+                  <a:schemeClr val="accent2"/>
+                </a:solidFill>
                 <a:latin typeface="Courier" pitchFamily="49" charset="0"/>
               </a:rPr>
               <a:t>xs:string</a:t>
             </a:r>
             <a:r>
-              <a:rPr lang="en-US" sz="1400" dirty="0" smtClean="0">
+              <a:rPr lang="en-US" sz="1400" b="1" dirty="0" smtClean="0">
+                <a:solidFill>
+                  <a:schemeClr val="accent2"/>
+                </a:solidFill>
                 <a:latin typeface="Courier" pitchFamily="49" charset="0"/>
               </a:rPr>
               <a:t>"/&gt;    </a:t>
@@ -10215,19 +11516,28 @@
               <a:buNone/>
             </a:pPr>
             <a:r>
-              <a:rPr lang="en-US" sz="1400" dirty="0" smtClean="0">
+              <a:rPr lang="en-US" sz="1400" b="1" dirty="0" smtClean="0">
+                <a:solidFill>
+                  <a:schemeClr val="accent2"/>
+                </a:solidFill>
                 <a:latin typeface="Courier" pitchFamily="49" charset="0"/>
               </a:rPr>
               <a:t>&lt;/</a:t>
             </a:r>
             <a:r>
-              <a:rPr lang="en-US" sz="1400" dirty="0" err="1" smtClean="0">
+              <a:rPr lang="en-US" sz="1400" b="1" dirty="0" err="1" smtClean="0">
+                <a:solidFill>
+                  <a:schemeClr val="accent2"/>
+                </a:solidFill>
                 <a:latin typeface="Courier" pitchFamily="49" charset="0"/>
               </a:rPr>
               <a:t>xs:schema</a:t>
             </a:r>
             <a:r>
-              <a:rPr lang="en-US" sz="1400" dirty="0" smtClean="0">
+              <a:rPr lang="en-US" sz="1400" b="1" dirty="0" smtClean="0">
+                <a:solidFill>
+                  <a:schemeClr val="accent2"/>
+                </a:solidFill>
                 <a:latin typeface="Courier" pitchFamily="49" charset="0"/>
               </a:rPr>
               <a:t>&gt;</a:t>
@@ -10243,7 +11553,7 @@
         </p:nvSpPr>
         <p:spPr>
           <a:xfrm>
-            <a:off x="762000" y="6477000"/>
+            <a:off x="762000" y="5864423"/>
             <a:ext cx="8277715" cy="307777"/>
           </a:xfrm>
           <a:prstGeom prst="rect">
@@ -10365,7 +11675,7 @@
         <p:spPr>
           <a:xfrm>
             <a:off x="685800" y="685800"/>
-            <a:ext cx="7772400" cy="838200"/>
+            <a:ext cx="7772400" cy="533400"/>
           </a:xfrm>
         </p:spPr>
         <p:txBody>
@@ -10373,10 +11683,10 @@
           <a:lstStyle/>
           <a:p>
             <a:r>
-              <a:rPr lang="en-US" dirty="0" smtClean="0"/>
+              <a:rPr lang="en-US" sz="3600" dirty="0" smtClean="0"/>
               <a:t>Develop JAX-RS Resource</a:t>
             </a:r>
-            <a:endParaRPr lang="en-US" dirty="0"/>
+            <a:endParaRPr lang="en-US" sz="3600" dirty="0"/>
           </a:p>
         </p:txBody>
       </p:sp>
@@ -10392,9 +11702,12 @@
         </p:nvSpPr>
         <p:spPr>
           <a:xfrm>
-            <a:off x="228600" y="1676400"/>
-            <a:ext cx="8686800" cy="3962400"/>
+            <a:off x="228600" y="1295400"/>
+            <a:ext cx="8686800" cy="5334000"/>
           </a:xfrm>
+          <a:solidFill>
+            <a:srgbClr val="FFFF66"/>
+          </a:solidFill>
         </p:spPr>
         <p:txBody>
           <a:bodyPr/>
@@ -10404,76 +11717,119 @@
               <a:buNone/>
             </a:pPr>
             <a:r>
-              <a:rPr lang="en-US" sz="1200" b="1" dirty="0" smtClean="0">
+              <a:rPr lang="en-US" sz="1400" b="1" dirty="0" smtClean="0">
+                <a:solidFill>
+                  <a:srgbClr val="FF0000"/>
+                </a:solidFill>
                 <a:latin typeface="Courier" pitchFamily="49" charset="0"/>
               </a:rPr>
               <a:t>@Path("/</a:t>
             </a:r>
             <a:r>
-              <a:rPr lang="en-US" sz="1200" b="1" dirty="0" err="1" smtClean="0">
+              <a:rPr lang="en-US" sz="1400" b="1" dirty="0" err="1" smtClean="0">
+                <a:solidFill>
+                  <a:srgbClr val="FF0000"/>
+                </a:solidFill>
                 <a:latin typeface="Courier" pitchFamily="49" charset="0"/>
               </a:rPr>
               <a:t>collectionobjects</a:t>
             </a:r>
             <a:r>
-              <a:rPr lang="en-US" sz="1200" b="1" dirty="0" smtClean="0">
-                <a:latin typeface="Courier" pitchFamily="49" charset="0"/>
-              </a:rPr>
-              <a:t>")</a:t>
-            </a:r>
-          </a:p>
-          <a:p>
-            <a:pPr>
-              <a:buNone/>
-            </a:pPr>
-            <a:r>
-              <a:rPr lang="en-US" sz="1200" b="1" dirty="0" smtClean="0">
-                <a:latin typeface="Courier" pitchFamily="49" charset="0"/>
-              </a:rPr>
-              <a:t>@Consumes("application/xml")</a:t>
-            </a:r>
-          </a:p>
-          <a:p>
-            <a:pPr>
-              <a:buNone/>
-            </a:pPr>
-            <a:r>
-              <a:rPr lang="en-US" sz="1200" b="1" dirty="0" smtClean="0">
-                <a:latin typeface="Courier" pitchFamily="49" charset="0"/>
-              </a:rPr>
-              <a:t>@Produces("application/xml")</a:t>
-            </a:r>
-          </a:p>
-          <a:p>
-            <a:pPr>
-              <a:buNone/>
-            </a:pPr>
-            <a:r>
-              <a:rPr lang="en-US" sz="1200" dirty="0" smtClean="0">
+              <a:rPr lang="en-US" sz="1400" b="1" dirty="0" smtClean="0">
+                <a:solidFill>
+                  <a:srgbClr val="FF0000"/>
+                </a:solidFill>
+                <a:latin typeface="Courier" pitchFamily="49" charset="0"/>
+              </a:rPr>
+              <a:t>") </a:t>
+            </a:r>
+          </a:p>
+          <a:p>
+            <a:pPr>
+              <a:buNone/>
+            </a:pPr>
+            <a:r>
+              <a:rPr lang="en-US" sz="1400" b="1" dirty="0" smtClean="0">
+                <a:solidFill>
+                  <a:srgbClr val="FF0000"/>
+                </a:solidFill>
+                <a:latin typeface="Courier" pitchFamily="49" charset="0"/>
+              </a:rPr>
+              <a:t>@</a:t>
+            </a:r>
+            <a:r>
+              <a:rPr lang="en-US" sz="1400" b="1" dirty="0" smtClean="0">
+                <a:solidFill>
+                  <a:srgbClr val="FF0000"/>
+                </a:solidFill>
+                <a:latin typeface="Courier" pitchFamily="49" charset="0"/>
+              </a:rPr>
+              <a:t>Consumes("</a:t>
+            </a:r>
+            <a:r>
+              <a:rPr lang="en-US" sz="1400" b="1" dirty="0" smtClean="0">
+                <a:solidFill>
+                  <a:srgbClr val="FF0000"/>
+                </a:solidFill>
+                <a:latin typeface="Courier" pitchFamily="49" charset="0"/>
+              </a:rPr>
+              <a:t>application/xml“) @</a:t>
+            </a:r>
+            <a:r>
+              <a:rPr lang="en-US" sz="1400" b="1" dirty="0" smtClean="0">
+                <a:solidFill>
+                  <a:srgbClr val="FF0000"/>
+                </a:solidFill>
+                <a:latin typeface="Courier" pitchFamily="49" charset="0"/>
+              </a:rPr>
+              <a:t>Produces("application/xml")</a:t>
+            </a:r>
+          </a:p>
+          <a:p>
+            <a:pPr>
+              <a:buNone/>
+            </a:pPr>
+            <a:r>
+              <a:rPr lang="en-US" sz="1400" b="1" dirty="0" smtClean="0">
+                <a:solidFill>
+                  <a:schemeClr val="accent2"/>
+                </a:solidFill>
                 <a:latin typeface="Courier" pitchFamily="49" charset="0"/>
               </a:rPr>
               <a:t>public class </a:t>
             </a:r>
             <a:r>
-              <a:rPr lang="en-US" sz="1200" dirty="0" err="1" smtClean="0">
+              <a:rPr lang="en-US" sz="1400" b="1" dirty="0" err="1" smtClean="0">
+                <a:solidFill>
+                  <a:schemeClr val="accent2"/>
+                </a:solidFill>
                 <a:latin typeface="Courier" pitchFamily="49" charset="0"/>
               </a:rPr>
               <a:t>CollectionObjectResource</a:t>
             </a:r>
             <a:r>
-              <a:rPr lang="en-US" sz="1200" dirty="0" smtClean="0">
+              <a:rPr lang="en-US" sz="1400" b="1" dirty="0" smtClean="0">
+                <a:solidFill>
+                  <a:schemeClr val="accent2"/>
+                </a:solidFill>
                 <a:latin typeface="Courier" pitchFamily="49" charset="0"/>
               </a:rPr>
               <a:t> extends </a:t>
             </a:r>
             <a:r>
-              <a:rPr lang="en-US" sz="1200" dirty="0" err="1" smtClean="0">
+              <a:rPr lang="en-US" sz="1400" b="1" dirty="0" err="1" smtClean="0">
+                <a:solidFill>
+                  <a:schemeClr val="accent2"/>
+                </a:solidFill>
                 <a:latin typeface="Courier" pitchFamily="49" charset="0"/>
               </a:rPr>
               <a:t>CollectionSpaceResource</a:t>
             </a:r>
             <a:r>
-              <a:rPr lang="en-US" sz="1200" dirty="0" smtClean="0">
+              <a:rPr lang="en-US" sz="1400" b="1" dirty="0" smtClean="0">
+                <a:solidFill>
+                  <a:schemeClr val="accent2"/>
+                </a:solidFill>
                 <a:latin typeface="Courier" pitchFamily="49" charset="0"/>
               </a:rPr>
               <a:t> {</a:t>
@@ -10483,281 +11839,10 @@
             <a:pPr>
               <a:buNone/>
             </a:pPr>
-            <a:r>
-              <a:rPr lang="en-US" sz="1400" dirty="0" smtClean="0">
-                <a:latin typeface="Courier" pitchFamily="49" charset="0"/>
-              </a:rPr>
-              <a:t>	</a:t>
-            </a:r>
-            <a:r>
-              <a:rPr lang="en-US" sz="1200" b="1" dirty="0" smtClean="0">
-                <a:latin typeface="Courier" pitchFamily="49" charset="0"/>
-              </a:rPr>
-              <a:t>@POST</a:t>
-            </a:r>
-          </a:p>
-          <a:p>
-            <a:pPr>
-              <a:buNone/>
-            </a:pPr>
-            <a:r>
-              <a:rPr lang="en-US" sz="1200" dirty="0" smtClean="0">
-                <a:latin typeface="Courier" pitchFamily="49" charset="0"/>
-              </a:rPr>
-              <a:t>	public Response </a:t>
-            </a:r>
-            <a:r>
-              <a:rPr lang="en-US" sz="1200" dirty="0" err="1" smtClean="0">
-                <a:latin typeface="Courier" pitchFamily="49" charset="0"/>
-              </a:rPr>
-              <a:t>createCollectionObject</a:t>
-            </a:r>
-            <a:r>
-              <a:rPr lang="en-US" sz="1200" dirty="0" smtClean="0">
-                <a:latin typeface="Courier" pitchFamily="49" charset="0"/>
-              </a:rPr>
-              <a:t>(CollectionObject co) { … }</a:t>
-            </a:r>
-          </a:p>
-          <a:p>
-            <a:pPr>
-              <a:buNone/>
-            </a:pPr>
-            <a:r>
-              <a:rPr lang="en-US" sz="1200" dirty="0" smtClean="0">
-                <a:latin typeface="Courier" pitchFamily="49" charset="0"/>
-              </a:rPr>
-              <a:t>	</a:t>
-            </a:r>
-          </a:p>
-          <a:p>
-            <a:pPr>
-              <a:buNone/>
-            </a:pPr>
-            <a:r>
-              <a:rPr lang="en-US" sz="1200" b="1" dirty="0" smtClean="0">
-                <a:latin typeface="Courier" pitchFamily="49" charset="0"/>
-              </a:rPr>
-              <a:t>    @GET</a:t>
-            </a:r>
-          </a:p>
-          <a:p>
-            <a:pPr>
-              <a:buNone/>
-            </a:pPr>
-            <a:r>
-              <a:rPr lang="en-US" sz="1200" b="1" dirty="0" smtClean="0">
-                <a:latin typeface="Courier" pitchFamily="49" charset="0"/>
-              </a:rPr>
-              <a:t>	@Path("{id}")</a:t>
-            </a:r>
-          </a:p>
-          <a:p>
-            <a:pPr>
-              <a:buNone/>
-            </a:pPr>
-            <a:r>
-              <a:rPr lang="en-US" sz="1200" dirty="0" smtClean="0">
-                <a:latin typeface="Courier" pitchFamily="49" charset="0"/>
-              </a:rPr>
-              <a:t>	public CollectionObject </a:t>
-            </a:r>
-            <a:r>
-              <a:rPr lang="en-US" sz="1200" dirty="0" err="1" smtClean="0">
-                <a:latin typeface="Courier" pitchFamily="49" charset="0"/>
-              </a:rPr>
-              <a:t>getCollectionObject</a:t>
-            </a:r>
-            <a:r>
-              <a:rPr lang="en-US" sz="1200" dirty="0" smtClean="0">
-                <a:latin typeface="Courier" pitchFamily="49" charset="0"/>
-              </a:rPr>
-              <a:t>(</a:t>
-            </a:r>
-            <a:r>
-              <a:rPr lang="en-US" sz="1200" b="1" dirty="0" smtClean="0">
-                <a:latin typeface="Courier" pitchFamily="49" charset="0"/>
-              </a:rPr>
-              <a:t>@</a:t>
-            </a:r>
-            <a:r>
-              <a:rPr lang="en-US" sz="1200" b="1" dirty="0" err="1" smtClean="0">
-                <a:latin typeface="Courier" pitchFamily="49" charset="0"/>
-              </a:rPr>
-              <a:t>PathParam</a:t>
-            </a:r>
-            <a:r>
-              <a:rPr lang="en-US" sz="1200" b="1" dirty="0" smtClean="0">
-                <a:latin typeface="Courier" pitchFamily="49" charset="0"/>
-              </a:rPr>
-              <a:t>("id")</a:t>
-            </a:r>
-            <a:r>
-              <a:rPr lang="en-US" sz="1200" dirty="0" smtClean="0">
-                <a:latin typeface="Courier" pitchFamily="49" charset="0"/>
-              </a:rPr>
-              <a:t> String id) { .. }</a:t>
-            </a:r>
-          </a:p>
-          <a:p>
-            <a:pPr>
-              <a:buNone/>
-            </a:pPr>
-            <a:r>
-              <a:rPr lang="en-US" sz="1200" dirty="0" smtClean="0">
-                <a:latin typeface="Courier" pitchFamily="49" charset="0"/>
-              </a:rPr>
-              <a:t>	</a:t>
-            </a:r>
-          </a:p>
-          <a:p>
-            <a:pPr>
-              <a:buNone/>
-            </a:pPr>
-            <a:r>
-              <a:rPr lang="en-US" sz="1200" b="1" dirty="0" smtClean="0">
-                <a:latin typeface="Courier" pitchFamily="49" charset="0"/>
-              </a:rPr>
-              <a:t>    @PUT</a:t>
-            </a:r>
-          </a:p>
-          <a:p>
-            <a:pPr>
-              <a:buNone/>
-            </a:pPr>
-            <a:r>
-              <a:rPr lang="en-US" sz="1200" dirty="0" smtClean="0">
-                <a:latin typeface="Courier" pitchFamily="49" charset="0"/>
-              </a:rPr>
-              <a:t>	@Path("{id}")</a:t>
-            </a:r>
-          </a:p>
-          <a:p>
-            <a:pPr>
-              <a:buNone/>
-            </a:pPr>
-            <a:r>
-              <a:rPr lang="en-US" sz="1200" dirty="0" smtClean="0">
-                <a:latin typeface="Courier" pitchFamily="49" charset="0"/>
-              </a:rPr>
-              <a:t>	public CollectionObject </a:t>
-            </a:r>
-            <a:r>
-              <a:rPr lang="en-US" sz="1200" dirty="0" err="1" smtClean="0">
-                <a:latin typeface="Courier" pitchFamily="49" charset="0"/>
-              </a:rPr>
-              <a:t>updateCollectionObject</a:t>
-            </a:r>
-            <a:r>
-              <a:rPr lang="en-US" sz="1200" dirty="0" smtClean="0">
-                <a:latin typeface="Courier" pitchFamily="49" charset="0"/>
-              </a:rPr>
-              <a:t>(@</a:t>
-            </a:r>
-            <a:r>
-              <a:rPr lang="en-US" sz="1200" dirty="0" err="1" smtClean="0">
-                <a:latin typeface="Courier" pitchFamily="49" charset="0"/>
-              </a:rPr>
-              <a:t>PathParam</a:t>
-            </a:r>
-            <a:r>
-              <a:rPr lang="en-US" sz="1200" dirty="0" smtClean="0">
-                <a:latin typeface="Courier" pitchFamily="49" charset="0"/>
-              </a:rPr>
-              <a:t>("id") String id, CollectionObject </a:t>
-            </a:r>
-            <a:r>
-              <a:rPr lang="en-US" sz="1200" dirty="0" err="1" smtClean="0">
-                <a:latin typeface="Courier" pitchFamily="49" charset="0"/>
-              </a:rPr>
-              <a:t>theUpdate</a:t>
-            </a:r>
-            <a:r>
-              <a:rPr lang="en-US" sz="1200" dirty="0" smtClean="0">
-                <a:latin typeface="Courier" pitchFamily="49" charset="0"/>
-              </a:rPr>
-              <a:t>) { … }</a:t>
-            </a:r>
-          </a:p>
-          <a:p>
-            <a:pPr>
-              <a:buNone/>
-            </a:pPr>
-            <a:r>
-              <a:rPr lang="en-US" sz="1200" dirty="0" smtClean="0">
-                <a:latin typeface="Courier" pitchFamily="49" charset="0"/>
-              </a:rPr>
-              <a:t>	</a:t>
-            </a:r>
-          </a:p>
-          <a:p>
-            <a:pPr>
-              <a:buNone/>
-            </a:pPr>
-            <a:r>
-              <a:rPr lang="en-US" sz="1200" b="1" dirty="0" smtClean="0">
-                <a:latin typeface="Courier" pitchFamily="49" charset="0"/>
-              </a:rPr>
-              <a:t>    @DELETE</a:t>
-            </a:r>
-          </a:p>
-          <a:p>
-            <a:pPr>
-              <a:buNone/>
-            </a:pPr>
-            <a:r>
-              <a:rPr lang="en-US" sz="1200" dirty="0" smtClean="0">
-                <a:latin typeface="Courier" pitchFamily="49" charset="0"/>
-              </a:rPr>
-              <a:t>	@Path("{id}")</a:t>
-            </a:r>
-          </a:p>
-          <a:p>
-            <a:pPr>
-              <a:buNone/>
-            </a:pPr>
-            <a:r>
-              <a:rPr lang="en-US" sz="1200" dirty="0" smtClean="0">
-                <a:latin typeface="Courier" pitchFamily="49" charset="0"/>
-              </a:rPr>
-              <a:t>	public void </a:t>
-            </a:r>
-            <a:r>
-              <a:rPr lang="en-US" sz="1200" dirty="0" err="1" smtClean="0">
-                <a:latin typeface="Courier" pitchFamily="49" charset="0"/>
-              </a:rPr>
-              <a:t>deleteCollectionObject</a:t>
-            </a:r>
-            <a:r>
-              <a:rPr lang="en-US" sz="1200" dirty="0" smtClean="0">
-                <a:latin typeface="Courier" pitchFamily="49" charset="0"/>
-              </a:rPr>
-              <a:t>(@</a:t>
-            </a:r>
-            <a:r>
-              <a:rPr lang="en-US" sz="1200" dirty="0" err="1" smtClean="0">
-                <a:latin typeface="Courier" pitchFamily="49" charset="0"/>
-              </a:rPr>
-              <a:t>PathParam</a:t>
-            </a:r>
-            <a:r>
-              <a:rPr lang="en-US" sz="1200" dirty="0" smtClean="0">
-                <a:latin typeface="Courier" pitchFamily="49" charset="0"/>
-              </a:rPr>
-              <a:t>("id") String id) { </a:t>
-            </a:r>
-            <a:r>
-              <a:rPr lang="en-US" sz="1400" dirty="0" smtClean="0">
-                <a:latin typeface="Courier" pitchFamily="49" charset="0"/>
-              </a:rPr>
-              <a:t>… }</a:t>
-            </a:r>
-          </a:p>
-          <a:p>
-            <a:pPr>
-              <a:buNone/>
-            </a:pPr>
-            <a:endParaRPr lang="en-US" sz="1400" dirty="0" smtClean="0">
+            <a:endParaRPr lang="en-US" sz="1400" b="1" dirty="0" smtClean="0">
+              <a:solidFill>
+                <a:schemeClr val="accent2"/>
+              </a:solidFill>
               <a:latin typeface="Courier" pitchFamily="49" charset="0"/>
             </a:endParaRPr>
           </a:p>
@@ -10767,98 +11852,81 @@
             </a:pPr>
             <a:r>
               <a:rPr lang="en-US" sz="1400" b="1" dirty="0" smtClean="0">
-                <a:latin typeface="Courier" pitchFamily="49" charset="0"/>
-              </a:rPr>
-              <a:t>   </a:t>
-            </a:r>
-            <a:r>
-              <a:rPr lang="en-US" sz="1200" b="1" dirty="0" smtClean="0">
-                <a:latin typeface="Courier" pitchFamily="49" charset="0"/>
-              </a:rPr>
-              <a:t>@GET</a:t>
-            </a:r>
-          </a:p>
-          <a:p>
-            <a:pPr>
-              <a:buNone/>
-            </a:pPr>
-            <a:r>
-              <a:rPr lang="en-US" sz="1200" dirty="0" smtClean="0">
-                <a:latin typeface="Courier" pitchFamily="49" charset="0"/>
-              </a:rPr>
-              <a:t>	public </a:t>
-            </a:r>
-            <a:r>
-              <a:rPr lang="en-US" sz="1200" dirty="0" err="1" smtClean="0">
-                <a:latin typeface="Courier" pitchFamily="49" charset="0"/>
-              </a:rPr>
-              <a:t>CollectionObjectList</a:t>
-            </a:r>
-            <a:r>
-              <a:rPr lang="en-US" sz="1200" dirty="0" smtClean="0">
-                <a:latin typeface="Courier" pitchFamily="49" charset="0"/>
-              </a:rPr>
-              <a:t> </a:t>
-            </a:r>
-            <a:r>
-              <a:rPr lang="en-US" sz="1200" dirty="0" err="1" smtClean="0">
-                <a:latin typeface="Courier" pitchFamily="49" charset="0"/>
-              </a:rPr>
-              <a:t>getCollectionObjectList</a:t>
-            </a:r>
-            <a:r>
-              <a:rPr lang="en-US" sz="1200" dirty="0" smtClean="0">
-                <a:latin typeface="Courier" pitchFamily="49" charset="0"/>
-              </a:rPr>
-              <a:t>(</a:t>
-            </a:r>
-            <a:r>
-              <a:rPr lang="en-US" sz="1200" b="1" dirty="0" smtClean="0">
-                <a:latin typeface="Courier" pitchFamily="49" charset="0"/>
-              </a:rPr>
-              <a:t>@Context </a:t>
-            </a:r>
-            <a:r>
-              <a:rPr lang="en-US" sz="1200" dirty="0" err="1" smtClean="0">
-                <a:latin typeface="Courier" pitchFamily="49" charset="0"/>
-              </a:rPr>
-              <a:t>UriInfo</a:t>
-            </a:r>
-            <a:r>
-              <a:rPr lang="en-US" sz="1200" dirty="0" smtClean="0">
-                <a:latin typeface="Courier" pitchFamily="49" charset="0"/>
-              </a:rPr>
-              <a:t> </a:t>
-            </a:r>
-            <a:r>
-              <a:rPr lang="en-US" sz="1200" dirty="0" err="1" smtClean="0">
-                <a:latin typeface="Courier" pitchFamily="49" charset="0"/>
-              </a:rPr>
-              <a:t>ui</a:t>
-            </a:r>
-            <a:r>
-              <a:rPr lang="en-US" sz="1200" dirty="0" smtClean="0">
-                <a:latin typeface="Courier" pitchFamily="49" charset="0"/>
-              </a:rPr>
-              <a:t>) { … }</a:t>
-            </a:r>
-          </a:p>
-          <a:p>
-            <a:pPr>
-              <a:buNone/>
-            </a:pPr>
-            <a:r>
-              <a:rPr lang="en-US" sz="1400" dirty="0" smtClean="0">
-                <a:latin typeface="Courier" pitchFamily="49" charset="0"/>
-              </a:rPr>
-              <a:t>    </a:t>
-            </a:r>
-          </a:p>
-          <a:p>
-            <a:pPr>
-              <a:buNone/>
-            </a:pPr>
-            <a:endParaRPr lang="en-US" sz="1400" dirty="0" smtClean="0">
+                <a:solidFill>
+                  <a:schemeClr val="accent2"/>
+                </a:solidFill>
+                <a:latin typeface="Courier" pitchFamily="49" charset="0"/>
+              </a:rPr>
+              <a:t>	</a:t>
+            </a:r>
+            <a:r>
+              <a:rPr lang="en-US" sz="1400" b="1" dirty="0" smtClean="0">
+                <a:solidFill>
+                  <a:srgbClr val="FF0000"/>
+                </a:solidFill>
+                <a:latin typeface="Courier" pitchFamily="49" charset="0"/>
+              </a:rPr>
+              <a:t>@</a:t>
+            </a:r>
+            <a:r>
+              <a:rPr lang="en-US" sz="1400" b="1" dirty="0" smtClean="0">
+                <a:solidFill>
+                  <a:srgbClr val="FF0000"/>
+                </a:solidFill>
+                <a:latin typeface="Courier" pitchFamily="49" charset="0"/>
+              </a:rPr>
+              <a:t>POST</a:t>
+            </a:r>
+          </a:p>
+          <a:p>
+            <a:pPr>
+              <a:buNone/>
+            </a:pPr>
+            <a:r>
+              <a:rPr lang="en-US" sz="1400" b="1" dirty="0" smtClean="0">
+                <a:solidFill>
+                  <a:schemeClr val="accent2"/>
+                </a:solidFill>
+                <a:latin typeface="Courier" pitchFamily="49" charset="0"/>
+              </a:rPr>
+              <a:t>	public Response </a:t>
+            </a:r>
+            <a:r>
+              <a:rPr lang="en-US" sz="1400" b="1" dirty="0" err="1" smtClean="0">
+                <a:solidFill>
+                  <a:schemeClr val="accent2"/>
+                </a:solidFill>
+                <a:latin typeface="Courier" pitchFamily="49" charset="0"/>
+              </a:rPr>
+              <a:t>createCollectionObject</a:t>
+            </a:r>
+            <a:r>
+              <a:rPr lang="en-US" sz="1400" b="1" dirty="0" smtClean="0">
+                <a:solidFill>
+                  <a:schemeClr val="accent2"/>
+                </a:solidFill>
+                <a:latin typeface="Courier" pitchFamily="49" charset="0"/>
+              </a:rPr>
+              <a:t>(CollectionObject co) { … </a:t>
+            </a:r>
+            <a:r>
+              <a:rPr lang="en-US" sz="1400" b="1" dirty="0" smtClean="0">
+                <a:solidFill>
+                  <a:schemeClr val="accent2"/>
+                </a:solidFill>
+                <a:latin typeface="Courier" pitchFamily="49" charset="0"/>
+              </a:rPr>
+              <a:t>}</a:t>
+            </a:r>
+          </a:p>
+          <a:p>
+            <a:pPr>
+              <a:buNone/>
+            </a:pPr>
+            <a:endParaRPr lang="en-US" sz="1400" b="1" dirty="0" smtClean="0">
+              <a:solidFill>
+                <a:schemeClr val="accent2"/>
+              </a:solidFill>
               <a:latin typeface="Courier" pitchFamily="49" charset="0"/>
             </a:endParaRPr>
           </a:p>
@@ -10867,12 +11935,524 @@
               <a:buNone/>
             </a:pPr>
             <a:r>
-              <a:rPr lang="en-US" sz="1400" dirty="0" smtClean="0">
+              <a:rPr lang="en-US" sz="1400" b="1" dirty="0" smtClean="0">
+                <a:solidFill>
+                  <a:schemeClr val="accent2"/>
+                </a:solidFill>
+                <a:latin typeface="Courier" pitchFamily="49" charset="0"/>
+              </a:rPr>
+              <a:t>   </a:t>
+            </a:r>
+            <a:r>
+              <a:rPr lang="en-US" sz="1400" b="1" dirty="0" smtClean="0">
+                <a:solidFill>
+                  <a:srgbClr val="FF0000"/>
+                </a:solidFill>
+                <a:latin typeface="Courier" pitchFamily="49" charset="0"/>
+              </a:rPr>
+              <a:t>@</a:t>
+            </a:r>
+            <a:r>
+              <a:rPr lang="en-US" sz="1400" b="1" dirty="0" smtClean="0">
+                <a:solidFill>
+                  <a:srgbClr val="FF0000"/>
+                </a:solidFill>
+                <a:latin typeface="Courier" pitchFamily="49" charset="0"/>
+              </a:rPr>
+              <a:t>GET @Path</a:t>
+            </a:r>
+            <a:r>
+              <a:rPr lang="en-US" sz="1400" b="1" dirty="0" smtClean="0">
+                <a:solidFill>
+                  <a:srgbClr val="FF0000"/>
+                </a:solidFill>
+                <a:latin typeface="Courier" pitchFamily="49" charset="0"/>
+              </a:rPr>
+              <a:t>("{id}")</a:t>
+            </a:r>
+          </a:p>
+          <a:p>
+            <a:pPr>
+              <a:buNone/>
+            </a:pPr>
+            <a:r>
+              <a:rPr lang="en-US" sz="1400" b="1" dirty="0" smtClean="0">
+                <a:solidFill>
+                  <a:schemeClr val="accent2"/>
+                </a:solidFill>
+                <a:latin typeface="Courier" pitchFamily="49" charset="0"/>
+              </a:rPr>
+              <a:t>	public CollectionObject </a:t>
+            </a:r>
+            <a:r>
+              <a:rPr lang="en-US" sz="1400" b="1" dirty="0" err="1" smtClean="0">
+                <a:solidFill>
+                  <a:schemeClr val="accent2"/>
+                </a:solidFill>
+                <a:latin typeface="Courier" pitchFamily="49" charset="0"/>
+              </a:rPr>
+              <a:t>getCollectionObject</a:t>
+            </a:r>
+            <a:r>
+              <a:rPr lang="en-US" sz="1400" b="1" dirty="0" smtClean="0">
+                <a:solidFill>
+                  <a:schemeClr val="accent2"/>
+                </a:solidFill>
+                <a:latin typeface="Courier" pitchFamily="49" charset="0"/>
+              </a:rPr>
+              <a:t>(</a:t>
+            </a:r>
+            <a:r>
+              <a:rPr lang="en-US" sz="1400" b="1" dirty="0" smtClean="0">
+                <a:solidFill>
+                  <a:srgbClr val="FF0000"/>
+                </a:solidFill>
+                <a:latin typeface="Courier" pitchFamily="49" charset="0"/>
+              </a:rPr>
+              <a:t>@</a:t>
+            </a:r>
+            <a:r>
+              <a:rPr lang="en-US" sz="1400" b="1" dirty="0" err="1" smtClean="0">
+                <a:solidFill>
+                  <a:srgbClr val="FF0000"/>
+                </a:solidFill>
+                <a:latin typeface="Courier" pitchFamily="49" charset="0"/>
+              </a:rPr>
+              <a:t>PathParam</a:t>
+            </a:r>
+            <a:r>
+              <a:rPr lang="en-US" sz="1400" b="1" dirty="0" smtClean="0">
+                <a:solidFill>
+                  <a:srgbClr val="FF0000"/>
+                </a:solidFill>
+                <a:latin typeface="Courier" pitchFamily="49" charset="0"/>
+              </a:rPr>
+              <a:t>("id") </a:t>
+            </a:r>
+            <a:r>
+              <a:rPr lang="en-US" sz="1400" b="1" dirty="0" smtClean="0">
+                <a:solidFill>
+                  <a:schemeClr val="accent2"/>
+                </a:solidFill>
+                <a:latin typeface="Courier" pitchFamily="49" charset="0"/>
+              </a:rPr>
+              <a:t>String id) { .. }</a:t>
+            </a:r>
+          </a:p>
+          <a:p>
+            <a:pPr>
+              <a:buNone/>
+            </a:pPr>
+            <a:r>
+              <a:rPr lang="en-US" sz="1400" b="1" dirty="0" smtClean="0">
+                <a:solidFill>
+                  <a:schemeClr val="accent2"/>
+                </a:solidFill>
+                <a:latin typeface="Courier" pitchFamily="49" charset="0"/>
+              </a:rPr>
+              <a:t>	</a:t>
+            </a:r>
+          </a:p>
+          <a:p>
+            <a:pPr>
+              <a:buNone/>
+            </a:pPr>
+            <a:r>
+              <a:rPr lang="en-US" sz="1400" b="1" dirty="0" smtClean="0">
+                <a:solidFill>
+                  <a:schemeClr val="accent2"/>
+                </a:solidFill>
+                <a:latin typeface="Courier" pitchFamily="49" charset="0"/>
+              </a:rPr>
+              <a:t>   </a:t>
+            </a:r>
+            <a:r>
+              <a:rPr lang="en-US" sz="1400" b="1" dirty="0" smtClean="0">
+                <a:solidFill>
+                  <a:srgbClr val="FF0000"/>
+                </a:solidFill>
+                <a:latin typeface="Courier" pitchFamily="49" charset="0"/>
+              </a:rPr>
+              <a:t>@PUT </a:t>
+            </a:r>
+            <a:r>
+              <a:rPr lang="en-US" sz="1400" b="1" dirty="0" smtClean="0">
+                <a:solidFill>
+                  <a:schemeClr val="accent2"/>
+                </a:solidFill>
+                <a:latin typeface="Courier" pitchFamily="49" charset="0"/>
+              </a:rPr>
+              <a:t>@</a:t>
+            </a:r>
+            <a:r>
+              <a:rPr lang="en-US" sz="1400" b="1" dirty="0" smtClean="0">
+                <a:solidFill>
+                  <a:schemeClr val="accent2"/>
+                </a:solidFill>
+                <a:latin typeface="Courier" pitchFamily="49" charset="0"/>
+              </a:rPr>
+              <a:t>Path("{id}")</a:t>
+            </a:r>
+          </a:p>
+          <a:p>
+            <a:pPr>
+              <a:buNone/>
+            </a:pPr>
+            <a:r>
+              <a:rPr lang="en-US" sz="1400" b="1" dirty="0" smtClean="0">
+                <a:solidFill>
+                  <a:schemeClr val="accent2"/>
+                </a:solidFill>
+                <a:latin typeface="Courier" pitchFamily="49" charset="0"/>
+              </a:rPr>
+              <a:t>	public CollectionObject </a:t>
+            </a:r>
+            <a:r>
+              <a:rPr lang="en-US" sz="1400" b="1" dirty="0" err="1" smtClean="0">
+                <a:solidFill>
+                  <a:schemeClr val="accent2"/>
+                </a:solidFill>
+                <a:latin typeface="Courier" pitchFamily="49" charset="0"/>
+              </a:rPr>
+              <a:t>updateCollectionObject</a:t>
+            </a:r>
+            <a:r>
+              <a:rPr lang="en-US" sz="1400" b="1" dirty="0" smtClean="0">
+                <a:solidFill>
+                  <a:schemeClr val="accent2"/>
+                </a:solidFill>
+                <a:latin typeface="Courier" pitchFamily="49" charset="0"/>
+              </a:rPr>
+              <a:t>(@</a:t>
+            </a:r>
+            <a:r>
+              <a:rPr lang="en-US" sz="1400" b="1" dirty="0" err="1" smtClean="0">
+                <a:solidFill>
+                  <a:schemeClr val="accent2"/>
+                </a:solidFill>
+                <a:latin typeface="Courier" pitchFamily="49" charset="0"/>
+              </a:rPr>
+              <a:t>PathParam</a:t>
+            </a:r>
+            <a:r>
+              <a:rPr lang="en-US" sz="1400" b="1" dirty="0" smtClean="0">
+                <a:solidFill>
+                  <a:schemeClr val="accent2"/>
+                </a:solidFill>
+                <a:latin typeface="Courier" pitchFamily="49" charset="0"/>
+              </a:rPr>
+              <a:t>("id") String id, CollectionObject </a:t>
+            </a:r>
+            <a:r>
+              <a:rPr lang="en-US" sz="1400" b="1" dirty="0" err="1" smtClean="0">
+                <a:solidFill>
+                  <a:schemeClr val="accent2"/>
+                </a:solidFill>
+                <a:latin typeface="Courier" pitchFamily="49" charset="0"/>
+              </a:rPr>
+              <a:t>theUpdate</a:t>
+            </a:r>
+            <a:r>
+              <a:rPr lang="en-US" sz="1400" b="1" dirty="0" smtClean="0">
+                <a:solidFill>
+                  <a:schemeClr val="accent2"/>
+                </a:solidFill>
+                <a:latin typeface="Courier" pitchFamily="49" charset="0"/>
+              </a:rPr>
+              <a:t>) { … }</a:t>
+            </a:r>
+          </a:p>
+          <a:p>
+            <a:pPr>
+              <a:buNone/>
+            </a:pPr>
+            <a:r>
+              <a:rPr lang="en-US" sz="1400" b="1" dirty="0" smtClean="0">
+                <a:solidFill>
+                  <a:schemeClr val="accent2"/>
+                </a:solidFill>
+                <a:latin typeface="Courier" pitchFamily="49" charset="0"/>
+              </a:rPr>
+              <a:t>	</a:t>
+            </a:r>
+          </a:p>
+          <a:p>
+            <a:pPr>
+              <a:buNone/>
+            </a:pPr>
+            <a:r>
+              <a:rPr lang="en-US" sz="1400" b="1" dirty="0" smtClean="0">
+                <a:solidFill>
+                  <a:schemeClr val="accent2"/>
+                </a:solidFill>
+                <a:latin typeface="Courier" pitchFamily="49" charset="0"/>
+              </a:rPr>
+              <a:t>   </a:t>
+            </a:r>
+            <a:r>
+              <a:rPr lang="en-US" sz="1400" b="1" dirty="0" smtClean="0">
+                <a:solidFill>
+                  <a:srgbClr val="FF0000"/>
+                </a:solidFill>
+                <a:latin typeface="Courier" pitchFamily="49" charset="0"/>
+              </a:rPr>
+              <a:t>@DELETE </a:t>
+            </a:r>
+            <a:r>
+              <a:rPr lang="en-US" sz="1400" b="1" dirty="0" smtClean="0">
+                <a:solidFill>
+                  <a:schemeClr val="accent2"/>
+                </a:solidFill>
+                <a:latin typeface="Courier" pitchFamily="49" charset="0"/>
+              </a:rPr>
+              <a:t>@Path</a:t>
+            </a:r>
+            <a:r>
+              <a:rPr lang="en-US" sz="1400" b="1" dirty="0" smtClean="0">
+                <a:solidFill>
+                  <a:schemeClr val="accent2"/>
+                </a:solidFill>
+                <a:latin typeface="Courier" pitchFamily="49" charset="0"/>
+              </a:rPr>
+              <a:t>("{id}")</a:t>
+            </a:r>
+          </a:p>
+          <a:p>
+            <a:pPr>
+              <a:buNone/>
+            </a:pPr>
+            <a:r>
+              <a:rPr lang="en-US" sz="1400" b="1" dirty="0" smtClean="0">
+                <a:solidFill>
+                  <a:schemeClr val="accent2"/>
+                </a:solidFill>
+                <a:latin typeface="Courier" pitchFamily="49" charset="0"/>
+              </a:rPr>
+              <a:t>	public void </a:t>
+            </a:r>
+            <a:r>
+              <a:rPr lang="en-US" sz="1400" b="1" dirty="0" err="1" smtClean="0">
+                <a:solidFill>
+                  <a:schemeClr val="accent2"/>
+                </a:solidFill>
+                <a:latin typeface="Courier" pitchFamily="49" charset="0"/>
+              </a:rPr>
+              <a:t>deleteCollectionObject</a:t>
+            </a:r>
+            <a:r>
+              <a:rPr lang="en-US" sz="1400" b="1" dirty="0" smtClean="0">
+                <a:solidFill>
+                  <a:schemeClr val="accent2"/>
+                </a:solidFill>
+                <a:latin typeface="Courier" pitchFamily="49" charset="0"/>
+              </a:rPr>
+              <a:t>(@</a:t>
+            </a:r>
+            <a:r>
+              <a:rPr lang="en-US" sz="1400" b="1" dirty="0" err="1" smtClean="0">
+                <a:solidFill>
+                  <a:schemeClr val="accent2"/>
+                </a:solidFill>
+                <a:latin typeface="Courier" pitchFamily="49" charset="0"/>
+              </a:rPr>
+              <a:t>PathParam</a:t>
+            </a:r>
+            <a:r>
+              <a:rPr lang="en-US" sz="1400" b="1" dirty="0" smtClean="0">
+                <a:solidFill>
+                  <a:schemeClr val="accent2"/>
+                </a:solidFill>
+                <a:latin typeface="Courier" pitchFamily="49" charset="0"/>
+              </a:rPr>
+              <a:t>("id") String id) { … }</a:t>
+            </a:r>
+          </a:p>
+          <a:p>
+            <a:pPr>
+              <a:buNone/>
+            </a:pPr>
+            <a:endParaRPr lang="en-US" sz="1400" b="1" dirty="0" smtClean="0">
+              <a:solidFill>
+                <a:schemeClr val="accent2"/>
+              </a:solidFill>
+              <a:latin typeface="Courier" pitchFamily="49" charset="0"/>
+            </a:endParaRPr>
+          </a:p>
+          <a:p>
+            <a:pPr>
+              <a:buNone/>
+            </a:pPr>
+            <a:r>
+              <a:rPr lang="en-US" sz="1400" b="1" dirty="0" smtClean="0">
+                <a:solidFill>
+                  <a:schemeClr val="accent2"/>
+                </a:solidFill>
+                <a:latin typeface="Courier" pitchFamily="49" charset="0"/>
+              </a:rPr>
+              <a:t>   @</a:t>
+            </a:r>
+            <a:r>
+              <a:rPr lang="en-US" sz="1400" b="1" dirty="0" smtClean="0">
+                <a:solidFill>
+                  <a:schemeClr val="accent2"/>
+                </a:solidFill>
+                <a:latin typeface="Courier" pitchFamily="49" charset="0"/>
+              </a:rPr>
+              <a:t>GET</a:t>
+            </a:r>
+            <a:endParaRPr lang="en-US" sz="1400" b="1" dirty="0" smtClean="0">
+              <a:solidFill>
+                <a:schemeClr val="accent2"/>
+              </a:solidFill>
+              <a:latin typeface="Courier" pitchFamily="49" charset="0"/>
+            </a:endParaRPr>
+          </a:p>
+          <a:p>
+            <a:pPr>
+              <a:buNone/>
+            </a:pPr>
+            <a:r>
+              <a:rPr lang="en-US" sz="1400" b="1" dirty="0" smtClean="0">
+                <a:solidFill>
+                  <a:schemeClr val="accent2"/>
+                </a:solidFill>
+                <a:latin typeface="Courier" pitchFamily="49" charset="0"/>
+              </a:rPr>
+              <a:t>	public </a:t>
+            </a:r>
+            <a:r>
+              <a:rPr lang="en-US" sz="1400" b="1" dirty="0" err="1" smtClean="0">
+                <a:solidFill>
+                  <a:schemeClr val="accent2"/>
+                </a:solidFill>
+                <a:latin typeface="Courier" pitchFamily="49" charset="0"/>
+              </a:rPr>
+              <a:t>CollectionObjectList</a:t>
+            </a:r>
+            <a:r>
+              <a:rPr lang="en-US" sz="1400" b="1" dirty="0" smtClean="0">
+                <a:solidFill>
+                  <a:schemeClr val="accent2"/>
+                </a:solidFill>
+                <a:latin typeface="Courier" pitchFamily="49" charset="0"/>
+              </a:rPr>
+              <a:t> </a:t>
+            </a:r>
+            <a:r>
+              <a:rPr lang="en-US" sz="1400" b="1" dirty="0" err="1" smtClean="0">
+                <a:solidFill>
+                  <a:schemeClr val="accent2"/>
+                </a:solidFill>
+                <a:latin typeface="Courier" pitchFamily="49" charset="0"/>
+              </a:rPr>
+              <a:t>getCollectionObjectList</a:t>
+            </a:r>
+            <a:r>
+              <a:rPr lang="en-US" sz="1400" b="1" dirty="0" smtClean="0">
+                <a:solidFill>
+                  <a:schemeClr val="accent2"/>
+                </a:solidFill>
+                <a:latin typeface="Courier" pitchFamily="49" charset="0"/>
+              </a:rPr>
+              <a:t>(</a:t>
+            </a:r>
+            <a:r>
+              <a:rPr lang="en-US" sz="1400" b="1" dirty="0" smtClean="0">
+                <a:solidFill>
+                  <a:srgbClr val="FF0000"/>
+                </a:solidFill>
+                <a:latin typeface="Courier" pitchFamily="49" charset="0"/>
+              </a:rPr>
+              <a:t>@Context </a:t>
+            </a:r>
+            <a:r>
+              <a:rPr lang="en-US" sz="1400" b="1" dirty="0" err="1" smtClean="0">
+                <a:solidFill>
+                  <a:srgbClr val="FF0000"/>
+                </a:solidFill>
+                <a:latin typeface="Courier" pitchFamily="49" charset="0"/>
+              </a:rPr>
+              <a:t>UriInfo</a:t>
+            </a:r>
+            <a:r>
+              <a:rPr lang="en-US" sz="1400" b="1" dirty="0" smtClean="0">
+                <a:solidFill>
+                  <a:srgbClr val="FF0000"/>
+                </a:solidFill>
+                <a:latin typeface="Courier" pitchFamily="49" charset="0"/>
+              </a:rPr>
+              <a:t> </a:t>
+            </a:r>
+            <a:r>
+              <a:rPr lang="en-US" sz="1400" b="1" dirty="0" err="1" smtClean="0">
+                <a:solidFill>
+                  <a:schemeClr val="accent2"/>
+                </a:solidFill>
+                <a:latin typeface="Courier" pitchFamily="49" charset="0"/>
+              </a:rPr>
+              <a:t>ui</a:t>
+            </a:r>
+            <a:r>
+              <a:rPr lang="en-US" sz="1400" b="1" dirty="0" smtClean="0">
+                <a:solidFill>
+                  <a:schemeClr val="accent2"/>
+                </a:solidFill>
+                <a:latin typeface="Courier" pitchFamily="49" charset="0"/>
+              </a:rPr>
+              <a:t>) </a:t>
+            </a:r>
+            <a:r>
+              <a:rPr lang="en-US" sz="1400" b="1" dirty="0" smtClean="0">
+                <a:solidFill>
+                  <a:schemeClr val="accent2"/>
+                </a:solidFill>
+                <a:latin typeface="Courier" pitchFamily="49" charset="0"/>
+              </a:rPr>
+              <a:t>{ … }</a:t>
+            </a:r>
+          </a:p>
+          <a:p>
+            <a:pPr>
+              <a:buNone/>
+            </a:pPr>
+            <a:r>
+              <a:rPr lang="en-US" sz="1400" b="1" dirty="0" smtClean="0">
+                <a:solidFill>
+                  <a:schemeClr val="accent2"/>
+                </a:solidFill>
+                <a:latin typeface="Courier" pitchFamily="49" charset="0"/>
+              </a:rPr>
+              <a:t>    </a:t>
+            </a:r>
+          </a:p>
+          <a:p>
+            <a:pPr>
+              <a:buNone/>
+            </a:pPr>
+            <a:endParaRPr lang="en-US" sz="1400" b="1" dirty="0" smtClean="0">
+              <a:solidFill>
+                <a:schemeClr val="accent2"/>
+              </a:solidFill>
+              <a:latin typeface="Courier" pitchFamily="49" charset="0"/>
+            </a:endParaRPr>
+          </a:p>
+          <a:p>
+            <a:pPr>
+              <a:buNone/>
+            </a:pPr>
+            <a:r>
+              <a:rPr lang="en-US" sz="1400" b="1" dirty="0" smtClean="0">
+                <a:solidFill>
+                  <a:schemeClr val="accent2"/>
+                </a:solidFill>
                 <a:latin typeface="Courier" pitchFamily="49" charset="0"/>
               </a:rPr>
               <a:t>}</a:t>
             </a:r>
-            <a:endParaRPr lang="en-US" sz="1400" dirty="0">
+            <a:endParaRPr lang="en-US" sz="1400" b="1" dirty="0">
+              <a:solidFill>
+                <a:schemeClr val="accent2"/>
+              </a:solidFill>
               <a:latin typeface="Courier" pitchFamily="49" charset="0"/>
             </a:endParaRPr>
           </a:p>

--- a/docs/allteam-061409-toronto/Toronto_BehindTheScenes.pptx
+++ b/docs/allteam-061409-toronto/Toronto_BehindTheScenes.pptx
@@ -7577,13 +7577,8 @@
             <a:pPr lvl="1"/>
             <a:r>
               <a:rPr lang="en-US" sz="2000" dirty="0" smtClean="0"/>
-              <a:t>Audit </a:t>
-            </a:r>
-            <a:r>
-              <a:rPr lang="en-US" sz="2000" dirty="0" smtClean="0"/>
-              <a:t>trail</a:t>
-            </a:r>
-            <a:endParaRPr lang="en-US" sz="2000" dirty="0" smtClean="0"/>
+              <a:t>Audit trail</a:t>
+            </a:r>
           </a:p>
         </p:txBody>
       </p:sp>
@@ -7723,33 +7718,21 @@
             <a:pPr lvl="1"/>
             <a:r>
               <a:rPr lang="en-US" sz="2000" dirty="0" smtClean="0"/>
-              <a:t>Nuxeo </a:t>
-            </a:r>
+              <a:t>Nuxeo repository</a:t>
+            </a:r>
+          </a:p>
+          <a:p>
+            <a:pPr lvl="2"/>
+            <a:r>
+              <a:rPr lang="en-US" sz="1600" dirty="0" smtClean="0"/>
+              <a:t>Domain per tenant, repository per tenant, hybrid</a:t>
+            </a:r>
+          </a:p>
+          <a:p>
+            <a:pPr lvl="1"/>
             <a:r>
               <a:rPr lang="en-US" sz="2000" dirty="0" smtClean="0"/>
-              <a:t>repository</a:t>
-            </a:r>
-          </a:p>
-          <a:p>
-            <a:pPr lvl="2"/>
-            <a:r>
-              <a:rPr lang="en-US" sz="1600" dirty="0" smtClean="0"/>
-              <a:t>Domain per tenant, repository per tenant, </a:t>
-            </a:r>
-            <a:r>
-              <a:rPr lang="en-US" sz="1600" dirty="0" smtClean="0"/>
-              <a:t>hybrid</a:t>
-            </a:r>
-          </a:p>
-          <a:p>
-            <a:pPr lvl="1"/>
-            <a:r>
-              <a:rPr lang="en-US" sz="2000" dirty="0" smtClean="0"/>
-              <a:t>File </a:t>
-            </a:r>
-            <a:r>
-              <a:rPr lang="en-US" sz="2000" dirty="0" smtClean="0"/>
-              <a:t>system</a:t>
+              <a:t>File system</a:t>
             </a:r>
             <a:endParaRPr lang="en-US" sz="2800" dirty="0" smtClean="0"/>
           </a:p>
@@ -7761,7 +7744,6 @@
               <a:rPr lang="en-US" sz="2800" dirty="0" smtClean="0"/>
               <a:t>Metadata</a:t>
             </a:r>
-            <a:endParaRPr lang="en-US" sz="2800" dirty="0" smtClean="0"/>
           </a:p>
           <a:p>
             <a:pPr lvl="1"/>
@@ -7778,7 +7760,6 @@
               <a:rPr lang="en-US" sz="2800" dirty="0" smtClean="0"/>
               <a:t>Administration</a:t>
             </a:r>
-            <a:endParaRPr lang="en-US" sz="2800" dirty="0" smtClean="0"/>
           </a:p>
           <a:p>
             <a:pPr lvl="1"/>
@@ -7927,7 +7908,6 @@
               <a:rPr lang="en-US" dirty="0" smtClean="0"/>
               <a:t>Interfacing with Nuxeo</a:t>
             </a:r>
-            <a:endParaRPr lang="en-US" dirty="0" smtClean="0"/>
           </a:p>
           <a:p>
             <a:r>
@@ -7950,11 +7930,7 @@
             </a:r>
             <a:r>
               <a:rPr lang="en-US" dirty="0" smtClean="0"/>
-              <a:t> </a:t>
-            </a:r>
-            <a:r>
-              <a:rPr lang="en-US" dirty="0" smtClean="0"/>
-              <a:t>Resource</a:t>
+              <a:t> Resource</a:t>
             </a:r>
           </a:p>
           <a:p>
@@ -7966,11 +7942,7 @@
           <a:p>
             <a:r>
               <a:rPr lang="en-US" dirty="0" smtClean="0"/>
-              <a:t>Multi-tenancy </a:t>
-            </a:r>
-            <a:r>
-              <a:rPr lang="en-US" dirty="0" smtClean="0"/>
-              <a:t>aspects</a:t>
+              <a:t>Multi-tenancy aspects</a:t>
             </a:r>
           </a:p>
           <a:p>
@@ -8256,7 +8228,6 @@
               <a:rPr lang="en-US" sz="1600" dirty="0" smtClean="0"/>
               <a:t>Why?</a:t>
             </a:r>
-            <a:endParaRPr lang="en-US" sz="1600" dirty="0" smtClean="0"/>
           </a:p>
           <a:p>
             <a:r>
@@ -8277,21 +8248,8 @@
             </a:r>
             <a:r>
               <a:rPr lang="en-US" sz="1600" dirty="0" smtClean="0"/>
-              <a:t>(only supports document repository, no support for XML complex type, </a:t>
-            </a:r>
-            <a:r>
-              <a:rPr lang="en-US" sz="1600" dirty="0" smtClean="0"/>
-              <a:t>have to use export </a:t>
-            </a:r>
-            <a:r>
-              <a:rPr lang="en-US" sz="1600" dirty="0" smtClean="0"/>
-              <a:t>vs. </a:t>
-            </a:r>
-            <a:r>
-              <a:rPr lang="en-US" sz="1600" dirty="0" smtClean="0"/>
-              <a:t>get)</a:t>
-            </a:r>
-            <a:endParaRPr lang="en-US" sz="1600" dirty="0" smtClean="0"/>
+              <a:t>(only supports document repository, no support for XML complex type, have to use export vs. get)</a:t>
+            </a:r>
           </a:p>
           <a:p>
             <a:r>
@@ -8308,13 +8266,8 @@
             </a:r>
             <a:r>
               <a:rPr lang="en-US" sz="1600" dirty="0" smtClean="0"/>
-              <a:t>force to run inside the Nuxeo </a:t>
-            </a:r>
-            <a:r>
-              <a:rPr lang="en-US" sz="1600" dirty="0" smtClean="0"/>
-              <a:t>container</a:t>
-            </a:r>
-            <a:endParaRPr lang="en-US" sz="1600" dirty="0" smtClean="0"/>
+              <a:t>force to run inside the Nuxeo container</a:t>
+            </a:r>
           </a:p>
           <a:p>
             <a:r>
@@ -8335,15 +8288,7 @@
             </a:r>
             <a:r>
               <a:rPr lang="en-US" sz="1600" dirty="0" smtClean="0"/>
-              <a:t>was not possible due to </a:t>
-            </a:r>
-            <a:r>
-              <a:rPr lang="en-US" sz="1600" dirty="0" smtClean="0"/>
-              <a:t>class loading </a:t>
-            </a:r>
-            <a:r>
-              <a:rPr lang="en-US" sz="1600" dirty="0" smtClean="0"/>
-              <a:t>issues</a:t>
+              <a:t>was not possible due to class loading issues</a:t>
             </a:r>
             <a:endParaRPr lang="en-US" sz="1600" dirty="0"/>
           </a:p>
@@ -9437,7 +9382,6 @@
               <a:rPr lang="en-US" dirty="0" smtClean="0"/>
               <a:t>APIs</a:t>
             </a:r>
-            <a:endParaRPr lang="en-US" dirty="0" smtClean="0"/>
           </a:p>
           <a:p>
             <a:r>
@@ -9570,28 +9514,6 @@
           </a:p>
         </p:txBody>
       </p:sp>
-      <p:graphicFrame>
-        <p:nvGraphicFramePr>
-          <p:cNvPr id="8" name="Content Placeholder 7"/>
-          <p:cNvGraphicFramePr>
-            <a:graphicFrameLocks noChangeAspect="1"/>
-          </p:cNvGraphicFramePr>
-          <p:nvPr>
-            <p:ph sz="half" idx="1"/>
-          </p:nvPr>
-        </p:nvGraphicFramePr>
-        <p:xfrm>
-          <a:off x="457200" y="1524000"/>
-          <a:ext cx="4038600" cy="4200143"/>
-        </p:xfrm>
-        <a:graphic>
-          <a:graphicData uri="http://schemas.openxmlformats.org/presentationml/2006/ole">
-            <p:oleObj spid="_x0000_s2051" name="Visio" r:id="rId3" imgW="6124340" imgH="4092662" progId="Visio.Drawing.11">
-              <p:embed/>
-            </p:oleObj>
-          </a:graphicData>
-        </a:graphic>
-      </p:graphicFrame>
       <p:sp>
         <p:nvSpPr>
           <p:cNvPr id="4" name="Footer Placeholder 3"/>
@@ -9655,7 +9577,7 @@
         </p:xfrm>
         <a:graphic>
           <a:graphicData uri="http://schemas.openxmlformats.org/presentationml/2006/ole">
-            <p:oleObj spid="_x0000_s2052" name="Visio" r:id="rId4" imgW="6124340" imgH="4092662" progId="Visio.Drawing.11">
+            <p:oleObj spid="_x0000_s2052" name="Visio" r:id="rId3" imgW="6124340" imgH="4092662" progId="Visio.Drawing.11">
               <p:embed/>
             </p:oleObj>
           </a:graphicData>
@@ -9663,14 +9585,78 @@
       </p:graphicFrame>
       <p:sp>
         <p:nvSpPr>
+          <p:cNvPr id="11" name="Right Brace 10"/>
+          <p:cNvSpPr/>
+          <p:nvPr/>
+        </p:nvSpPr>
+        <p:spPr>
+          <a:xfrm>
+            <a:off x="4191000" y="2286000"/>
+            <a:ext cx="381000" cy="2286000"/>
+          </a:xfrm>
+          <a:prstGeom prst="rightBrace">
+            <a:avLst/>
+          </a:prstGeom>
+        </p:spPr>
+        <p:style>
+          <a:lnRef idx="1">
+            <a:schemeClr val="accent1"/>
+          </a:lnRef>
+          <a:fillRef idx="0">
+            <a:schemeClr val="accent1"/>
+          </a:fillRef>
+          <a:effectRef idx="0">
+            <a:schemeClr val="accent1"/>
+          </a:effectRef>
+          <a:fontRef idx="minor">
+            <a:schemeClr val="tx1"/>
+          </a:fontRef>
+        </p:style>
+        <p:txBody>
+          <a:bodyPr rtlCol="0" anchor="ctr"/>
+          <a:lstStyle/>
+          <a:p>
+            <a:pPr algn="ctr"/>
+            <a:endParaRPr lang="en-US"/>
+          </a:p>
+        </p:txBody>
+      </p:sp>
+      <p:pic>
+        <p:nvPicPr>
+          <p:cNvPr id="2053" name="Picture 5" descr="C:\Documents and Settings\sanjaydalal\My Documents\CSpace\Schema_extension_model.png"/>
+          <p:cNvPicPr>
+            <a:picLocks noChangeAspect="1" noChangeArrowheads="1"/>
+          </p:cNvPicPr>
+          <p:nvPr/>
+        </p:nvPicPr>
+        <p:blipFill>
+          <a:blip r:embed="rId4" cstate="print"/>
+          <a:srcRect/>
+          <a:stretch>
+            <a:fillRect/>
+          </a:stretch>
+        </p:blipFill>
+        <p:spPr bwMode="auto">
+          <a:xfrm>
+            <a:off x="381000" y="2143125"/>
+            <a:ext cx="4242134" cy="3190875"/>
+          </a:xfrm>
+          <a:prstGeom prst="rect">
+            <a:avLst/>
+          </a:prstGeom>
+          <a:noFill/>
+        </p:spPr>
+      </p:pic>
+      <p:sp>
+        <p:nvSpPr>
           <p:cNvPr id="10" name="Right Arrow 9"/>
           <p:cNvSpPr/>
           <p:nvPr/>
         </p:nvSpPr>
         <p:spPr>
           <a:xfrm>
-            <a:off x="4724400" y="3361943"/>
-            <a:ext cx="1600200" cy="484632"/>
+            <a:off x="4191000" y="3361943"/>
+            <a:ext cx="2133600" cy="484632"/>
           </a:xfrm>
           <a:prstGeom prst="rightArrow">
             <a:avLst>
@@ -9694,44 +9680,6 @@
           </a:effectRef>
           <a:fontRef idx="minor">
             <a:schemeClr val="lt1"/>
-          </a:fontRef>
-        </p:style>
-        <p:txBody>
-          <a:bodyPr rtlCol="0" anchor="ctr"/>
-          <a:lstStyle/>
-          <a:p>
-            <a:pPr algn="ctr"/>
-            <a:endParaRPr lang="en-US"/>
-          </a:p>
-        </p:txBody>
-      </p:sp>
-      <p:sp>
-        <p:nvSpPr>
-          <p:cNvPr id="11" name="Right Brace 10"/>
-          <p:cNvSpPr/>
-          <p:nvPr/>
-        </p:nvSpPr>
-        <p:spPr>
-          <a:xfrm>
-            <a:off x="4191000" y="1914143"/>
-            <a:ext cx="381000" cy="3429000"/>
-          </a:xfrm>
-          <a:prstGeom prst="rightBrace">
-            <a:avLst/>
-          </a:prstGeom>
-        </p:spPr>
-        <p:style>
-          <a:lnRef idx="1">
-            <a:schemeClr val="accent1"/>
-          </a:lnRef>
-          <a:fillRef idx="0">
-            <a:schemeClr val="accent1"/>
-          </a:fillRef>
-          <a:effectRef idx="0">
-            <a:schemeClr val="accent1"/>
-          </a:effectRef>
-          <a:fontRef idx="minor">
-            <a:schemeClr val="tx1"/>
           </a:fontRef>
         </p:style>
         <p:txBody>
@@ -10033,8 +9981,8 @@
       </p:par>
     </p:tnLst>
     <p:bldLst>
+      <p:bldP spid="11" grpId="0" animBg="1"/>
       <p:bldP spid="10" grpId="0" animBg="1"/>
-      <p:bldP spid="11" grpId="0" animBg="1"/>
     </p:bldLst>
   </p:timing>
 </p:sld>
@@ -10238,24 +10186,234 @@
                 </a:solidFill>
                 <a:latin typeface="Courier" pitchFamily="49" charset="0"/>
               </a:rPr>
+              <a:t>" prefix="</a:t>
+            </a:r>
+            <a:r>
+              <a:rPr lang="en-US" sz="1400" b="1" dirty="0" err="1" smtClean="0">
+                <a:solidFill>
+                  <a:srgbClr val="FF0000"/>
+                </a:solidFill>
+                <a:latin typeface="Courier" pitchFamily="49" charset="0"/>
+              </a:rPr>
+              <a:t>collectionobject</a:t>
+            </a:r>
+            <a:r>
+              <a:rPr lang="en-US" sz="1400" b="1" dirty="0" smtClean="0">
+                <a:solidFill>
+                  <a:srgbClr val="FF0000"/>
+                </a:solidFill>
+                <a:latin typeface="Courier" pitchFamily="49" charset="0"/>
+              </a:rPr>
+              <a:t>-common</a:t>
+            </a:r>
+            <a:r>
+              <a:rPr lang="en-US" sz="1400" b="1" dirty="0" smtClean="0">
+                <a:solidFill>
+                  <a:schemeClr val="accent2"/>
+                </a:solidFill>
+                <a:latin typeface="Courier" pitchFamily="49" charset="0"/>
+              </a:rPr>
               <a:t>" </a:t>
             </a:r>
             <a:r>
+              <a:rPr lang="en-US" sz="1400" b="1" dirty="0" err="1" smtClean="0">
+                <a:solidFill>
+                  <a:schemeClr val="accent2"/>
+                </a:solidFill>
+                <a:latin typeface="Courier" pitchFamily="49" charset="0"/>
+              </a:rPr>
+              <a:t>src</a:t>
+            </a:r>
+            <a:r>
               <a:rPr lang="en-US" sz="1400" b="1" dirty="0" smtClean="0">
                 <a:solidFill>
                   <a:schemeClr val="accent2"/>
                 </a:solidFill>
                 <a:latin typeface="Courier" pitchFamily="49" charset="0"/>
               </a:rPr>
-              <a:t>prefix="</a:t>
+              <a:t>="schemas/</a:t>
+            </a:r>
+            <a:r>
+              <a:rPr lang="en-US" sz="1400" b="1" dirty="0" smtClean="0">
+                <a:solidFill>
+                  <a:srgbClr val="FF0000"/>
+                </a:solidFill>
+                <a:latin typeface="Courier" pitchFamily="49" charset="0"/>
+              </a:rPr>
+              <a:t>collectionobject-common.xsd</a:t>
+            </a:r>
+            <a:r>
+              <a:rPr lang="en-US" sz="1400" b="1" dirty="0" smtClean="0">
+                <a:solidFill>
+                  <a:schemeClr val="accent2"/>
+                </a:solidFill>
+                <a:latin typeface="Courier" pitchFamily="49" charset="0"/>
+              </a:rPr>
+              <a:t>"/&gt;</a:t>
+            </a:r>
+          </a:p>
+          <a:p>
+            <a:pPr>
+              <a:buNone/>
+            </a:pPr>
+            <a:r>
+              <a:rPr lang="en-US" sz="1400" b="1" dirty="0" smtClean="0">
+                <a:solidFill>
+                  <a:schemeClr val="accent2"/>
+                </a:solidFill>
+                <a:latin typeface="Courier" pitchFamily="49" charset="0"/>
+              </a:rPr>
+              <a:t>    …</a:t>
+            </a:r>
+          </a:p>
+          <a:p>
+            <a:pPr>
+              <a:buNone/>
+            </a:pPr>
+            <a:r>
+              <a:rPr lang="en-US" sz="1400" b="1" dirty="0" smtClean="0">
+                <a:solidFill>
+                  <a:schemeClr val="accent2"/>
+                </a:solidFill>
+                <a:latin typeface="Courier" pitchFamily="49" charset="0"/>
+              </a:rPr>
+              <a:t>  /&gt;</a:t>
+            </a:r>
+          </a:p>
+          <a:p>
+            <a:pPr>
+              <a:buNone/>
+            </a:pPr>
+            <a:r>
+              <a:rPr lang="en-US" sz="1400" b="1" dirty="0" smtClean="0">
+                <a:solidFill>
+                  <a:schemeClr val="accent2"/>
+                </a:solidFill>
+                <a:latin typeface="Courier" pitchFamily="49" charset="0"/>
+              </a:rPr>
+              <a:t>  &lt;/extension&gt;</a:t>
+            </a:r>
+          </a:p>
+          <a:p>
+            <a:pPr>
+              <a:buNone/>
+            </a:pPr>
+            <a:r>
+              <a:rPr lang="en-US" sz="1400" b="1" dirty="0" smtClean="0">
+                <a:solidFill>
+                  <a:schemeClr val="accent2"/>
+                </a:solidFill>
+                <a:latin typeface="Courier" pitchFamily="49" charset="0"/>
+              </a:rPr>
+              <a:t>  &lt;extension target="</a:t>
             </a:r>
             <a:r>
               <a:rPr lang="en-US" sz="1400" b="1" dirty="0" err="1" smtClean="0">
                 <a:solidFill>
+                  <a:schemeClr val="accent2"/>
+                </a:solidFill>
+                <a:latin typeface="Courier" pitchFamily="49" charset="0"/>
+              </a:rPr>
+              <a:t>org.nuxeo.ecm.core.schema.TypeService</a:t>
+            </a:r>
+            <a:r>
+              <a:rPr lang="en-US" sz="1400" b="1" dirty="0" smtClean="0">
+                <a:solidFill>
+                  <a:schemeClr val="accent2"/>
+                </a:solidFill>
+                <a:latin typeface="Courier" pitchFamily="49" charset="0"/>
+              </a:rPr>
+              <a:t>" point="</a:t>
+            </a:r>
+            <a:r>
+              <a:rPr lang="en-US" sz="1400" b="1" dirty="0" err="1" smtClean="0">
+                <a:solidFill>
+                  <a:schemeClr val="accent2"/>
+                </a:solidFill>
+                <a:latin typeface="Courier" pitchFamily="49" charset="0"/>
+              </a:rPr>
+              <a:t>doctype</a:t>
+            </a:r>
+            <a:r>
+              <a:rPr lang="en-US" sz="1400" b="1" dirty="0" smtClean="0">
+                <a:solidFill>
+                  <a:schemeClr val="accent2"/>
+                </a:solidFill>
+                <a:latin typeface="Courier" pitchFamily="49" charset="0"/>
+              </a:rPr>
+              <a:t>"&gt;</a:t>
+            </a:r>
+          </a:p>
+          <a:p>
+            <a:pPr>
+              <a:buNone/>
+            </a:pPr>
+            <a:r>
+              <a:rPr lang="en-US" sz="1400" b="1" dirty="0" smtClean="0">
+                <a:solidFill>
+                  <a:schemeClr val="accent2"/>
+                </a:solidFill>
+                <a:latin typeface="Courier" pitchFamily="49" charset="0"/>
+              </a:rPr>
+              <a:t>    &lt;</a:t>
+            </a:r>
+            <a:r>
+              <a:rPr lang="en-US" sz="1400" b="1" dirty="0" err="1" smtClean="0">
+                <a:solidFill>
+                  <a:schemeClr val="accent2"/>
+                </a:solidFill>
+                <a:latin typeface="Courier" pitchFamily="49" charset="0"/>
+              </a:rPr>
+              <a:t>doctype</a:t>
+            </a:r>
+            <a:r>
+              <a:rPr lang="en-US" sz="1400" b="1" dirty="0" smtClean="0">
+                <a:solidFill>
+                  <a:schemeClr val="accent2"/>
+                </a:solidFill>
+                <a:latin typeface="Courier" pitchFamily="49" charset="0"/>
+              </a:rPr>
+              <a:t> name="</a:t>
+            </a:r>
+            <a:r>
+              <a:rPr lang="en-US" sz="1400" b="1" dirty="0" smtClean="0">
+                <a:solidFill>
                   <a:srgbClr val="FF0000"/>
                 </a:solidFill>
                 <a:latin typeface="Courier" pitchFamily="49" charset="0"/>
               </a:rPr>
+              <a:t>CollectionObject</a:t>
+            </a:r>
+            <a:r>
+              <a:rPr lang="en-US" sz="1400" b="1" dirty="0" smtClean="0">
+                <a:solidFill>
+                  <a:schemeClr val="accent2"/>
+                </a:solidFill>
+                <a:latin typeface="Courier" pitchFamily="49" charset="0"/>
+              </a:rPr>
+              <a:t>" extends="Document"&gt;</a:t>
+            </a:r>
+          </a:p>
+          <a:p>
+            <a:pPr>
+              <a:buNone/>
+            </a:pPr>
+            <a:r>
+              <a:rPr lang="en-US" sz="1400" b="1" dirty="0" smtClean="0">
+                <a:solidFill>
+                  <a:schemeClr val="accent2"/>
+                </a:solidFill>
+                <a:latin typeface="Courier" pitchFamily="49" charset="0"/>
+              </a:rPr>
+              <a:t>      &lt;schema name=“</a:t>
+            </a:r>
+            <a:r>
+              <a:rPr lang="en-US" sz="1400" b="1" dirty="0" err="1" smtClean="0">
+                <a:solidFill>
+                  <a:srgbClr val="FF0000"/>
+                </a:solidFill>
+                <a:latin typeface="Courier" pitchFamily="49" charset="0"/>
+              </a:rPr>
               <a:t>collectionobject</a:t>
             </a:r>
             <a:r>
@@ -10274,266 +10432,8 @@
                 </a:solidFill>
                 <a:latin typeface="Courier" pitchFamily="49" charset="0"/>
               </a:rPr>
-              <a:t>" </a:t>
-            </a:r>
-            <a:r>
-              <a:rPr lang="en-US" sz="1400" b="1" dirty="0" err="1" smtClean="0">
-                <a:solidFill>
-                  <a:schemeClr val="accent2"/>
-                </a:solidFill>
-                <a:latin typeface="Courier" pitchFamily="49" charset="0"/>
-              </a:rPr>
-              <a:t>src</a:t>
-            </a:r>
-            <a:r>
-              <a:rPr lang="en-US" sz="1400" b="1" dirty="0" smtClean="0">
-                <a:solidFill>
-                  <a:schemeClr val="accent2"/>
-                </a:solidFill>
-                <a:latin typeface="Courier" pitchFamily="49" charset="0"/>
-              </a:rPr>
-              <a:t>="</a:t>
-            </a:r>
-            <a:r>
-              <a:rPr lang="en-US" sz="1400" b="1" dirty="0" smtClean="0">
-                <a:solidFill>
-                  <a:schemeClr val="accent2"/>
-                </a:solidFill>
-                <a:latin typeface="Courier" pitchFamily="49" charset="0"/>
-              </a:rPr>
-              <a:t>schemas/</a:t>
-            </a:r>
-            <a:r>
-              <a:rPr lang="en-US" sz="1400" b="1" dirty="0" smtClean="0">
-                <a:solidFill>
-                  <a:srgbClr val="FF0000"/>
-                </a:solidFill>
-                <a:latin typeface="Courier" pitchFamily="49" charset="0"/>
-              </a:rPr>
-              <a:t>collectionobject-common.xsd</a:t>
-            </a:r>
-            <a:r>
-              <a:rPr lang="en-US" sz="1400" b="1" dirty="0" smtClean="0">
-                <a:solidFill>
-                  <a:schemeClr val="accent2"/>
-                </a:solidFill>
-                <a:latin typeface="Courier" pitchFamily="49" charset="0"/>
-              </a:rPr>
-              <a:t>"/&gt;</a:t>
-            </a:r>
-          </a:p>
-          <a:p>
-            <a:pPr>
-              <a:buNone/>
-            </a:pPr>
-            <a:r>
-              <a:rPr lang="en-US" sz="1400" b="1" dirty="0" smtClean="0">
-                <a:solidFill>
-                  <a:schemeClr val="accent2"/>
-                </a:solidFill>
-                <a:latin typeface="Courier" pitchFamily="49" charset="0"/>
-              </a:rPr>
-              <a:t> </a:t>
-            </a:r>
-            <a:r>
-              <a:rPr lang="en-US" sz="1400" b="1" dirty="0" smtClean="0">
-                <a:solidFill>
-                  <a:schemeClr val="accent2"/>
-                </a:solidFill>
-                <a:latin typeface="Courier" pitchFamily="49" charset="0"/>
-              </a:rPr>
-              <a:t>   …</a:t>
-            </a:r>
-          </a:p>
-          <a:p>
-            <a:pPr>
-              <a:buNone/>
-            </a:pPr>
-            <a:r>
-              <a:rPr lang="en-US" sz="1400" b="1" dirty="0" smtClean="0">
-                <a:solidFill>
-                  <a:schemeClr val="accent2"/>
-                </a:solidFill>
-                <a:latin typeface="Courier" pitchFamily="49" charset="0"/>
-              </a:rPr>
-              <a:t> </a:t>
-            </a:r>
-            <a:r>
-              <a:rPr lang="en-US" sz="1400" b="1" dirty="0" smtClean="0">
-                <a:solidFill>
-                  <a:schemeClr val="accent2"/>
-                </a:solidFill>
-                <a:latin typeface="Courier" pitchFamily="49" charset="0"/>
-              </a:rPr>
-              <a:t> /&gt;</a:t>
-            </a:r>
-            <a:endParaRPr lang="en-US" sz="1400" b="1" dirty="0" smtClean="0">
-              <a:solidFill>
-                <a:schemeClr val="accent2"/>
-              </a:solidFill>
-              <a:latin typeface="Courier" pitchFamily="49" charset="0"/>
-            </a:endParaRPr>
-          </a:p>
-          <a:p>
-            <a:pPr>
-              <a:buNone/>
-            </a:pPr>
-            <a:r>
-              <a:rPr lang="en-US" sz="1400" b="1" dirty="0" smtClean="0">
-                <a:solidFill>
-                  <a:schemeClr val="accent2"/>
-                </a:solidFill>
-                <a:latin typeface="Courier" pitchFamily="49" charset="0"/>
-              </a:rPr>
-              <a:t>  &lt;/extension&gt;</a:t>
-            </a:r>
-          </a:p>
-          <a:p>
-            <a:pPr>
-              <a:buNone/>
-            </a:pPr>
-            <a:r>
-              <a:rPr lang="en-US" sz="1400" b="1" dirty="0" smtClean="0">
-                <a:solidFill>
-                  <a:schemeClr val="accent2"/>
-                </a:solidFill>
-                <a:latin typeface="Courier" pitchFamily="49" charset="0"/>
-              </a:rPr>
-              <a:t>  &lt;extension target="</a:t>
-            </a:r>
-            <a:r>
-              <a:rPr lang="en-US" sz="1400" b="1" dirty="0" err="1" smtClean="0">
-                <a:solidFill>
-                  <a:schemeClr val="accent2"/>
-                </a:solidFill>
-                <a:latin typeface="Courier" pitchFamily="49" charset="0"/>
-              </a:rPr>
-              <a:t>org.nuxeo.ecm.core.schema.TypeService</a:t>
-            </a:r>
-            <a:r>
-              <a:rPr lang="en-US" sz="1400" b="1" dirty="0" smtClean="0">
-                <a:solidFill>
-                  <a:schemeClr val="accent2"/>
-                </a:solidFill>
-                <a:latin typeface="Courier" pitchFamily="49" charset="0"/>
-              </a:rPr>
-              <a:t>" point="</a:t>
-            </a:r>
-            <a:r>
-              <a:rPr lang="en-US" sz="1400" b="1" dirty="0" err="1" smtClean="0">
-                <a:solidFill>
-                  <a:schemeClr val="accent2"/>
-                </a:solidFill>
-                <a:latin typeface="Courier" pitchFamily="49" charset="0"/>
-              </a:rPr>
-              <a:t>doctype</a:t>
-            </a:r>
-            <a:r>
-              <a:rPr lang="en-US" sz="1400" b="1" dirty="0" smtClean="0">
-                <a:solidFill>
-                  <a:schemeClr val="accent2"/>
-                </a:solidFill>
-                <a:latin typeface="Courier" pitchFamily="49" charset="0"/>
-              </a:rPr>
-              <a:t>"&gt;</a:t>
-            </a:r>
-          </a:p>
-          <a:p>
-            <a:pPr>
-              <a:buNone/>
-            </a:pPr>
-            <a:r>
-              <a:rPr lang="en-US" sz="1400" b="1" dirty="0" smtClean="0">
-                <a:solidFill>
-                  <a:schemeClr val="accent2"/>
-                </a:solidFill>
-                <a:latin typeface="Courier" pitchFamily="49" charset="0"/>
-              </a:rPr>
-              <a:t>    &lt;</a:t>
-            </a:r>
-            <a:r>
-              <a:rPr lang="en-US" sz="1400" b="1" dirty="0" err="1" smtClean="0">
-                <a:solidFill>
-                  <a:schemeClr val="accent2"/>
-                </a:solidFill>
-                <a:latin typeface="Courier" pitchFamily="49" charset="0"/>
-              </a:rPr>
-              <a:t>doctype</a:t>
-            </a:r>
-            <a:r>
-              <a:rPr lang="en-US" sz="1400" b="1" dirty="0" smtClean="0">
-                <a:solidFill>
-                  <a:schemeClr val="accent2"/>
-                </a:solidFill>
-                <a:latin typeface="Courier" pitchFamily="49" charset="0"/>
-              </a:rPr>
-              <a:t> name="</a:t>
-            </a:r>
-            <a:r>
-              <a:rPr lang="en-US" sz="1400" b="1" dirty="0" smtClean="0">
-                <a:solidFill>
-                  <a:srgbClr val="FF0000"/>
-                </a:solidFill>
-                <a:latin typeface="Courier" pitchFamily="49" charset="0"/>
-              </a:rPr>
-              <a:t>CollectionObject</a:t>
-            </a:r>
-            <a:r>
-              <a:rPr lang="en-US" sz="1400" b="1" dirty="0" smtClean="0">
-                <a:solidFill>
-                  <a:schemeClr val="accent2"/>
-                </a:solidFill>
-                <a:latin typeface="Courier" pitchFamily="49" charset="0"/>
-              </a:rPr>
-              <a:t>" extends="Document"&gt;</a:t>
-            </a:r>
-          </a:p>
-          <a:p>
-            <a:pPr>
-              <a:buNone/>
-            </a:pPr>
-            <a:r>
-              <a:rPr lang="en-US" sz="1400" b="1" dirty="0" smtClean="0">
-                <a:solidFill>
-                  <a:schemeClr val="accent2"/>
-                </a:solidFill>
-                <a:latin typeface="Courier" pitchFamily="49" charset="0"/>
-              </a:rPr>
-              <a:t>      &lt;schema name=“</a:t>
-            </a:r>
-            <a:r>
-              <a:rPr lang="en-US" sz="1400" b="1" dirty="0" err="1" smtClean="0">
-                <a:solidFill>
-                  <a:srgbClr val="FF0000"/>
-                </a:solidFill>
-                <a:latin typeface="Courier" pitchFamily="49" charset="0"/>
-              </a:rPr>
-              <a:t>collectionobject</a:t>
-            </a:r>
-            <a:r>
-              <a:rPr lang="en-US" sz="1400" b="1" dirty="0" smtClean="0">
-                <a:solidFill>
-                  <a:srgbClr val="FF0000"/>
-                </a:solidFill>
-                <a:latin typeface="Courier" pitchFamily="49" charset="0"/>
-              </a:rPr>
-              <a:t>-common</a:t>
-            </a:r>
-            <a:r>
-              <a:rPr lang="en-US" sz="1400" b="1" dirty="0" smtClean="0">
-                <a:solidFill>
-                  <a:schemeClr val="accent2"/>
-                </a:solidFill>
-                <a:latin typeface="Courier" pitchFamily="49" charset="0"/>
-              </a:rPr>
               <a:t>"/&gt; </a:t>
             </a:r>
-            <a:endParaRPr lang="en-US" sz="1400" b="1" dirty="0" smtClean="0">
-              <a:solidFill>
-                <a:schemeClr val="accent2"/>
-              </a:solidFill>
-              <a:latin typeface="Courier" pitchFamily="49" charset="0"/>
-            </a:endParaRPr>
           </a:p>
           <a:p>
             <a:pPr>
@@ -10889,23 +10789,8 @@
                 </a:solidFill>
                 <a:latin typeface="Courier" pitchFamily="49" charset="0"/>
               </a:rPr>
-              <a:t>="http://</a:t>
-            </a:r>
-            <a:r>
-              <a:rPr lang="en-US" sz="1400" b="1" dirty="0" smtClean="0">
-                <a:solidFill>
-                  <a:schemeClr val="accent2"/>
-                </a:solidFill>
-                <a:latin typeface="Courier" pitchFamily="49" charset="0"/>
-              </a:rPr>
-              <a:t>collectionspace.org/collectionobject/"</a:t>
-            </a:r>
-            <a:endParaRPr lang="en-US" sz="1400" b="1" dirty="0" smtClean="0">
-              <a:solidFill>
-                <a:schemeClr val="accent2"/>
-              </a:solidFill>
-              <a:latin typeface="Courier" pitchFamily="49" charset="0"/>
-            </a:endParaRPr>
+              <a:t>="http://collectionspace.org/collectionobject/"</a:t>
+            </a:r>
           </a:p>
           <a:p>
             <a:pPr>
@@ -11755,34 +11640,7 @@
                 </a:solidFill>
                 <a:latin typeface="Courier" pitchFamily="49" charset="0"/>
               </a:rPr>
-              <a:t>@</a:t>
-            </a:r>
-            <a:r>
-              <a:rPr lang="en-US" sz="1400" b="1" dirty="0" smtClean="0">
-                <a:solidFill>
-                  <a:srgbClr val="FF0000"/>
-                </a:solidFill>
-                <a:latin typeface="Courier" pitchFamily="49" charset="0"/>
-              </a:rPr>
-              <a:t>Consumes("</a:t>
-            </a:r>
-            <a:r>
-              <a:rPr lang="en-US" sz="1400" b="1" dirty="0" smtClean="0">
-                <a:solidFill>
-                  <a:srgbClr val="FF0000"/>
-                </a:solidFill>
-                <a:latin typeface="Courier" pitchFamily="49" charset="0"/>
-              </a:rPr>
-              <a:t>application/xml“) @</a:t>
-            </a:r>
-            <a:r>
-              <a:rPr lang="en-US" sz="1400" b="1" dirty="0" smtClean="0">
-                <a:solidFill>
-                  <a:srgbClr val="FF0000"/>
-                </a:solidFill>
-                <a:latin typeface="Courier" pitchFamily="49" charset="0"/>
-              </a:rPr>
-              <a:t>Produces("application/xml")</a:t>
+              <a:t>@Consumes("application/xml“) @Produces("application/xml")</a:t>
             </a:r>
           </a:p>
           <a:p>
@@ -11866,22 +11724,31 @@
                 </a:solidFill>
                 <a:latin typeface="Courier" pitchFamily="49" charset="0"/>
               </a:rPr>
-              <a:t>@</a:t>
-            </a:r>
+              <a:t>@POST</a:t>
+            </a:r>
+          </a:p>
+          <a:p>
+            <a:pPr>
+              <a:buNone/>
+            </a:pPr>
             <a:r>
               <a:rPr lang="en-US" sz="1400" b="1" dirty="0" smtClean="0">
                 <a:solidFill>
-                  <a:srgbClr val="FF0000"/>
-                </a:solidFill>
-                <a:latin typeface="Courier" pitchFamily="49" charset="0"/>
-              </a:rPr>
-              <a:t>POST</a:t>
-            </a:r>
-          </a:p>
-          <a:p>
-            <a:pPr>
-              <a:buNone/>
-            </a:pPr>
+                  <a:schemeClr val="accent2"/>
+                </a:solidFill>
+                <a:latin typeface="Courier" pitchFamily="49" charset="0"/>
+              </a:rPr>
+              <a:t>	public Response </a:t>
+            </a:r>
+            <a:r>
+              <a:rPr lang="en-US" sz="1400" b="1" dirty="0" err="1" smtClean="0">
+                <a:solidFill>
+                  <a:schemeClr val="accent2"/>
+                </a:solidFill>
+                <a:latin typeface="Courier" pitchFamily="49" charset="0"/>
+              </a:rPr>
+              <a:t>createCollectionObject</a:t>
+            </a:r>
             <a:r>
               <a:rPr lang="en-US" sz="1400" b="1" dirty="0" smtClean="0">
                 <a:solidFill>
@@ -11889,34 +11756,7 @@
                 </a:solidFill>
                 <a:latin typeface="Courier" pitchFamily="49" charset="0"/>
               </a:rPr>
-              <a:t>	public Response </a:t>
-            </a:r>
-            <a:r>
-              <a:rPr lang="en-US" sz="1400" b="1" dirty="0" err="1" smtClean="0">
-                <a:solidFill>
-                  <a:schemeClr val="accent2"/>
-                </a:solidFill>
-                <a:latin typeface="Courier" pitchFamily="49" charset="0"/>
-              </a:rPr>
-              <a:t>createCollectionObject</a:t>
-            </a:r>
-            <a:r>
-              <a:rPr lang="en-US" sz="1400" b="1" dirty="0" smtClean="0">
-                <a:solidFill>
-                  <a:schemeClr val="accent2"/>
-                </a:solidFill>
-                <a:latin typeface="Courier" pitchFamily="49" charset="0"/>
-              </a:rPr>
-              <a:t>(CollectionObject co) { … </a:t>
-            </a:r>
-            <a:r>
-              <a:rPr lang="en-US" sz="1400" b="1" dirty="0" smtClean="0">
-                <a:solidFill>
-                  <a:schemeClr val="accent2"/>
-                </a:solidFill>
-                <a:latin typeface="Courier" pitchFamily="49" charset="0"/>
-              </a:rPr>
-              <a:t>}</a:t>
+              <a:t>(CollectionObject co) { … }</a:t>
             </a:r>
           </a:p>
           <a:p>
@@ -11950,31 +11790,113 @@
                 </a:solidFill>
                 <a:latin typeface="Courier" pitchFamily="49" charset="0"/>
               </a:rPr>
+              <a:t>@GET @Path("{id}")</a:t>
+            </a:r>
+          </a:p>
+          <a:p>
+            <a:pPr>
+              <a:buNone/>
+            </a:pPr>
+            <a:r>
+              <a:rPr lang="en-US" sz="1400" b="1" dirty="0" smtClean="0">
+                <a:solidFill>
+                  <a:schemeClr val="accent2"/>
+                </a:solidFill>
+                <a:latin typeface="Courier" pitchFamily="49" charset="0"/>
+              </a:rPr>
+              <a:t>	public CollectionObject </a:t>
+            </a:r>
+            <a:r>
+              <a:rPr lang="en-US" sz="1400" b="1" dirty="0" err="1" smtClean="0">
+                <a:solidFill>
+                  <a:schemeClr val="accent2"/>
+                </a:solidFill>
+                <a:latin typeface="Courier" pitchFamily="49" charset="0"/>
+              </a:rPr>
+              <a:t>getCollectionObject</a:t>
+            </a:r>
+            <a:r>
+              <a:rPr lang="en-US" sz="1400" b="1" dirty="0" smtClean="0">
+                <a:solidFill>
+                  <a:schemeClr val="accent2"/>
+                </a:solidFill>
+                <a:latin typeface="Courier" pitchFamily="49" charset="0"/>
+              </a:rPr>
+              <a:t>(</a:t>
+            </a:r>
+            <a:r>
+              <a:rPr lang="en-US" sz="1400" b="1" dirty="0" smtClean="0">
+                <a:solidFill>
+                  <a:srgbClr val="FF0000"/>
+                </a:solidFill>
+                <a:latin typeface="Courier" pitchFamily="49" charset="0"/>
+              </a:rPr>
               <a:t>@</a:t>
             </a:r>
             <a:r>
+              <a:rPr lang="en-US" sz="1400" b="1" dirty="0" err="1" smtClean="0">
+                <a:solidFill>
+                  <a:srgbClr val="FF0000"/>
+                </a:solidFill>
+                <a:latin typeface="Courier" pitchFamily="49" charset="0"/>
+              </a:rPr>
+              <a:t>PathParam</a:t>
+            </a:r>
+            <a:r>
               <a:rPr lang="en-US" sz="1400" b="1" dirty="0" smtClean="0">
                 <a:solidFill>
                   <a:srgbClr val="FF0000"/>
                 </a:solidFill>
                 <a:latin typeface="Courier" pitchFamily="49" charset="0"/>
               </a:rPr>
-              <a:t>GET @Path</a:t>
+              <a:t>("id") </a:t>
             </a:r>
             <a:r>
               <a:rPr lang="en-US" sz="1400" b="1" dirty="0" smtClean="0">
                 <a:solidFill>
+                  <a:schemeClr val="accent2"/>
+                </a:solidFill>
+                <a:latin typeface="Courier" pitchFamily="49" charset="0"/>
+              </a:rPr>
+              <a:t>String id) { .. }</a:t>
+            </a:r>
+          </a:p>
+          <a:p>
+            <a:pPr>
+              <a:buNone/>
+            </a:pPr>
+            <a:r>
+              <a:rPr lang="en-US" sz="1400" b="1" dirty="0" smtClean="0">
+                <a:solidFill>
+                  <a:schemeClr val="accent2"/>
+                </a:solidFill>
+                <a:latin typeface="Courier" pitchFamily="49" charset="0"/>
+              </a:rPr>
+              <a:t>	</a:t>
+            </a:r>
+          </a:p>
+          <a:p>
+            <a:pPr>
+              <a:buNone/>
+            </a:pPr>
+            <a:r>
+              <a:rPr lang="en-US" sz="1400" b="1" dirty="0" smtClean="0">
+                <a:solidFill>
+                  <a:schemeClr val="accent2"/>
+                </a:solidFill>
+                <a:latin typeface="Courier" pitchFamily="49" charset="0"/>
+              </a:rPr>
+              <a:t>   </a:t>
+            </a:r>
+            <a:r>
+              <a:rPr lang="en-US" sz="1400" b="1" dirty="0" smtClean="0">
+                <a:solidFill>
                   <a:srgbClr val="FF0000"/>
                 </a:solidFill>
                 <a:latin typeface="Courier" pitchFamily="49" charset="0"/>
               </a:rPr>
-              <a:t>("{id}")</a:t>
-            </a:r>
-          </a:p>
-          <a:p>
-            <a:pPr>
-              <a:buNone/>
-            </a:pPr>
+              <a:t>@PUT </a:t>
+            </a:r>
             <a:r>
               <a:rPr lang="en-US" sz="1400" b="1" dirty="0" smtClean="0">
                 <a:solidFill>
@@ -11982,6 +11904,20 @@
                 </a:solidFill>
                 <a:latin typeface="Courier" pitchFamily="49" charset="0"/>
               </a:rPr>
+              <a:t>@Path("{id}")</a:t>
+            </a:r>
+          </a:p>
+          <a:p>
+            <a:pPr>
+              <a:buNone/>
+            </a:pPr>
+            <a:r>
+              <a:rPr lang="en-US" sz="1400" b="1" dirty="0" smtClean="0">
+                <a:solidFill>
+                  <a:schemeClr val="accent2"/>
+                </a:solidFill>
+                <a:latin typeface="Courier" pitchFamily="49" charset="0"/>
+              </a:rPr>
               <a:t>	public CollectionObject </a:t>
             </a:r>
             <a:r>
@@ -11991,7 +11927,7 @@
                 </a:solidFill>
                 <a:latin typeface="Courier" pitchFamily="49" charset="0"/>
               </a:rPr>
-              <a:t>getCollectionObject</a:t>
+              <a:t>updateCollectionObject</a:t>
             </a:r>
             <a:r>
               <a:rPr lang="en-US" sz="1400" b="1" dirty="0" smtClean="0">
@@ -12000,221 +11936,89 @@
                 </a:solidFill>
                 <a:latin typeface="Courier" pitchFamily="49" charset="0"/>
               </a:rPr>
-              <a:t>(</a:t>
+              <a:t>(@</a:t>
+            </a:r>
+            <a:r>
+              <a:rPr lang="en-US" sz="1400" b="1" dirty="0" err="1" smtClean="0">
+                <a:solidFill>
+                  <a:schemeClr val="accent2"/>
+                </a:solidFill>
+                <a:latin typeface="Courier" pitchFamily="49" charset="0"/>
+              </a:rPr>
+              <a:t>PathParam</a:t>
             </a:r>
             <a:r>
               <a:rPr lang="en-US" sz="1400" b="1" dirty="0" smtClean="0">
                 <a:solidFill>
+                  <a:schemeClr val="accent2"/>
+                </a:solidFill>
+                <a:latin typeface="Courier" pitchFamily="49" charset="0"/>
+              </a:rPr>
+              <a:t>("id") String id, CollectionObject </a:t>
+            </a:r>
+            <a:r>
+              <a:rPr lang="en-US" sz="1400" b="1" dirty="0" err="1" smtClean="0">
+                <a:solidFill>
+                  <a:schemeClr val="accent2"/>
+                </a:solidFill>
+                <a:latin typeface="Courier" pitchFamily="49" charset="0"/>
+              </a:rPr>
+              <a:t>theUpdate</a:t>
+            </a:r>
+            <a:r>
+              <a:rPr lang="en-US" sz="1400" b="1" dirty="0" smtClean="0">
+                <a:solidFill>
+                  <a:schemeClr val="accent2"/>
+                </a:solidFill>
+                <a:latin typeface="Courier" pitchFamily="49" charset="0"/>
+              </a:rPr>
+              <a:t>) { … }</a:t>
+            </a:r>
+          </a:p>
+          <a:p>
+            <a:pPr>
+              <a:buNone/>
+            </a:pPr>
+            <a:r>
+              <a:rPr lang="en-US" sz="1400" b="1" dirty="0" smtClean="0">
+                <a:solidFill>
+                  <a:schemeClr val="accent2"/>
+                </a:solidFill>
+                <a:latin typeface="Courier" pitchFamily="49" charset="0"/>
+              </a:rPr>
+              <a:t>	</a:t>
+            </a:r>
+          </a:p>
+          <a:p>
+            <a:pPr>
+              <a:buNone/>
+            </a:pPr>
+            <a:r>
+              <a:rPr lang="en-US" sz="1400" b="1" dirty="0" smtClean="0">
+                <a:solidFill>
+                  <a:schemeClr val="accent2"/>
+                </a:solidFill>
+                <a:latin typeface="Courier" pitchFamily="49" charset="0"/>
+              </a:rPr>
+              <a:t>   </a:t>
+            </a:r>
+            <a:r>
+              <a:rPr lang="en-US" sz="1400" b="1" dirty="0" smtClean="0">
+                <a:solidFill>
                   <a:srgbClr val="FF0000"/>
                 </a:solidFill>
                 <a:latin typeface="Courier" pitchFamily="49" charset="0"/>
               </a:rPr>
-              <a:t>@</a:t>
-            </a:r>
-            <a:r>
-              <a:rPr lang="en-US" sz="1400" b="1" dirty="0" err="1" smtClean="0">
-                <a:solidFill>
-                  <a:srgbClr val="FF0000"/>
-                </a:solidFill>
-                <a:latin typeface="Courier" pitchFamily="49" charset="0"/>
-              </a:rPr>
-              <a:t>PathParam</a:t>
+              <a:t>@DELETE </a:t>
             </a:r>
             <a:r>
               <a:rPr lang="en-US" sz="1400" b="1" dirty="0" smtClean="0">
                 <a:solidFill>
-                  <a:srgbClr val="FF0000"/>
-                </a:solidFill>
-                <a:latin typeface="Courier" pitchFamily="49" charset="0"/>
-              </a:rPr>
-              <a:t>("id") </a:t>
-            </a:r>
-            <a:r>
-              <a:rPr lang="en-US" sz="1400" b="1" dirty="0" smtClean="0">
-                <a:solidFill>
-                  <a:schemeClr val="accent2"/>
-                </a:solidFill>
-                <a:latin typeface="Courier" pitchFamily="49" charset="0"/>
-              </a:rPr>
-              <a:t>String id) { .. }</a:t>
-            </a:r>
-          </a:p>
-          <a:p>
-            <a:pPr>
-              <a:buNone/>
-            </a:pPr>
-            <a:r>
-              <a:rPr lang="en-US" sz="1400" b="1" dirty="0" smtClean="0">
-                <a:solidFill>
-                  <a:schemeClr val="accent2"/>
-                </a:solidFill>
-                <a:latin typeface="Courier" pitchFamily="49" charset="0"/>
-              </a:rPr>
-              <a:t>	</a:t>
-            </a:r>
-          </a:p>
-          <a:p>
-            <a:pPr>
-              <a:buNone/>
-            </a:pPr>
-            <a:r>
-              <a:rPr lang="en-US" sz="1400" b="1" dirty="0" smtClean="0">
-                <a:solidFill>
-                  <a:schemeClr val="accent2"/>
-                </a:solidFill>
-                <a:latin typeface="Courier" pitchFamily="49" charset="0"/>
-              </a:rPr>
-              <a:t>   </a:t>
-            </a:r>
-            <a:r>
-              <a:rPr lang="en-US" sz="1400" b="1" dirty="0" smtClean="0">
-                <a:solidFill>
-                  <a:srgbClr val="FF0000"/>
-                </a:solidFill>
-                <a:latin typeface="Courier" pitchFamily="49" charset="0"/>
-              </a:rPr>
-              <a:t>@PUT </a:t>
-            </a:r>
-            <a:r>
-              <a:rPr lang="en-US" sz="1400" b="1" dirty="0" smtClean="0">
-                <a:solidFill>
-                  <a:schemeClr val="accent2"/>
-                </a:solidFill>
-                <a:latin typeface="Courier" pitchFamily="49" charset="0"/>
-              </a:rPr>
-              <a:t>@</a:t>
-            </a:r>
-            <a:r>
-              <a:rPr lang="en-US" sz="1400" b="1" dirty="0" smtClean="0">
-                <a:solidFill>
-                  <a:schemeClr val="accent2"/>
-                </a:solidFill>
-                <a:latin typeface="Courier" pitchFamily="49" charset="0"/>
-              </a:rPr>
-              <a:t>Path("{id}")</a:t>
-            </a:r>
-          </a:p>
-          <a:p>
-            <a:pPr>
-              <a:buNone/>
-            </a:pPr>
-            <a:r>
-              <a:rPr lang="en-US" sz="1400" b="1" dirty="0" smtClean="0">
-                <a:solidFill>
-                  <a:schemeClr val="accent2"/>
-                </a:solidFill>
-                <a:latin typeface="Courier" pitchFamily="49" charset="0"/>
-              </a:rPr>
-              <a:t>	public CollectionObject </a:t>
-            </a:r>
-            <a:r>
-              <a:rPr lang="en-US" sz="1400" b="1" dirty="0" err="1" smtClean="0">
-                <a:solidFill>
-                  <a:schemeClr val="accent2"/>
-                </a:solidFill>
-                <a:latin typeface="Courier" pitchFamily="49" charset="0"/>
-              </a:rPr>
-              <a:t>updateCollectionObject</a:t>
-            </a:r>
-            <a:r>
-              <a:rPr lang="en-US" sz="1400" b="1" dirty="0" smtClean="0">
-                <a:solidFill>
-                  <a:schemeClr val="accent2"/>
-                </a:solidFill>
-                <a:latin typeface="Courier" pitchFamily="49" charset="0"/>
-              </a:rPr>
-              <a:t>(@</a:t>
-            </a:r>
-            <a:r>
-              <a:rPr lang="en-US" sz="1400" b="1" dirty="0" err="1" smtClean="0">
-                <a:solidFill>
-                  <a:schemeClr val="accent2"/>
-                </a:solidFill>
-                <a:latin typeface="Courier" pitchFamily="49" charset="0"/>
-              </a:rPr>
-              <a:t>PathParam</a:t>
-            </a:r>
-            <a:r>
-              <a:rPr lang="en-US" sz="1400" b="1" dirty="0" smtClean="0">
-                <a:solidFill>
-                  <a:schemeClr val="accent2"/>
-                </a:solidFill>
-                <a:latin typeface="Courier" pitchFamily="49" charset="0"/>
-              </a:rPr>
-              <a:t>("id") String id, CollectionObject </a:t>
-            </a:r>
-            <a:r>
-              <a:rPr lang="en-US" sz="1400" b="1" dirty="0" err="1" smtClean="0">
-                <a:solidFill>
-                  <a:schemeClr val="accent2"/>
-                </a:solidFill>
-                <a:latin typeface="Courier" pitchFamily="49" charset="0"/>
-              </a:rPr>
-              <a:t>theUpdate</a:t>
-            </a:r>
-            <a:r>
-              <a:rPr lang="en-US" sz="1400" b="1" dirty="0" smtClean="0">
-                <a:solidFill>
-                  <a:schemeClr val="accent2"/>
-                </a:solidFill>
-                <a:latin typeface="Courier" pitchFamily="49" charset="0"/>
-              </a:rPr>
-              <a:t>) { … }</a:t>
-            </a:r>
-          </a:p>
-          <a:p>
-            <a:pPr>
-              <a:buNone/>
-            </a:pPr>
-            <a:r>
-              <a:rPr lang="en-US" sz="1400" b="1" dirty="0" smtClean="0">
-                <a:solidFill>
-                  <a:schemeClr val="accent2"/>
-                </a:solidFill>
-                <a:latin typeface="Courier" pitchFamily="49" charset="0"/>
-              </a:rPr>
-              <a:t>	</a:t>
-            </a:r>
-          </a:p>
-          <a:p>
-            <a:pPr>
-              <a:buNone/>
-            </a:pPr>
-            <a:r>
-              <a:rPr lang="en-US" sz="1400" b="1" dirty="0" smtClean="0">
-                <a:solidFill>
-                  <a:schemeClr val="accent2"/>
-                </a:solidFill>
-                <a:latin typeface="Courier" pitchFamily="49" charset="0"/>
-              </a:rPr>
-              <a:t>   </a:t>
-            </a:r>
-            <a:r>
-              <a:rPr lang="en-US" sz="1400" b="1" dirty="0" smtClean="0">
-                <a:solidFill>
-                  <a:srgbClr val="FF0000"/>
-                </a:solidFill>
-                <a:latin typeface="Courier" pitchFamily="49" charset="0"/>
-              </a:rPr>
-              <a:t>@DELETE </a:t>
-            </a:r>
-            <a:r>
-              <a:rPr lang="en-US" sz="1400" b="1" dirty="0" smtClean="0">
-                <a:solidFill>
-                  <a:schemeClr val="accent2"/>
-                </a:solidFill>
-                <a:latin typeface="Courier" pitchFamily="49" charset="0"/>
-              </a:rPr>
-              <a:t>@Path</a:t>
-            </a:r>
-            <a:r>
-              <a:rPr lang="en-US" sz="1400" b="1" dirty="0" smtClean="0">
-                <a:solidFill>
-                  <a:schemeClr val="accent2"/>
-                </a:solidFill>
-                <a:latin typeface="Courier" pitchFamily="49" charset="0"/>
-              </a:rPr>
-              <a:t>("{id}")</a:t>
+                  <a:schemeClr val="accent2"/>
+                </a:solidFill>
+                <a:latin typeface="Courier" pitchFamily="49" charset="0"/>
+              </a:rPr>
+              <a:t>@Path("{id}")</a:t>
             </a:r>
           </a:p>
           <a:p>
@@ -12289,8 +12093,13 @@
                 </a:solidFill>
                 <a:latin typeface="Courier" pitchFamily="49" charset="0"/>
               </a:rPr>
-              <a:t>   @</a:t>
-            </a:r>
+              <a:t>   @GET</a:t>
+            </a:r>
+          </a:p>
+          <a:p>
+            <a:pPr>
+              <a:buNone/>
+            </a:pPr>
             <a:r>
               <a:rPr lang="en-US" sz="1400" b="1" dirty="0" smtClean="0">
                 <a:solidFill>
@@ -12298,19 +12107,17 @@
                 </a:solidFill>
                 <a:latin typeface="Courier" pitchFamily="49" charset="0"/>
               </a:rPr>
-              <a:t>GET</a:t>
-            </a:r>
-            <a:endParaRPr lang="en-US" sz="1400" b="1" dirty="0" smtClean="0">
-              <a:solidFill>
-                <a:schemeClr val="accent2"/>
-              </a:solidFill>
-              <a:latin typeface="Courier" pitchFamily="49" charset="0"/>
-            </a:endParaRPr>
-          </a:p>
-          <a:p>
-            <a:pPr>
-              <a:buNone/>
-            </a:pPr>
+              <a:t>	public </a:t>
+            </a:r>
+            <a:r>
+              <a:rPr lang="en-US" sz="1400" b="1" dirty="0" err="1" smtClean="0">
+                <a:solidFill>
+                  <a:schemeClr val="accent2"/>
+                </a:solidFill>
+                <a:latin typeface="Courier" pitchFamily="49" charset="0"/>
+              </a:rPr>
+              <a:t>CollectionObjectList</a:t>
+            </a:r>
             <a:r>
               <a:rPr lang="en-US" sz="1400" b="1" dirty="0" smtClean="0">
                 <a:solidFill>
@@ -12318,7 +12125,7 @@
                 </a:solidFill>
                 <a:latin typeface="Courier" pitchFamily="49" charset="0"/>
               </a:rPr>
-              <a:t>	public </a:t>
+              <a:t> </a:t>
             </a:r>
             <a:r>
               <a:rPr lang="en-US" sz="1400" b="1" dirty="0" err="1" smtClean="0">
@@ -12327,7 +12134,7 @@
                 </a:solidFill>
                 <a:latin typeface="Courier" pitchFamily="49" charset="0"/>
               </a:rPr>
-              <a:t>CollectionObjectList</a:t>
+              <a:t>getCollectionObjectList</a:t>
             </a:r>
             <a:r>
               <a:rPr lang="en-US" sz="1400" b="1" dirty="0" smtClean="0">
@@ -12336,6 +12143,33 @@
                 </a:solidFill>
                 <a:latin typeface="Courier" pitchFamily="49" charset="0"/>
               </a:rPr>
+              <a:t>(</a:t>
+            </a:r>
+            <a:r>
+              <a:rPr lang="en-US" sz="1400" b="1" dirty="0" smtClean="0">
+                <a:solidFill>
+                  <a:srgbClr val="FF0000"/>
+                </a:solidFill>
+                <a:latin typeface="Courier" pitchFamily="49" charset="0"/>
+              </a:rPr>
+              <a:t>@Context </a:t>
+            </a:r>
+            <a:r>
+              <a:rPr lang="en-US" sz="1400" b="1" dirty="0" err="1" smtClean="0">
+                <a:solidFill>
+                  <a:srgbClr val="FF0000"/>
+                </a:solidFill>
+                <a:latin typeface="Courier" pitchFamily="49" charset="0"/>
+              </a:rPr>
+              <a:t>UriInfo</a:t>
+            </a:r>
+            <a:r>
+              <a:rPr lang="en-US" sz="1400" b="1" dirty="0" smtClean="0">
+                <a:solidFill>
+                  <a:srgbClr val="FF0000"/>
+                </a:solidFill>
+                <a:latin typeface="Courier" pitchFamily="49" charset="0"/>
+              </a:rPr>
               <a:t> </a:t>
             </a:r>
             <a:r>
@@ -12345,7 +12179,7 @@
                 </a:solidFill>
                 <a:latin typeface="Courier" pitchFamily="49" charset="0"/>
               </a:rPr>
-              <a:t>getCollectionObjectList</a:t>
+              <a:t>ui</a:t>
             </a:r>
             <a:r>
               <a:rPr lang="en-US" sz="1400" b="1" dirty="0" smtClean="0">
@@ -12354,61 +12188,7 @@
                 </a:solidFill>
                 <a:latin typeface="Courier" pitchFamily="49" charset="0"/>
               </a:rPr>
-              <a:t>(</a:t>
-            </a:r>
-            <a:r>
-              <a:rPr lang="en-US" sz="1400" b="1" dirty="0" smtClean="0">
-                <a:solidFill>
-                  <a:srgbClr val="FF0000"/>
-                </a:solidFill>
-                <a:latin typeface="Courier" pitchFamily="49" charset="0"/>
-              </a:rPr>
-              <a:t>@Context </a:t>
-            </a:r>
-            <a:r>
-              <a:rPr lang="en-US" sz="1400" b="1" dirty="0" err="1" smtClean="0">
-                <a:solidFill>
-                  <a:srgbClr val="FF0000"/>
-                </a:solidFill>
-                <a:latin typeface="Courier" pitchFamily="49" charset="0"/>
-              </a:rPr>
-              <a:t>UriInfo</a:t>
-            </a:r>
-            <a:r>
-              <a:rPr lang="en-US" sz="1400" b="1" dirty="0" smtClean="0">
-                <a:solidFill>
-                  <a:srgbClr val="FF0000"/>
-                </a:solidFill>
-                <a:latin typeface="Courier" pitchFamily="49" charset="0"/>
-              </a:rPr>
-              <a:t> </a:t>
-            </a:r>
-            <a:r>
-              <a:rPr lang="en-US" sz="1400" b="1" dirty="0" err="1" smtClean="0">
-                <a:solidFill>
-                  <a:schemeClr val="accent2"/>
-                </a:solidFill>
-                <a:latin typeface="Courier" pitchFamily="49" charset="0"/>
-              </a:rPr>
-              <a:t>ui</a:t>
-            </a:r>
-            <a:r>
-              <a:rPr lang="en-US" sz="1400" b="1" dirty="0" smtClean="0">
-                <a:solidFill>
-                  <a:schemeClr val="accent2"/>
-                </a:solidFill>
-                <a:latin typeface="Courier" pitchFamily="49" charset="0"/>
-              </a:rPr>
-              <a:t>) </a:t>
-            </a:r>
-            <a:r>
-              <a:rPr lang="en-US" sz="1400" b="1" dirty="0" smtClean="0">
-                <a:solidFill>
-                  <a:schemeClr val="accent2"/>
-                </a:solidFill>
-                <a:latin typeface="Courier" pitchFamily="49" charset="0"/>
-              </a:rPr>
-              <a:t>{ … }</a:t>
+              <a:t>) { … }</a:t>
             </a:r>
           </a:p>
           <a:p>
